--- a/presentations/8 - The adventure begins.pptx
+++ b/presentations/8 - The adventure begins.pptx
@@ -5,7 +5,7 @@
     <p:sldMasterId id="2147483648" r:id="rId1"/>
   </p:sldMasterIdLst>
   <p:notesMasterIdLst>
-    <p:notesMasterId r:id="rId9"/>
+    <p:notesMasterId r:id="rId12"/>
   </p:notesMasterIdLst>
   <p:sldIdLst>
     <p:sldId id="256" r:id="rId2"/>
@@ -13,8 +13,11 @@
     <p:sldId id="258" r:id="rId4"/>
     <p:sldId id="259" r:id="rId5"/>
     <p:sldId id="260" r:id="rId6"/>
-    <p:sldId id="261" r:id="rId7"/>
-    <p:sldId id="262" r:id="rId8"/>
+    <p:sldId id="263" r:id="rId7"/>
+    <p:sldId id="264" r:id="rId8"/>
+    <p:sldId id="265" r:id="rId9"/>
+    <p:sldId id="261" r:id="rId10"/>
+    <p:sldId id="262" r:id="rId11"/>
   </p:sldIdLst>
   <p:sldSz cx="12192000" cy="6858000"/>
   <p:notesSz cx="6858000" cy="9144000"/>
@@ -203,7 +206,7 @@
           <a:p>
             <a:fld id="{F66424AC-637E-4C16-A5EC-04F4842B5A71}" type="datetimeFigureOut">
               <a:rPr lang="en-US" smtClean="0"/>
-              <a:t>12/8/2023</a:t>
+              <a:t>4/8/2025</a:t>
             </a:fld>
             <a:endParaRPr lang="en-US"/>
           </a:p>
@@ -572,6 +575,97 @@
 </p:notes>
 </file>
 
+<file path=ppt/notesSlides/notesSlide10.xml><?xml version="1.0" encoding="utf-8"?>
+<p:notes xmlns:a="http://schemas.openxmlformats.org/drawingml/2006/main" xmlns:r="http://schemas.openxmlformats.org/officeDocument/2006/relationships" xmlns:p="http://schemas.openxmlformats.org/presentationml/2006/main">
+  <p:cSld>
+    <p:spTree>
+      <p:nvGrpSpPr>
+        <p:cNvPr id="1" name=""/>
+        <p:cNvGrpSpPr/>
+        <p:nvPr/>
+      </p:nvGrpSpPr>
+      <p:grpSpPr>
+        <a:xfrm>
+          <a:off x="0" y="0"/>
+          <a:ext cx="0" cy="0"/>
+          <a:chOff x="0" y="0"/>
+          <a:chExt cx="0" cy="0"/>
+        </a:xfrm>
+      </p:grpSpPr>
+      <p:sp>
+        <p:nvSpPr>
+          <p:cNvPr id="2" name="Slide Image Placeholder 1"/>
+          <p:cNvSpPr>
+            <a:spLocks noGrp="1" noRot="1" noChangeAspect="1"/>
+          </p:cNvSpPr>
+          <p:nvPr>
+            <p:ph type="sldImg"/>
+          </p:nvPr>
+        </p:nvSpPr>
+        <p:spPr/>
+      </p:sp>
+      <p:sp>
+        <p:nvSpPr>
+          <p:cNvPr id="3" name="Notes Placeholder 2"/>
+          <p:cNvSpPr>
+            <a:spLocks noGrp="1"/>
+          </p:cNvSpPr>
+          <p:nvPr>
+            <p:ph type="body" idx="1"/>
+          </p:nvPr>
+        </p:nvSpPr>
+        <p:spPr/>
+        <p:txBody>
+          <a:bodyPr/>
+          <a:lstStyle/>
+          <a:p>
+            <a:r>
+              <a:rPr lang="en-US" dirty="0"/>
+              <a:t>And two things that </a:t>
+            </a:r>
+            <a:r>
+              <a:rPr lang="en-US"/>
+              <a:t>I’m going to demo….</a:t>
+            </a:r>
+          </a:p>
+        </p:txBody>
+      </p:sp>
+      <p:sp>
+        <p:nvSpPr>
+          <p:cNvPr id="4" name="Slide Number Placeholder 3"/>
+          <p:cNvSpPr>
+            <a:spLocks noGrp="1"/>
+          </p:cNvSpPr>
+          <p:nvPr>
+            <p:ph type="sldNum" sz="quarter" idx="5"/>
+          </p:nvPr>
+        </p:nvSpPr>
+        <p:spPr/>
+        <p:txBody>
+          <a:bodyPr/>
+          <a:lstStyle/>
+          <a:p>
+            <a:fld id="{C7D661A2-F486-4536-9EC3-8F3D924AC42C}" type="slidenum">
+              <a:rPr lang="en-US" smtClean="0"/>
+              <a:t>10</a:t>
+            </a:fld>
+            <a:endParaRPr lang="en-US"/>
+          </a:p>
+        </p:txBody>
+      </p:sp>
+    </p:spTree>
+    <p:extLst>
+      <p:ext uri="{BB962C8B-B14F-4D97-AF65-F5344CB8AC3E}">
+        <p14:creationId xmlns:p14="http://schemas.microsoft.com/office/powerpoint/2010/main" val="2937627873"/>
+      </p:ext>
+    </p:extLst>
+  </p:cSld>
+  <p:clrMapOvr>
+    <a:masterClrMapping/>
+  </p:clrMapOvr>
+</p:notes>
+</file>
+
 <file path=ppt/notesSlides/notesSlide2.xml><?xml version="1.0" encoding="utf-8"?>
 <p:notes xmlns:a="http://schemas.openxmlformats.org/drawingml/2006/main" xmlns:r="http://schemas.openxmlformats.org/officeDocument/2006/relationships" xmlns:p="http://schemas.openxmlformats.org/presentationml/2006/main">
   <p:cSld>
@@ -997,7 +1091,13 @@
   <p:cSld>
     <p:spTree>
       <p:nvGrpSpPr>
-        <p:cNvPr id="1" name=""/>
+        <p:cNvPr id="1" name="">
+          <a:extLst>
+            <a:ext uri="{FF2B5EF4-FFF2-40B4-BE49-F238E27FC236}">
+              <a16:creationId xmlns:a16="http://schemas.microsoft.com/office/drawing/2014/main" id="{C641D527-C15A-D5ED-9F25-F968EE4942C2}"/>
+            </a:ext>
+          </a:extLst>
+        </p:cNvPr>
         <p:cNvGrpSpPr/>
         <p:nvPr/>
       </p:nvGrpSpPr>
@@ -1011,7 +1111,13 @@
       </p:grpSpPr>
       <p:sp>
         <p:nvSpPr>
-          <p:cNvPr id="2" name="Slide Image Placeholder 1"/>
+          <p:cNvPr id="2" name="Slide Image Placeholder 1">
+            <a:extLst>
+              <a:ext uri="{FF2B5EF4-FFF2-40B4-BE49-F238E27FC236}">
+                <a16:creationId xmlns:a16="http://schemas.microsoft.com/office/drawing/2014/main" id="{997137E6-96DA-F27E-C038-666673962A92}"/>
+              </a:ext>
+            </a:extLst>
+          </p:cNvPr>
           <p:cNvSpPr>
             <a:spLocks noGrp="1" noRot="1" noChangeAspect="1"/>
           </p:cNvSpPr>
@@ -1023,7 +1129,13 @@
       </p:sp>
       <p:sp>
         <p:nvSpPr>
-          <p:cNvPr id="3" name="Notes Placeholder 2"/>
+          <p:cNvPr id="3" name="Notes Placeholder 2">
+            <a:extLst>
+              <a:ext uri="{FF2B5EF4-FFF2-40B4-BE49-F238E27FC236}">
+                <a16:creationId xmlns:a16="http://schemas.microsoft.com/office/drawing/2014/main" id="{538065C5-7DF4-3D9B-2445-F42BC79FD906}"/>
+              </a:ext>
+            </a:extLst>
+          </p:cNvPr>
           <p:cNvSpPr>
             <a:spLocks noGrp="1"/>
           </p:cNvSpPr>
@@ -1038,22 +1150,38 @@
           <a:p>
             <a:r>
               <a:rPr lang="en-US" dirty="0"/>
-              <a:t>And yes, you can GIS with R!  Check out this figure that Justin made (and I stole, </a:t>
-            </a:r>
-            <a:r>
-              <a:rPr lang="en-US" dirty="0" err="1"/>
-              <a:t>cuz</a:t>
-            </a:r>
+              <a:t>So depending on where you’re at in your R journey, maybe this isn’t useful just yet.</a:t>
+            </a:r>
+          </a:p>
+          <a:p>
+            <a:endParaRPr lang="en-US" dirty="0"/>
+          </a:p>
+          <a:p>
             <a:r>
               <a:rPr lang="en-US" dirty="0"/>
-              <a:t> I thought it looked cool!)  This was all done in R.</a:t>
-            </a:r>
-          </a:p>
-        </p:txBody>
-      </p:sp>
-      <p:sp>
-        <p:nvSpPr>
-          <p:cNvPr id="4" name="Slide Number Placeholder 3"/>
+              <a:t>BUT, I really want to plant a seed for the future.</a:t>
+            </a:r>
+          </a:p>
+          <a:p>
+            <a:endParaRPr lang="en-US" dirty="0"/>
+          </a:p>
+          <a:p>
+            <a:r>
+              <a:rPr lang="en-US" dirty="0"/>
+              <a:t>Let’s say you have a five-year project with five years of data (not so crazy, right?)</a:t>
+            </a:r>
+          </a:p>
+        </p:txBody>
+      </p:sp>
+      <p:sp>
+        <p:nvSpPr>
+          <p:cNvPr id="4" name="Slide Number Placeholder 3">
+            <a:extLst>
+              <a:ext uri="{FF2B5EF4-FFF2-40B4-BE49-F238E27FC236}">
+                <a16:creationId xmlns:a16="http://schemas.microsoft.com/office/drawing/2014/main" id="{865910E2-8063-D3A5-A5A3-0EB0C2B6481D}"/>
+              </a:ext>
+            </a:extLst>
+          </p:cNvPr>
           <p:cNvSpPr>
             <a:spLocks noGrp="1"/>
           </p:cNvSpPr>
@@ -1077,7 +1205,7 @@
     </p:spTree>
     <p:extLst>
       <p:ext uri="{BB962C8B-B14F-4D97-AF65-F5344CB8AC3E}">
-        <p14:creationId xmlns:p14="http://schemas.microsoft.com/office/powerpoint/2010/main" val="336115089"/>
+        <p14:creationId xmlns:p14="http://schemas.microsoft.com/office/powerpoint/2010/main" val="535546316"/>
       </p:ext>
     </p:extLst>
   </p:cSld>
@@ -1088,6 +1216,222 @@
 </file>
 
 <file path=ppt/notesSlides/notesSlide7.xml><?xml version="1.0" encoding="utf-8"?>
+<p:notes xmlns:a="http://schemas.openxmlformats.org/drawingml/2006/main" xmlns:r="http://schemas.openxmlformats.org/officeDocument/2006/relationships" xmlns:p="http://schemas.openxmlformats.org/presentationml/2006/main">
+  <p:cSld>
+    <p:spTree>
+      <p:nvGrpSpPr>
+        <p:cNvPr id="1" name="">
+          <a:extLst>
+            <a:ext uri="{FF2B5EF4-FFF2-40B4-BE49-F238E27FC236}">
+              <a16:creationId xmlns:a16="http://schemas.microsoft.com/office/drawing/2014/main" id="{734E6B3C-4E02-A91E-F32D-F75F78883115}"/>
+            </a:ext>
+          </a:extLst>
+        </p:cNvPr>
+        <p:cNvGrpSpPr/>
+        <p:nvPr/>
+      </p:nvGrpSpPr>
+      <p:grpSpPr>
+        <a:xfrm>
+          <a:off x="0" y="0"/>
+          <a:ext cx="0" cy="0"/>
+          <a:chOff x="0" y="0"/>
+          <a:chExt cx="0" cy="0"/>
+        </a:xfrm>
+      </p:grpSpPr>
+      <p:sp>
+        <p:nvSpPr>
+          <p:cNvPr id="2" name="Slide Image Placeholder 1">
+            <a:extLst>
+              <a:ext uri="{FF2B5EF4-FFF2-40B4-BE49-F238E27FC236}">
+                <a16:creationId xmlns:a16="http://schemas.microsoft.com/office/drawing/2014/main" id="{1F095C32-0396-B7AA-2731-FF88672F8123}"/>
+              </a:ext>
+            </a:extLst>
+          </p:cNvPr>
+          <p:cNvSpPr>
+            <a:spLocks noGrp="1" noRot="1" noChangeAspect="1"/>
+          </p:cNvSpPr>
+          <p:nvPr>
+            <p:ph type="sldImg"/>
+          </p:nvPr>
+        </p:nvSpPr>
+        <p:spPr/>
+      </p:sp>
+      <p:sp>
+        <p:nvSpPr>
+          <p:cNvPr id="3" name="Notes Placeholder 2">
+            <a:extLst>
+              <a:ext uri="{FF2B5EF4-FFF2-40B4-BE49-F238E27FC236}">
+                <a16:creationId xmlns:a16="http://schemas.microsoft.com/office/drawing/2014/main" id="{6EFADCEE-2FC3-7ABD-208D-F37DCFF96449}"/>
+              </a:ext>
+            </a:extLst>
+          </p:cNvPr>
+          <p:cNvSpPr>
+            <a:spLocks noGrp="1"/>
+          </p:cNvSpPr>
+          <p:nvPr>
+            <p:ph type="body" idx="1"/>
+          </p:nvPr>
+        </p:nvSpPr>
+        <p:spPr/>
+        <p:txBody>
+          <a:bodyPr/>
+          <a:lstStyle/>
+          <a:p>
+            <a:endParaRPr lang="en-US" dirty="0"/>
+          </a:p>
+        </p:txBody>
+      </p:sp>
+      <p:sp>
+        <p:nvSpPr>
+          <p:cNvPr id="4" name="Slide Number Placeholder 3">
+            <a:extLst>
+              <a:ext uri="{FF2B5EF4-FFF2-40B4-BE49-F238E27FC236}">
+                <a16:creationId xmlns:a16="http://schemas.microsoft.com/office/drawing/2014/main" id="{FE176931-7D24-3C6E-D606-5F928AF7E815}"/>
+              </a:ext>
+            </a:extLst>
+          </p:cNvPr>
+          <p:cNvSpPr>
+            <a:spLocks noGrp="1"/>
+          </p:cNvSpPr>
+          <p:nvPr>
+            <p:ph type="sldNum" sz="quarter" idx="5"/>
+          </p:nvPr>
+        </p:nvSpPr>
+        <p:spPr/>
+        <p:txBody>
+          <a:bodyPr/>
+          <a:lstStyle/>
+          <a:p>
+            <a:fld id="{C7D661A2-F486-4536-9EC3-8F3D924AC42C}" type="slidenum">
+              <a:rPr lang="en-US" smtClean="0"/>
+              <a:t>7</a:t>
+            </a:fld>
+            <a:endParaRPr lang="en-US"/>
+          </a:p>
+        </p:txBody>
+      </p:sp>
+    </p:spTree>
+    <p:extLst>
+      <p:ext uri="{BB962C8B-B14F-4D97-AF65-F5344CB8AC3E}">
+        <p14:creationId xmlns:p14="http://schemas.microsoft.com/office/powerpoint/2010/main" val="4177038806"/>
+      </p:ext>
+    </p:extLst>
+  </p:cSld>
+  <p:clrMapOvr>
+    <a:masterClrMapping/>
+  </p:clrMapOvr>
+</p:notes>
+</file>
+
+<file path=ppt/notesSlides/notesSlide8.xml><?xml version="1.0" encoding="utf-8"?>
+<p:notes xmlns:a="http://schemas.openxmlformats.org/drawingml/2006/main" xmlns:r="http://schemas.openxmlformats.org/officeDocument/2006/relationships" xmlns:p="http://schemas.openxmlformats.org/presentationml/2006/main">
+  <p:cSld>
+    <p:spTree>
+      <p:nvGrpSpPr>
+        <p:cNvPr id="1" name="">
+          <a:extLst>
+            <a:ext uri="{FF2B5EF4-FFF2-40B4-BE49-F238E27FC236}">
+              <a16:creationId xmlns:a16="http://schemas.microsoft.com/office/drawing/2014/main" id="{9858F3E7-A951-C9E3-E830-364E26E84E5A}"/>
+            </a:ext>
+          </a:extLst>
+        </p:cNvPr>
+        <p:cNvGrpSpPr/>
+        <p:nvPr/>
+      </p:nvGrpSpPr>
+      <p:grpSpPr>
+        <a:xfrm>
+          <a:off x="0" y="0"/>
+          <a:ext cx="0" cy="0"/>
+          <a:chOff x="0" y="0"/>
+          <a:chExt cx="0" cy="0"/>
+        </a:xfrm>
+      </p:grpSpPr>
+      <p:sp>
+        <p:nvSpPr>
+          <p:cNvPr id="2" name="Slide Image Placeholder 1">
+            <a:extLst>
+              <a:ext uri="{FF2B5EF4-FFF2-40B4-BE49-F238E27FC236}">
+                <a16:creationId xmlns:a16="http://schemas.microsoft.com/office/drawing/2014/main" id="{616A5683-2A1B-A31E-FBBE-606664B4327D}"/>
+              </a:ext>
+            </a:extLst>
+          </p:cNvPr>
+          <p:cNvSpPr>
+            <a:spLocks noGrp="1" noRot="1" noChangeAspect="1"/>
+          </p:cNvSpPr>
+          <p:nvPr>
+            <p:ph type="sldImg"/>
+          </p:nvPr>
+        </p:nvSpPr>
+        <p:spPr/>
+      </p:sp>
+      <p:sp>
+        <p:nvSpPr>
+          <p:cNvPr id="3" name="Notes Placeholder 2">
+            <a:extLst>
+              <a:ext uri="{FF2B5EF4-FFF2-40B4-BE49-F238E27FC236}">
+                <a16:creationId xmlns:a16="http://schemas.microsoft.com/office/drawing/2014/main" id="{9ED81868-79FE-7945-5C9F-1B93B7324588}"/>
+              </a:ext>
+            </a:extLst>
+          </p:cNvPr>
+          <p:cNvSpPr>
+            <a:spLocks noGrp="1"/>
+          </p:cNvSpPr>
+          <p:nvPr>
+            <p:ph type="body" idx="1"/>
+          </p:nvPr>
+        </p:nvSpPr>
+        <p:spPr/>
+        <p:txBody>
+          <a:bodyPr/>
+          <a:lstStyle/>
+          <a:p>
+            <a:endParaRPr lang="en-US" dirty="0"/>
+          </a:p>
+        </p:txBody>
+      </p:sp>
+      <p:sp>
+        <p:nvSpPr>
+          <p:cNvPr id="4" name="Slide Number Placeholder 3">
+            <a:extLst>
+              <a:ext uri="{FF2B5EF4-FFF2-40B4-BE49-F238E27FC236}">
+                <a16:creationId xmlns:a16="http://schemas.microsoft.com/office/drawing/2014/main" id="{62003810-6D6F-013A-5193-9403C17142D9}"/>
+              </a:ext>
+            </a:extLst>
+          </p:cNvPr>
+          <p:cNvSpPr>
+            <a:spLocks noGrp="1"/>
+          </p:cNvSpPr>
+          <p:nvPr>
+            <p:ph type="sldNum" sz="quarter" idx="5"/>
+          </p:nvPr>
+        </p:nvSpPr>
+        <p:spPr/>
+        <p:txBody>
+          <a:bodyPr/>
+          <a:lstStyle/>
+          <a:p>
+            <a:fld id="{C7D661A2-F486-4536-9EC3-8F3D924AC42C}" type="slidenum">
+              <a:rPr lang="en-US" smtClean="0"/>
+              <a:t>8</a:t>
+            </a:fld>
+            <a:endParaRPr lang="en-US"/>
+          </a:p>
+        </p:txBody>
+      </p:sp>
+    </p:spTree>
+    <p:extLst>
+      <p:ext uri="{BB962C8B-B14F-4D97-AF65-F5344CB8AC3E}">
+        <p14:creationId xmlns:p14="http://schemas.microsoft.com/office/powerpoint/2010/main" val="1598193073"/>
+      </p:ext>
+    </p:extLst>
+  </p:cSld>
+  <p:clrMapOvr>
+    <a:masterClrMapping/>
+  </p:clrMapOvr>
+</p:notes>
+</file>
+
+<file path=ppt/notesSlides/notesSlide9.xml><?xml version="1.0" encoding="utf-8"?>
 <p:notes xmlns:a="http://schemas.openxmlformats.org/drawingml/2006/main" xmlns:r="http://schemas.openxmlformats.org/officeDocument/2006/relationships" xmlns:p="http://schemas.openxmlformats.org/presentationml/2006/main">
   <p:cSld>
     <p:spTree>
@@ -1133,11 +1477,15 @@
           <a:p>
             <a:r>
               <a:rPr lang="en-US" dirty="0"/>
-              <a:t>And two things that </a:t>
-            </a:r>
-            <a:r>
-              <a:rPr lang="en-US"/>
-              <a:t>I’m going to demo….</a:t>
+              <a:t>And yes, you can GIS with R!  Check out this figure that Justin made (and I stole, </a:t>
+            </a:r>
+            <a:r>
+              <a:rPr lang="en-US" dirty="0" err="1"/>
+              <a:t>cuz</a:t>
+            </a:r>
+            <a:r>
+              <a:rPr lang="en-US" dirty="0"/>
+              <a:t> I thought it looked cool!)  This was all done in R.</a:t>
             </a:r>
           </a:p>
         </p:txBody>
@@ -1159,7 +1507,7 @@
           <a:p>
             <a:fld id="{C7D661A2-F486-4536-9EC3-8F3D924AC42C}" type="slidenum">
               <a:rPr lang="en-US" smtClean="0"/>
-              <a:t>7</a:t>
+              <a:t>9</a:t>
             </a:fld>
             <a:endParaRPr lang="en-US"/>
           </a:p>
@@ -1168,7 +1516,7 @@
     </p:spTree>
     <p:extLst>
       <p:ext uri="{BB962C8B-B14F-4D97-AF65-F5344CB8AC3E}">
-        <p14:creationId xmlns:p14="http://schemas.microsoft.com/office/powerpoint/2010/main" val="2937627873"/>
+        <p14:creationId xmlns:p14="http://schemas.microsoft.com/office/powerpoint/2010/main" val="336115089"/>
       </p:ext>
     </p:extLst>
   </p:cSld>
@@ -1325,7 +1673,7 @@
           <a:p>
             <a:fld id="{F9F57C4A-2F7E-45A6-9631-DF8F6C2C902F}" type="datetimeFigureOut">
               <a:rPr lang="en-US" smtClean="0"/>
-              <a:t>12/8/2023</a:t>
+              <a:t>4/8/2025</a:t>
             </a:fld>
             <a:endParaRPr lang="en-US"/>
           </a:p>
@@ -1523,7 +1871,7 @@
           <a:p>
             <a:fld id="{F9F57C4A-2F7E-45A6-9631-DF8F6C2C902F}" type="datetimeFigureOut">
               <a:rPr lang="en-US" smtClean="0"/>
-              <a:t>12/8/2023</a:t>
+              <a:t>4/8/2025</a:t>
             </a:fld>
             <a:endParaRPr lang="en-US"/>
           </a:p>
@@ -1731,7 +2079,7 @@
           <a:p>
             <a:fld id="{F9F57C4A-2F7E-45A6-9631-DF8F6C2C902F}" type="datetimeFigureOut">
               <a:rPr lang="en-US" smtClean="0"/>
-              <a:t>12/8/2023</a:t>
+              <a:t>4/8/2025</a:t>
             </a:fld>
             <a:endParaRPr lang="en-US"/>
           </a:p>
@@ -1929,7 +2277,7 @@
           <a:p>
             <a:fld id="{F9F57C4A-2F7E-45A6-9631-DF8F6C2C902F}" type="datetimeFigureOut">
               <a:rPr lang="en-US" smtClean="0"/>
-              <a:t>12/8/2023</a:t>
+              <a:t>4/8/2025</a:t>
             </a:fld>
             <a:endParaRPr lang="en-US"/>
           </a:p>
@@ -2204,7 +2552,7 @@
           <a:p>
             <a:fld id="{F9F57C4A-2F7E-45A6-9631-DF8F6C2C902F}" type="datetimeFigureOut">
               <a:rPr lang="en-US" smtClean="0"/>
-              <a:t>12/8/2023</a:t>
+              <a:t>4/8/2025</a:t>
             </a:fld>
             <a:endParaRPr lang="en-US"/>
           </a:p>
@@ -2469,7 +2817,7 @@
           <a:p>
             <a:fld id="{F9F57C4A-2F7E-45A6-9631-DF8F6C2C902F}" type="datetimeFigureOut">
               <a:rPr lang="en-US" smtClean="0"/>
-              <a:t>12/8/2023</a:t>
+              <a:t>4/8/2025</a:t>
             </a:fld>
             <a:endParaRPr lang="en-US"/>
           </a:p>
@@ -2881,7 +3229,7 @@
           <a:p>
             <a:fld id="{F9F57C4A-2F7E-45A6-9631-DF8F6C2C902F}" type="datetimeFigureOut">
               <a:rPr lang="en-US" smtClean="0"/>
-              <a:t>12/8/2023</a:t>
+              <a:t>4/8/2025</a:t>
             </a:fld>
             <a:endParaRPr lang="en-US"/>
           </a:p>
@@ -3022,7 +3370,7 @@
           <a:p>
             <a:fld id="{F9F57C4A-2F7E-45A6-9631-DF8F6C2C902F}" type="datetimeFigureOut">
               <a:rPr lang="en-US" smtClean="0"/>
-              <a:t>12/8/2023</a:t>
+              <a:t>4/8/2025</a:t>
             </a:fld>
             <a:endParaRPr lang="en-US"/>
           </a:p>
@@ -3135,7 +3483,7 @@
           <a:p>
             <a:fld id="{F9F57C4A-2F7E-45A6-9631-DF8F6C2C902F}" type="datetimeFigureOut">
               <a:rPr lang="en-US" smtClean="0"/>
-              <a:t>12/8/2023</a:t>
+              <a:t>4/8/2025</a:t>
             </a:fld>
             <a:endParaRPr lang="en-US"/>
           </a:p>
@@ -3446,7 +3794,7 @@
           <a:p>
             <a:fld id="{F9F57C4A-2F7E-45A6-9631-DF8F6C2C902F}" type="datetimeFigureOut">
               <a:rPr lang="en-US" smtClean="0"/>
-              <a:t>12/8/2023</a:t>
+              <a:t>4/8/2025</a:t>
             </a:fld>
             <a:endParaRPr lang="en-US"/>
           </a:p>
@@ -3734,7 +4082,7 @@
           <a:p>
             <a:fld id="{F9F57C4A-2F7E-45A6-9631-DF8F6C2C902F}" type="datetimeFigureOut">
               <a:rPr lang="en-US" smtClean="0"/>
-              <a:t>12/8/2023</a:t>
+              <a:t>4/8/2025</a:t>
             </a:fld>
             <a:endParaRPr lang="en-US"/>
           </a:p>
@@ -3975,7 +4323,7 @@
           <a:p>
             <a:fld id="{F9F57C4A-2F7E-45A6-9631-DF8F6C2C902F}" type="datetimeFigureOut">
               <a:rPr lang="en-US" smtClean="0"/>
-              <a:t>12/8/2023</a:t>
+              <a:t>4/8/2025</a:t>
             </a:fld>
             <a:endParaRPr lang="en-US"/>
           </a:p>
@@ -4510,6 +4858,479 @@
   <p:clrMapOvr>
     <a:masterClrMapping/>
   </p:clrMapOvr>
+</p:sld>
+</file>
+
+<file path=ppt/slides/slide10.xml><?xml version="1.0" encoding="utf-8"?>
+<p:sld xmlns:a="http://schemas.openxmlformats.org/drawingml/2006/main" xmlns:r="http://schemas.openxmlformats.org/officeDocument/2006/relationships" xmlns:p="http://schemas.openxmlformats.org/presentationml/2006/main">
+  <p:cSld>
+    <p:spTree>
+      <p:nvGrpSpPr>
+        <p:cNvPr id="1" name=""/>
+        <p:cNvGrpSpPr/>
+        <p:nvPr/>
+      </p:nvGrpSpPr>
+      <p:grpSpPr>
+        <a:xfrm>
+          <a:off x="0" y="0"/>
+          <a:ext cx="0" cy="0"/>
+          <a:chOff x="0" y="0"/>
+          <a:chExt cx="0" cy="0"/>
+        </a:xfrm>
+      </p:grpSpPr>
+      <p:sp>
+        <p:nvSpPr>
+          <p:cNvPr id="3" name="Content Placeholder 2">
+            <a:extLst>
+              <a:ext uri="{FF2B5EF4-FFF2-40B4-BE49-F238E27FC236}">
+                <a16:creationId xmlns:a16="http://schemas.microsoft.com/office/drawing/2014/main" id="{0CD134BF-C081-B048-6D93-6BAC8903388D}"/>
+              </a:ext>
+            </a:extLst>
+          </p:cNvPr>
+          <p:cNvSpPr>
+            <a:spLocks noGrp="1"/>
+          </p:cNvSpPr>
+          <p:nvPr>
+            <p:ph idx="1"/>
+          </p:nvPr>
+        </p:nvSpPr>
+        <p:spPr>
+          <a:xfrm>
+            <a:off x="522111" y="324202"/>
+            <a:ext cx="7304078" cy="4981576"/>
+          </a:xfrm>
+        </p:spPr>
+        <p:txBody>
+          <a:bodyPr>
+            <a:normAutofit/>
+          </a:bodyPr>
+          <a:lstStyle/>
+          <a:p>
+            <a:pPr marL="0" indent="0">
+              <a:buNone/>
+            </a:pPr>
+            <a:r>
+              <a:rPr lang="en-US" sz="2400" b="1" dirty="0"/>
+              <a:t>Interactive apps with Shiny: </a:t>
+            </a:r>
+          </a:p>
+          <a:p>
+            <a:pPr marL="0" indent="0">
+              <a:buNone/>
+            </a:pPr>
+            <a:r>
+              <a:rPr lang="en-US" sz="2400" i="1" dirty="0"/>
+              <a:t>Write your own GUI interface to run R in the background</a:t>
+            </a:r>
+          </a:p>
+          <a:p>
+            <a:pPr lvl="1"/>
+            <a:r>
+              <a:rPr lang="en-US" sz="2000" dirty="0"/>
+              <a:t>Visualization</a:t>
+            </a:r>
+          </a:p>
+          <a:p>
+            <a:pPr lvl="1"/>
+            <a:r>
+              <a:rPr lang="en-US" sz="2000" dirty="0"/>
+              <a:t>Twiddling with parameters</a:t>
+            </a:r>
+          </a:p>
+          <a:p>
+            <a:pPr lvl="1"/>
+            <a:r>
+              <a:rPr lang="en-US" sz="2000" dirty="0"/>
+              <a:t>Conceptual discussion …</a:t>
+            </a:r>
+          </a:p>
+          <a:p>
+            <a:endParaRPr lang="en-US" sz="2400" dirty="0"/>
+          </a:p>
+          <a:p>
+            <a:pPr marL="0" indent="0">
+              <a:buNone/>
+            </a:pPr>
+            <a:r>
+              <a:rPr lang="en-US" sz="2400" b="1" dirty="0"/>
+              <a:t>Reproducible documents with Quarto &amp; Markdown</a:t>
+            </a:r>
+          </a:p>
+          <a:p>
+            <a:pPr marL="0" indent="0">
+              <a:buNone/>
+            </a:pPr>
+            <a:r>
+              <a:rPr lang="en-US" sz="2400" i="1" dirty="0"/>
+              <a:t>Combines running text and R code, and prints everything to Word, html, or pdf!</a:t>
+            </a:r>
+          </a:p>
+          <a:p>
+            <a:pPr lvl="1"/>
+            <a:r>
+              <a:rPr lang="en-US" sz="2000" dirty="0"/>
+              <a:t>No seriously, this is the future.</a:t>
+            </a:r>
+          </a:p>
+          <a:p>
+            <a:pPr lvl="1"/>
+            <a:r>
+              <a:rPr lang="en-US" sz="2000" dirty="0"/>
+              <a:t>Seriously.</a:t>
+            </a:r>
+          </a:p>
+          <a:p>
+            <a:pPr marL="0" indent="0">
+              <a:buNone/>
+            </a:pPr>
+            <a:endParaRPr lang="en-US" sz="2400" dirty="0"/>
+          </a:p>
+        </p:txBody>
+      </p:sp>
+      <p:pic>
+        <p:nvPicPr>
+          <p:cNvPr id="4" name="Picture 3" descr="A screenshot of a computer&#10;&#10;Description automatically generated">
+            <a:extLst>
+              <a:ext uri="{FF2B5EF4-FFF2-40B4-BE49-F238E27FC236}">
+                <a16:creationId xmlns:a16="http://schemas.microsoft.com/office/drawing/2014/main" id="{24543C96-6C8B-E3E9-0378-19203A054D02}"/>
+              </a:ext>
+            </a:extLst>
+          </p:cNvPr>
+          <p:cNvPicPr>
+            <a:picLocks noChangeAspect="1"/>
+          </p:cNvPicPr>
+          <p:nvPr/>
+        </p:nvPicPr>
+        <p:blipFill>
+          <a:blip r:embed="rId3">
+            <a:extLst>
+              <a:ext uri="{28A0092B-C50C-407E-A947-70E740481C1C}">
+                <a14:useLocalDpi xmlns:a14="http://schemas.microsoft.com/office/drawing/2010/main" val="0"/>
+              </a:ext>
+            </a:extLst>
+          </a:blip>
+          <a:stretch>
+            <a:fillRect/>
+          </a:stretch>
+        </p:blipFill>
+        <p:spPr>
+          <a:xfrm>
+            <a:off x="7328647" y="3792167"/>
+            <a:ext cx="4771699" cy="2892843"/>
+          </a:xfrm>
+          <a:prstGeom prst="rect">
+            <a:avLst/>
+          </a:prstGeom>
+        </p:spPr>
+      </p:pic>
+      <p:pic>
+        <p:nvPicPr>
+          <p:cNvPr id="6" name="Picture 5" descr="A screenshot of a computer&#10;&#10;Description automatically generated">
+            <a:extLst>
+              <a:ext uri="{FF2B5EF4-FFF2-40B4-BE49-F238E27FC236}">
+                <a16:creationId xmlns:a16="http://schemas.microsoft.com/office/drawing/2014/main" id="{20CDDD7C-38B9-D736-DC8F-9338ABF1398A}"/>
+              </a:ext>
+            </a:extLst>
+          </p:cNvPr>
+          <p:cNvPicPr>
+            <a:picLocks noChangeAspect="1"/>
+          </p:cNvPicPr>
+          <p:nvPr/>
+        </p:nvPicPr>
+        <p:blipFill>
+          <a:blip r:embed="rId4">
+            <a:extLst>
+              <a:ext uri="{28A0092B-C50C-407E-A947-70E740481C1C}">
+                <a14:useLocalDpi xmlns:a14="http://schemas.microsoft.com/office/drawing/2010/main" val="0"/>
+              </a:ext>
+            </a:extLst>
+          </a:blip>
+          <a:stretch>
+            <a:fillRect/>
+          </a:stretch>
+        </p:blipFill>
+        <p:spPr>
+          <a:xfrm>
+            <a:off x="7801570" y="228502"/>
+            <a:ext cx="4241991" cy="2892843"/>
+          </a:xfrm>
+          <a:prstGeom prst="rect">
+            <a:avLst/>
+          </a:prstGeom>
+        </p:spPr>
+      </p:pic>
+    </p:spTree>
+    <p:extLst>
+      <p:ext uri="{BB962C8B-B14F-4D97-AF65-F5344CB8AC3E}">
+        <p14:creationId xmlns:p14="http://schemas.microsoft.com/office/powerpoint/2010/main" val="580065367"/>
+      </p:ext>
+    </p:extLst>
+  </p:cSld>
+  <p:clrMapOvr>
+    <a:masterClrMapping/>
+  </p:clrMapOvr>
+  <p:timing>
+    <p:tnLst>
+      <p:par>
+        <p:cTn id="1" dur="indefinite" restart="never" nodeType="tmRoot">
+          <p:childTnLst>
+            <p:seq concurrent="1" nextAc="seek">
+              <p:cTn id="2" dur="indefinite" nodeType="mainSeq">
+                <p:childTnLst>
+                  <p:par>
+                    <p:cTn id="3" fill="hold">
+                      <p:stCondLst>
+                        <p:cond delay="indefinite"/>
+                      </p:stCondLst>
+                      <p:childTnLst>
+                        <p:par>
+                          <p:cTn id="4" fill="hold">
+                            <p:stCondLst>
+                              <p:cond delay="0"/>
+                            </p:stCondLst>
+                            <p:childTnLst>
+                              <p:par>
+                                <p:cTn id="5" presetID="1" presetClass="entr" presetSubtype="0" fill="hold" nodeType="clickEffect">
+                                  <p:stCondLst>
+                                    <p:cond delay="0"/>
+                                  </p:stCondLst>
+                                  <p:childTnLst>
+                                    <p:set>
+                                      <p:cBhvr>
+                                        <p:cTn id="6" dur="1" fill="hold">
+                                          <p:stCondLst>
+                                            <p:cond delay="0"/>
+                                          </p:stCondLst>
+                                        </p:cTn>
+                                        <p:tgtEl>
+                                          <p:spTgt spid="6"/>
+                                        </p:tgtEl>
+                                        <p:attrNameLst>
+                                          <p:attrName>style.visibility</p:attrName>
+                                        </p:attrNameLst>
+                                      </p:cBhvr>
+                                      <p:to>
+                                        <p:strVal val="visible"/>
+                                      </p:to>
+                                    </p:set>
+                                  </p:childTnLst>
+                                </p:cTn>
+                              </p:par>
+                            </p:childTnLst>
+                          </p:cTn>
+                        </p:par>
+                      </p:childTnLst>
+                    </p:cTn>
+                  </p:par>
+                  <p:par>
+                    <p:cTn id="7" fill="hold">
+                      <p:stCondLst>
+                        <p:cond delay="indefinite"/>
+                      </p:stCondLst>
+                      <p:childTnLst>
+                        <p:par>
+                          <p:cTn id="8" fill="hold">
+                            <p:stCondLst>
+                              <p:cond delay="0"/>
+                            </p:stCondLst>
+                            <p:childTnLst>
+                              <p:par>
+                                <p:cTn id="9" presetID="1" presetClass="entr" presetSubtype="0" fill="hold" nodeType="clickEffect">
+                                  <p:stCondLst>
+                                    <p:cond delay="0"/>
+                                  </p:stCondLst>
+                                  <p:childTnLst>
+                                    <p:set>
+                                      <p:cBhvr>
+                                        <p:cTn id="10" dur="1" fill="hold">
+                                          <p:stCondLst>
+                                            <p:cond delay="0"/>
+                                          </p:stCondLst>
+                                        </p:cTn>
+                                        <p:tgtEl>
+                                          <p:spTgt spid="3">
+                                            <p:txEl>
+                                              <p:pRg st="6" end="6"/>
+                                            </p:txEl>
+                                          </p:spTgt>
+                                        </p:tgtEl>
+                                        <p:attrNameLst>
+                                          <p:attrName>style.visibility</p:attrName>
+                                        </p:attrNameLst>
+                                      </p:cBhvr>
+                                      <p:to>
+                                        <p:strVal val="visible"/>
+                                      </p:to>
+                                    </p:set>
+                                  </p:childTnLst>
+                                </p:cTn>
+                              </p:par>
+                              <p:par>
+                                <p:cTn id="11" presetID="1" presetClass="entr" presetSubtype="0" fill="hold" nodeType="withEffect">
+                                  <p:stCondLst>
+                                    <p:cond delay="0"/>
+                                  </p:stCondLst>
+                                  <p:childTnLst>
+                                    <p:set>
+                                      <p:cBhvr>
+                                        <p:cTn id="12" dur="1" fill="hold">
+                                          <p:stCondLst>
+                                            <p:cond delay="0"/>
+                                          </p:stCondLst>
+                                        </p:cTn>
+                                        <p:tgtEl>
+                                          <p:spTgt spid="3">
+                                            <p:txEl>
+                                              <p:pRg st="7" end="7"/>
+                                            </p:txEl>
+                                          </p:spTgt>
+                                        </p:tgtEl>
+                                        <p:attrNameLst>
+                                          <p:attrName>style.visibility</p:attrName>
+                                        </p:attrNameLst>
+                                      </p:cBhvr>
+                                      <p:to>
+                                        <p:strVal val="visible"/>
+                                      </p:to>
+                                    </p:set>
+                                  </p:childTnLst>
+                                </p:cTn>
+                              </p:par>
+                              <p:par>
+                                <p:cTn id="13" presetID="1" presetClass="entr" presetSubtype="0" fill="hold" nodeType="withEffect">
+                                  <p:stCondLst>
+                                    <p:cond delay="0"/>
+                                  </p:stCondLst>
+                                  <p:childTnLst>
+                                    <p:set>
+                                      <p:cBhvr>
+                                        <p:cTn id="14" dur="1" fill="hold">
+                                          <p:stCondLst>
+                                            <p:cond delay="0"/>
+                                          </p:stCondLst>
+                                        </p:cTn>
+                                        <p:tgtEl>
+                                          <p:spTgt spid="3">
+                                            <p:txEl>
+                                              <p:pRg st="8" end="8"/>
+                                            </p:txEl>
+                                          </p:spTgt>
+                                        </p:tgtEl>
+                                        <p:attrNameLst>
+                                          <p:attrName>style.visibility</p:attrName>
+                                        </p:attrNameLst>
+                                      </p:cBhvr>
+                                      <p:to>
+                                        <p:strVal val="visible"/>
+                                      </p:to>
+                                    </p:set>
+                                  </p:childTnLst>
+                                </p:cTn>
+                              </p:par>
+                              <p:par>
+                                <p:cTn id="15" presetID="1" presetClass="entr" presetSubtype="0" fill="hold" nodeType="withEffect">
+                                  <p:stCondLst>
+                                    <p:cond delay="0"/>
+                                  </p:stCondLst>
+                                  <p:childTnLst>
+                                    <p:set>
+                                      <p:cBhvr>
+                                        <p:cTn id="16" dur="1" fill="hold">
+                                          <p:stCondLst>
+                                            <p:cond delay="0"/>
+                                          </p:stCondLst>
+                                        </p:cTn>
+                                        <p:tgtEl>
+                                          <p:spTgt spid="3">
+                                            <p:txEl>
+                                              <p:pRg st="9" end="9"/>
+                                            </p:txEl>
+                                          </p:spTgt>
+                                        </p:tgtEl>
+                                        <p:attrNameLst>
+                                          <p:attrName>style.visibility</p:attrName>
+                                        </p:attrNameLst>
+                                      </p:cBhvr>
+                                      <p:to>
+                                        <p:strVal val="visible"/>
+                                      </p:to>
+                                    </p:set>
+                                  </p:childTnLst>
+                                </p:cTn>
+                              </p:par>
+                            </p:childTnLst>
+                          </p:cTn>
+                        </p:par>
+                      </p:childTnLst>
+                    </p:cTn>
+                  </p:par>
+                  <p:par>
+                    <p:cTn id="17" fill="hold">
+                      <p:stCondLst>
+                        <p:cond delay="indefinite"/>
+                      </p:stCondLst>
+                      <p:childTnLst>
+                        <p:par>
+                          <p:cTn id="18" fill="hold">
+                            <p:stCondLst>
+                              <p:cond delay="0"/>
+                            </p:stCondLst>
+                            <p:childTnLst>
+                              <p:par>
+                                <p:cTn id="19" presetID="1" presetClass="entr" presetSubtype="0" fill="hold" nodeType="clickEffect">
+                                  <p:stCondLst>
+                                    <p:cond delay="0"/>
+                                  </p:stCondLst>
+                                  <p:childTnLst>
+                                    <p:set>
+                                      <p:cBhvr>
+                                        <p:cTn id="20" dur="1" fill="hold">
+                                          <p:stCondLst>
+                                            <p:cond delay="0"/>
+                                          </p:stCondLst>
+                                        </p:cTn>
+                                        <p:tgtEl>
+                                          <p:spTgt spid="4"/>
+                                        </p:tgtEl>
+                                        <p:attrNameLst>
+                                          <p:attrName>style.visibility</p:attrName>
+                                        </p:attrNameLst>
+                                      </p:cBhvr>
+                                      <p:to>
+                                        <p:strVal val="visible"/>
+                                      </p:to>
+                                    </p:set>
+                                  </p:childTnLst>
+                                </p:cTn>
+                              </p:par>
+                            </p:childTnLst>
+                          </p:cTn>
+                        </p:par>
+                      </p:childTnLst>
+                    </p:cTn>
+                  </p:par>
+                </p:childTnLst>
+              </p:cTn>
+              <p:prevCondLst>
+                <p:cond evt="onPrev" delay="0">
+                  <p:tgtEl>
+                    <p:sldTgt/>
+                  </p:tgtEl>
+                </p:cond>
+              </p:prevCondLst>
+              <p:nextCondLst>
+                <p:cond evt="onNext" delay="0">
+                  <p:tgtEl>
+                    <p:sldTgt/>
+                  </p:tgtEl>
+                </p:cond>
+              </p:nextCondLst>
+            </p:seq>
+          </p:childTnLst>
+        </p:cTn>
+      </p:par>
+    </p:tnLst>
+  </p:timing>
 </p:sld>
 </file>
 
@@ -7196,7 +8017,13 @@
   <p:cSld>
     <p:spTree>
       <p:nvGrpSpPr>
-        <p:cNvPr id="1" name=""/>
+        <p:cNvPr id="1" name="">
+          <a:extLst>
+            <a:ext uri="{FF2B5EF4-FFF2-40B4-BE49-F238E27FC236}">
+              <a16:creationId xmlns:a16="http://schemas.microsoft.com/office/drawing/2014/main" id="{EA328CB3-D2E4-C8AA-E517-67ABEEE82AB7}"/>
+            </a:ext>
+          </a:extLst>
+        </p:cNvPr>
         <p:cNvGrpSpPr/>
         <p:nvPr/>
       </p:nvGrpSpPr>
@@ -7213,7 +8040,7 @@
           <p:cNvPr id="3" name="Content Placeholder 2">
             <a:extLst>
               <a:ext uri="{FF2B5EF4-FFF2-40B4-BE49-F238E27FC236}">
-                <a16:creationId xmlns:a16="http://schemas.microsoft.com/office/drawing/2014/main" id="{0CD134BF-C081-B048-6D93-6BAC8903388D}"/>
+                <a16:creationId xmlns:a16="http://schemas.microsoft.com/office/drawing/2014/main" id="{9EB61AF9-366D-B86A-388F-76556BFB274C}"/>
               </a:ext>
             </a:extLst>
           </p:cNvPr>
@@ -7226,25 +8053,38 @@
         </p:nvSpPr>
         <p:spPr>
           <a:xfrm>
-            <a:off x="522111" y="324202"/>
-            <a:ext cx="10515600" cy="4981576"/>
+            <a:off x="0" y="0"/>
+            <a:ext cx="8116711" cy="914400"/>
           </a:xfrm>
+          <a:ln>
+            <a:solidFill>
+              <a:schemeClr val="tx1"/>
+            </a:solidFill>
+          </a:ln>
         </p:spPr>
         <p:txBody>
           <a:bodyPr/>
           <a:lstStyle/>
           <a:p>
+            <a:pPr marL="0" indent="0">
+              <a:buNone/>
+            </a:pPr>
             <a:r>
               <a:rPr lang="en-US" dirty="0"/>
-              <a:t>Mapping with sf, leaflet, …</a:t>
+              <a:t>Loops + functions + … = more efficient programming!</a:t>
             </a:r>
           </a:p>
           <a:p>
             <a:pPr lvl="1"/>
             <a:r>
-              <a:rPr lang="en-US" dirty="0"/>
-              <a:t>Yes, you can GIS with R!</a:t>
-            </a:r>
+              <a:rPr lang="en-US" i="1" dirty="0"/>
+              <a:t>Example: Performing the same analysis for 5 years of data</a:t>
+            </a:r>
+            <a:endParaRPr lang="en-US" dirty="0"/>
+          </a:p>
+          <a:p>
+            <a:pPr lvl="1"/>
+            <a:endParaRPr lang="en-US" dirty="0"/>
           </a:p>
           <a:p>
             <a:pPr marL="0" indent="0">
@@ -7254,198 +8094,267 @@
           </a:p>
         </p:txBody>
       </p:sp>
-      <p:pic>
-        <p:nvPicPr>
-          <p:cNvPr id="1026" name="Picture 2">
-            <a:extLst>
-              <a:ext uri="{FF2B5EF4-FFF2-40B4-BE49-F238E27FC236}">
-                <a16:creationId xmlns:a16="http://schemas.microsoft.com/office/drawing/2014/main" id="{92889772-DCEE-3D90-C624-CCC56AD17BB5}"/>
-              </a:ext>
-            </a:extLst>
-          </p:cNvPr>
-          <p:cNvPicPr>
-            <a:picLocks noChangeAspect="1" noChangeArrowheads="1"/>
-          </p:cNvPicPr>
+      <p:sp>
+        <p:nvSpPr>
+          <p:cNvPr id="2" name="Content Placeholder 2">
+            <a:extLst>
+              <a:ext uri="{FF2B5EF4-FFF2-40B4-BE49-F238E27FC236}">
+                <a16:creationId xmlns:a16="http://schemas.microsoft.com/office/drawing/2014/main" id="{40EC1D3E-9731-0E3B-6959-074261B13B5F}"/>
+              </a:ext>
+            </a:extLst>
+          </p:cNvPr>
+          <p:cNvSpPr txBox="1">
+            <a:spLocks/>
+          </p:cNvSpPr>
           <p:nvPr/>
-        </p:nvPicPr>
-        <p:blipFill>
-          <a:blip r:embed="rId3">
-            <a:extLst>
-              <a:ext uri="{28A0092B-C50C-407E-A947-70E740481C1C}">
-                <a14:useLocalDpi xmlns:a14="http://schemas.microsoft.com/office/drawing/2010/main" val="0"/>
-              </a:ext>
-            </a:extLst>
-          </a:blip>
-          <a:srcRect/>
-          <a:stretch>
-            <a:fillRect/>
-          </a:stretch>
-        </p:blipFill>
-        <p:spPr bwMode="auto">
+        </p:nvSpPr>
+        <p:spPr>
           <a:xfrm>
-            <a:off x="4820888" y="982084"/>
-            <a:ext cx="7217228" cy="5551714"/>
+            <a:off x="1323862" y="1545065"/>
+            <a:ext cx="4998156" cy="4952736"/>
           </a:xfrm>
           <a:prstGeom prst="rect">
             <a:avLst/>
           </a:prstGeom>
-          <a:noFill/>
-          <a:extLst>
-            <a:ext uri="{909E8E84-426E-40DD-AFC4-6F175D3DCCD1}">
-              <a14:hiddenFill xmlns:a14="http://schemas.microsoft.com/office/drawing/2010/main">
-                <a:solidFill>
-                  <a:srgbClr val="FFFFFF"/>
-                </a:solidFill>
-              </a14:hiddenFill>
-            </a:ext>
-          </a:extLst>
         </p:spPr>
-      </p:pic>
-    </p:spTree>
-    <p:extLst>
-      <p:ext uri="{BB962C8B-B14F-4D97-AF65-F5344CB8AC3E}">
-        <p14:creationId xmlns:p14="http://schemas.microsoft.com/office/powerpoint/2010/main" val="2730994372"/>
-      </p:ext>
-    </p:extLst>
-  </p:cSld>
-  <p:clrMapOvr>
-    <a:masterClrMapping/>
-  </p:clrMapOvr>
-</p:sld>
-</file>
-
-<file path=ppt/slides/slide7.xml><?xml version="1.0" encoding="utf-8"?>
-<p:sld xmlns:a="http://schemas.openxmlformats.org/drawingml/2006/main" xmlns:r="http://schemas.openxmlformats.org/officeDocument/2006/relationships" xmlns:p="http://schemas.openxmlformats.org/presentationml/2006/main">
-  <p:cSld>
-    <p:spTree>
-      <p:nvGrpSpPr>
-        <p:cNvPr id="1" name=""/>
-        <p:cNvGrpSpPr/>
-        <p:nvPr/>
-      </p:nvGrpSpPr>
-      <p:grpSpPr>
-        <a:xfrm>
-          <a:off x="0" y="0"/>
-          <a:ext cx="0" cy="0"/>
-          <a:chOff x="0" y="0"/>
-          <a:chExt cx="0" cy="0"/>
-        </a:xfrm>
-      </p:grpSpPr>
-      <p:sp>
-        <p:nvSpPr>
-          <p:cNvPr id="3" name="Content Placeholder 2">
-            <a:extLst>
-              <a:ext uri="{FF2B5EF4-FFF2-40B4-BE49-F238E27FC236}">
-                <a16:creationId xmlns:a16="http://schemas.microsoft.com/office/drawing/2014/main" id="{0CD134BF-C081-B048-6D93-6BAC8903388D}"/>
-              </a:ext>
-            </a:extLst>
-          </p:cNvPr>
-          <p:cNvSpPr>
-            <a:spLocks noGrp="1"/>
-          </p:cNvSpPr>
-          <p:nvPr>
-            <p:ph idx="1"/>
-          </p:nvPr>
-        </p:nvSpPr>
-        <p:spPr>
-          <a:xfrm>
-            <a:off x="522111" y="324202"/>
-            <a:ext cx="7304078" cy="4981576"/>
-          </a:xfrm>
-        </p:spPr>
-        <p:txBody>
-          <a:bodyPr>
+        <p:txBody>
+          <a:bodyPr vert="horz" lIns="91440" tIns="45720" rIns="91440" bIns="45720" rtlCol="0">
             <a:normAutofit/>
           </a:bodyPr>
-          <a:lstStyle/>
+          <a:lstStyle>
+            <a:lvl1pPr marL="228600" indent="-228600" algn="l" defTabSz="914400" rtl="0" eaLnBrk="1" latinLnBrk="0" hangingPunct="1">
+              <a:lnSpc>
+                <a:spcPct val="90000"/>
+              </a:lnSpc>
+              <a:spcBef>
+                <a:spcPts val="1000"/>
+              </a:spcBef>
+              <a:buFont typeface="Arial" panose="020B0604020202020204" pitchFamily="34" charset="0"/>
+              <a:buChar char="•"/>
+              <a:defRPr sz="2800" kern="1200">
+                <a:solidFill>
+                  <a:schemeClr val="tx1"/>
+                </a:solidFill>
+                <a:latin typeface="+mn-lt"/>
+                <a:ea typeface="+mn-ea"/>
+                <a:cs typeface="+mn-cs"/>
+              </a:defRPr>
+            </a:lvl1pPr>
+            <a:lvl2pPr marL="685800" indent="-228600" algn="l" defTabSz="914400" rtl="0" eaLnBrk="1" latinLnBrk="0" hangingPunct="1">
+              <a:lnSpc>
+                <a:spcPct val="90000"/>
+              </a:lnSpc>
+              <a:spcBef>
+                <a:spcPts val="500"/>
+              </a:spcBef>
+              <a:buFont typeface="Arial" panose="020B0604020202020204" pitchFamily="34" charset="0"/>
+              <a:buChar char="•"/>
+              <a:defRPr sz="2400" kern="1200">
+                <a:solidFill>
+                  <a:schemeClr val="tx1"/>
+                </a:solidFill>
+                <a:latin typeface="+mn-lt"/>
+                <a:ea typeface="+mn-ea"/>
+                <a:cs typeface="+mn-cs"/>
+              </a:defRPr>
+            </a:lvl2pPr>
+            <a:lvl3pPr marL="1143000" indent="-228600" algn="l" defTabSz="914400" rtl="0" eaLnBrk="1" latinLnBrk="0" hangingPunct="1">
+              <a:lnSpc>
+                <a:spcPct val="90000"/>
+              </a:lnSpc>
+              <a:spcBef>
+                <a:spcPts val="500"/>
+              </a:spcBef>
+              <a:buFont typeface="Arial" panose="020B0604020202020204" pitchFamily="34" charset="0"/>
+              <a:buChar char="•"/>
+              <a:defRPr sz="2000" kern="1200">
+                <a:solidFill>
+                  <a:schemeClr val="tx1"/>
+                </a:solidFill>
+                <a:latin typeface="+mn-lt"/>
+                <a:ea typeface="+mn-ea"/>
+                <a:cs typeface="+mn-cs"/>
+              </a:defRPr>
+            </a:lvl3pPr>
+            <a:lvl4pPr marL="1600200" indent="-228600" algn="l" defTabSz="914400" rtl="0" eaLnBrk="1" latinLnBrk="0" hangingPunct="1">
+              <a:lnSpc>
+                <a:spcPct val="90000"/>
+              </a:lnSpc>
+              <a:spcBef>
+                <a:spcPts val="500"/>
+              </a:spcBef>
+              <a:buFont typeface="Arial" panose="020B0604020202020204" pitchFamily="34" charset="0"/>
+              <a:buChar char="•"/>
+              <a:defRPr sz="1800" kern="1200">
+                <a:solidFill>
+                  <a:schemeClr val="tx1"/>
+                </a:solidFill>
+                <a:latin typeface="+mn-lt"/>
+                <a:ea typeface="+mn-ea"/>
+                <a:cs typeface="+mn-cs"/>
+              </a:defRPr>
+            </a:lvl4pPr>
+            <a:lvl5pPr marL="2057400" indent="-228600" algn="l" defTabSz="914400" rtl="0" eaLnBrk="1" latinLnBrk="0" hangingPunct="1">
+              <a:lnSpc>
+                <a:spcPct val="90000"/>
+              </a:lnSpc>
+              <a:spcBef>
+                <a:spcPts val="500"/>
+              </a:spcBef>
+              <a:buFont typeface="Arial" panose="020B0604020202020204" pitchFamily="34" charset="0"/>
+              <a:buChar char="•"/>
+              <a:defRPr sz="1800" kern="1200">
+                <a:solidFill>
+                  <a:schemeClr val="tx1"/>
+                </a:solidFill>
+                <a:latin typeface="+mn-lt"/>
+                <a:ea typeface="+mn-ea"/>
+                <a:cs typeface="+mn-cs"/>
+              </a:defRPr>
+            </a:lvl5pPr>
+            <a:lvl6pPr marL="2514600" indent="-228600" algn="l" defTabSz="914400" rtl="0" eaLnBrk="1" latinLnBrk="0" hangingPunct="1">
+              <a:lnSpc>
+                <a:spcPct val="90000"/>
+              </a:lnSpc>
+              <a:spcBef>
+                <a:spcPts val="500"/>
+              </a:spcBef>
+              <a:buFont typeface="Arial" panose="020B0604020202020204" pitchFamily="34" charset="0"/>
+              <a:buChar char="•"/>
+              <a:defRPr sz="1800" kern="1200">
+                <a:solidFill>
+                  <a:schemeClr val="tx1"/>
+                </a:solidFill>
+                <a:latin typeface="+mn-lt"/>
+                <a:ea typeface="+mn-ea"/>
+                <a:cs typeface="+mn-cs"/>
+              </a:defRPr>
+            </a:lvl6pPr>
+            <a:lvl7pPr marL="2971800" indent="-228600" algn="l" defTabSz="914400" rtl="0" eaLnBrk="1" latinLnBrk="0" hangingPunct="1">
+              <a:lnSpc>
+                <a:spcPct val="90000"/>
+              </a:lnSpc>
+              <a:spcBef>
+                <a:spcPts val="500"/>
+              </a:spcBef>
+              <a:buFont typeface="Arial" panose="020B0604020202020204" pitchFamily="34" charset="0"/>
+              <a:buChar char="•"/>
+              <a:defRPr sz="1800" kern="1200">
+                <a:solidFill>
+                  <a:schemeClr val="tx1"/>
+                </a:solidFill>
+                <a:latin typeface="+mn-lt"/>
+                <a:ea typeface="+mn-ea"/>
+                <a:cs typeface="+mn-cs"/>
+              </a:defRPr>
+            </a:lvl7pPr>
+            <a:lvl8pPr marL="3429000" indent="-228600" algn="l" defTabSz="914400" rtl="0" eaLnBrk="1" latinLnBrk="0" hangingPunct="1">
+              <a:lnSpc>
+                <a:spcPct val="90000"/>
+              </a:lnSpc>
+              <a:spcBef>
+                <a:spcPts val="500"/>
+              </a:spcBef>
+              <a:buFont typeface="Arial" panose="020B0604020202020204" pitchFamily="34" charset="0"/>
+              <a:buChar char="•"/>
+              <a:defRPr sz="1800" kern="1200">
+                <a:solidFill>
+                  <a:schemeClr val="tx1"/>
+                </a:solidFill>
+                <a:latin typeface="+mn-lt"/>
+                <a:ea typeface="+mn-ea"/>
+                <a:cs typeface="+mn-cs"/>
+              </a:defRPr>
+            </a:lvl8pPr>
+            <a:lvl9pPr marL="3886200" indent="-228600" algn="l" defTabSz="914400" rtl="0" eaLnBrk="1" latinLnBrk="0" hangingPunct="1">
+              <a:lnSpc>
+                <a:spcPct val="90000"/>
+              </a:lnSpc>
+              <a:spcBef>
+                <a:spcPts val="500"/>
+              </a:spcBef>
+              <a:buFont typeface="Arial" panose="020B0604020202020204" pitchFamily="34" charset="0"/>
+              <a:buChar char="•"/>
+              <a:defRPr sz="1800" kern="1200">
+                <a:solidFill>
+                  <a:schemeClr val="tx1"/>
+                </a:solidFill>
+                <a:latin typeface="+mn-lt"/>
+                <a:ea typeface="+mn-ea"/>
+                <a:cs typeface="+mn-cs"/>
+              </a:defRPr>
+            </a:lvl9pPr>
+          </a:lstStyle>
           <a:p>
             <a:pPr marL="0" indent="0">
+              <a:buFont typeface="Arial" panose="020B0604020202020204" pitchFamily="34" charset="0"/>
               <a:buNone/>
             </a:pPr>
             <a:r>
-              <a:rPr lang="en-US" sz="2400" b="1" dirty="0"/>
-              <a:t>Interactive apps with Shiny: </a:t>
-            </a:r>
+              <a:rPr lang="en-US" i="1" dirty="0"/>
+              <a:t>Solution 1</a:t>
+            </a:r>
+            <a:r>
+              <a:rPr lang="en-US" dirty="0"/>
+              <a:t>: Five blocks of code, probably copy/pasting and changing the year when needed.</a:t>
+            </a:r>
+          </a:p>
+          <a:p>
+            <a:r>
+              <a:rPr lang="en-US" dirty="0"/>
+              <a:t>Nothing is “wrong” with this.</a:t>
+            </a:r>
+          </a:p>
+          <a:p>
+            <a:r>
+              <a:rPr lang="en-US" i="1" u="sng" dirty="0"/>
+              <a:t>But</a:t>
+            </a:r>
+            <a:r>
+              <a:rPr lang="en-US" dirty="0"/>
+              <a:t>:</a:t>
+            </a:r>
+          </a:p>
+          <a:p>
+            <a:pPr lvl="1"/>
+            <a:r>
+              <a:rPr lang="en-US" dirty="0"/>
+              <a:t>Prone to copy-paste errors (forgetting to change the year when needed)</a:t>
+            </a:r>
+          </a:p>
+          <a:p>
+            <a:pPr lvl="1"/>
+            <a:r>
+              <a:rPr lang="en-US" dirty="0"/>
+              <a:t>Future changes will need to be made five times</a:t>
+            </a:r>
+          </a:p>
+          <a:p>
+            <a:pPr lvl="1"/>
+            <a:r>
+              <a:rPr lang="en-US" dirty="0"/>
+              <a:t>PAINFUL TO READ!!</a:t>
+            </a:r>
+          </a:p>
+          <a:p>
+            <a:pPr lvl="1"/>
+            <a:endParaRPr lang="en-US" dirty="0"/>
           </a:p>
           <a:p>
             <a:pPr marL="0" indent="0">
+              <a:buFont typeface="Arial" panose="020B0604020202020204" pitchFamily="34" charset="0"/>
               <a:buNone/>
             </a:pPr>
-            <a:r>
-              <a:rPr lang="en-US" sz="2400" i="1" dirty="0"/>
-              <a:t>Write your own GUI interface to run R in the background</a:t>
-            </a:r>
-          </a:p>
-          <a:p>
-            <a:pPr lvl="1"/>
-            <a:r>
-              <a:rPr lang="en-US" sz="2000" dirty="0"/>
-              <a:t>Visualization</a:t>
-            </a:r>
-          </a:p>
-          <a:p>
-            <a:pPr lvl="1"/>
-            <a:r>
-              <a:rPr lang="en-US" sz="2000" dirty="0"/>
-              <a:t>Twiddling with parameters</a:t>
-            </a:r>
-          </a:p>
-          <a:p>
-            <a:pPr lvl="1"/>
-            <a:r>
-              <a:rPr lang="en-US" sz="2000" dirty="0"/>
-              <a:t>Conceptual discussion …</a:t>
-            </a:r>
-          </a:p>
-          <a:p>
-            <a:endParaRPr lang="en-US" sz="2400" dirty="0"/>
-          </a:p>
-          <a:p>
-            <a:pPr marL="0" indent="0">
-              <a:buNone/>
-            </a:pPr>
-            <a:r>
-              <a:rPr lang="en-US" sz="2400" b="1" dirty="0"/>
-              <a:t>Reproducible documents with Quarto &amp; Markdown</a:t>
-            </a:r>
-          </a:p>
-          <a:p>
-            <a:pPr marL="0" indent="0">
-              <a:buNone/>
-            </a:pPr>
-            <a:r>
-              <a:rPr lang="en-US" sz="2400" i="1" dirty="0"/>
-              <a:t>Combines running text and R code, and prints everything to Word, html, or pdf!</a:t>
-            </a:r>
-          </a:p>
-          <a:p>
-            <a:pPr lvl="1"/>
-            <a:r>
-              <a:rPr lang="en-US" sz="2000" dirty="0"/>
-              <a:t>No seriously, this is the future.</a:t>
-            </a:r>
-          </a:p>
-          <a:p>
-            <a:pPr lvl="1"/>
-            <a:r>
-              <a:rPr lang="en-US" sz="2000" dirty="0"/>
-              <a:t>Seriously.</a:t>
-            </a:r>
-          </a:p>
-          <a:p>
-            <a:pPr marL="0" indent="0">
-              <a:buNone/>
-            </a:pPr>
-            <a:endParaRPr lang="en-US" sz="2400" dirty="0"/>
+            <a:endParaRPr lang="en-US" dirty="0"/>
           </a:p>
         </p:txBody>
       </p:sp>
       <p:pic>
         <p:nvPicPr>
-          <p:cNvPr id="4" name="Picture 3" descr="A screenshot of a computer&#10;&#10;Description automatically generated">
-            <a:extLst>
-              <a:ext uri="{FF2B5EF4-FFF2-40B4-BE49-F238E27FC236}">
-                <a16:creationId xmlns:a16="http://schemas.microsoft.com/office/drawing/2014/main" id="{24543C96-6C8B-E3E9-0378-19203A054D02}"/>
+          <p:cNvPr id="4" name="Picture 3">
+            <a:extLst>
+              <a:ext uri="{FF2B5EF4-FFF2-40B4-BE49-F238E27FC236}">
+                <a16:creationId xmlns:a16="http://schemas.microsoft.com/office/drawing/2014/main" id="{FEFED5AE-4EB7-63BF-BFBB-2733130B6A7E}"/>
               </a:ext>
             </a:extLst>
           </p:cNvPr>
@@ -7455,33 +8364,179 @@
           <p:nvPr/>
         </p:nvPicPr>
         <p:blipFill>
-          <a:blip r:embed="rId3">
-            <a:extLst>
-              <a:ext uri="{28A0092B-C50C-407E-A947-70E740481C1C}">
-                <a14:useLocalDpi xmlns:a14="http://schemas.microsoft.com/office/drawing/2010/main" val="0"/>
-              </a:ext>
-            </a:extLst>
-          </a:blip>
+          <a:blip r:embed="rId3"/>
           <a:stretch>
             <a:fillRect/>
           </a:stretch>
         </p:blipFill>
         <p:spPr>
           <a:xfrm>
-            <a:off x="7328647" y="3792167"/>
-            <a:ext cx="4771699" cy="2892843"/>
+            <a:off x="9278226" y="393735"/>
+            <a:ext cx="1759485" cy="1047178"/>
           </a:xfrm>
           <a:prstGeom prst="rect">
             <a:avLst/>
           </a:prstGeom>
         </p:spPr>
       </p:pic>
+      <p:sp>
+        <p:nvSpPr>
+          <p:cNvPr id="9" name="TextBox 8">
+            <a:extLst>
+              <a:ext uri="{FF2B5EF4-FFF2-40B4-BE49-F238E27FC236}">
+                <a16:creationId xmlns:a16="http://schemas.microsoft.com/office/drawing/2014/main" id="{B26A9AEF-66C9-AEEB-4C9E-20B15D30AE0D}"/>
+              </a:ext>
+            </a:extLst>
+          </p:cNvPr>
+          <p:cNvSpPr txBox="1"/>
+          <p:nvPr/>
+        </p:nvSpPr>
+        <p:spPr>
+          <a:xfrm>
+            <a:off x="9585092" y="377067"/>
+            <a:ext cx="715987" cy="261610"/>
+          </a:xfrm>
+          <a:prstGeom prst="rect">
+            <a:avLst/>
+          </a:prstGeom>
+          <a:noFill/>
+        </p:spPr>
+        <p:txBody>
+          <a:bodyPr wrap="square" rtlCol="0">
+            <a:spAutoFit/>
+          </a:bodyPr>
+          <a:lstStyle/>
+          <a:p>
+            <a:r>
+              <a:rPr lang="en-US" sz="1100" b="1" dirty="0">
+                <a:latin typeface="Courier New" panose="02070309020205020404" pitchFamily="49" charset="0"/>
+                <a:cs typeface="Courier New" panose="02070309020205020404" pitchFamily="49" charset="0"/>
+              </a:rPr>
+              <a:t>2020</a:t>
+            </a:r>
+          </a:p>
+        </p:txBody>
+      </p:sp>
+      <p:sp>
+        <p:nvSpPr>
+          <p:cNvPr id="10" name="TextBox 9">
+            <a:extLst>
+              <a:ext uri="{FF2B5EF4-FFF2-40B4-BE49-F238E27FC236}">
+                <a16:creationId xmlns:a16="http://schemas.microsoft.com/office/drawing/2014/main" id="{3A4CBC88-0486-3121-FD27-9177AEDBF06B}"/>
+              </a:ext>
+            </a:extLst>
+          </p:cNvPr>
+          <p:cNvSpPr txBox="1"/>
+          <p:nvPr/>
+        </p:nvSpPr>
+        <p:spPr>
+          <a:xfrm>
+            <a:off x="9799974" y="638677"/>
+            <a:ext cx="715987" cy="261610"/>
+          </a:xfrm>
+          <a:prstGeom prst="rect">
+            <a:avLst/>
+          </a:prstGeom>
+          <a:noFill/>
+        </p:spPr>
+        <p:txBody>
+          <a:bodyPr wrap="square" rtlCol="0">
+            <a:spAutoFit/>
+          </a:bodyPr>
+          <a:lstStyle/>
+          <a:p>
+            <a:r>
+              <a:rPr lang="en-US" sz="1100" b="1" dirty="0">
+                <a:latin typeface="Courier New" panose="02070309020205020404" pitchFamily="49" charset="0"/>
+                <a:cs typeface="Courier New" panose="02070309020205020404" pitchFamily="49" charset="0"/>
+              </a:rPr>
+              <a:t>2020</a:t>
+            </a:r>
+          </a:p>
+        </p:txBody>
+      </p:sp>
+      <p:sp>
+        <p:nvSpPr>
+          <p:cNvPr id="11" name="TextBox 10">
+            <a:extLst>
+              <a:ext uri="{FF2B5EF4-FFF2-40B4-BE49-F238E27FC236}">
+                <a16:creationId xmlns:a16="http://schemas.microsoft.com/office/drawing/2014/main" id="{4745B834-F6D4-9B30-FA12-BA58C8FCB3C3}"/>
+              </a:ext>
+            </a:extLst>
+          </p:cNvPr>
+          <p:cNvSpPr txBox="1"/>
+          <p:nvPr/>
+        </p:nvSpPr>
+        <p:spPr>
+          <a:xfrm>
+            <a:off x="10192487" y="1170705"/>
+            <a:ext cx="715987" cy="261610"/>
+          </a:xfrm>
+          <a:prstGeom prst="rect">
+            <a:avLst/>
+          </a:prstGeom>
+          <a:noFill/>
+        </p:spPr>
+        <p:txBody>
+          <a:bodyPr wrap="square" rtlCol="0">
+            <a:spAutoFit/>
+          </a:bodyPr>
+          <a:lstStyle/>
+          <a:p>
+            <a:r>
+              <a:rPr lang="en-US" sz="1100" b="1" dirty="0">
+                <a:latin typeface="Courier New" panose="02070309020205020404" pitchFamily="49" charset="0"/>
+                <a:cs typeface="Courier New" panose="02070309020205020404" pitchFamily="49" charset="0"/>
+              </a:rPr>
+              <a:t>2020</a:t>
+            </a:r>
+          </a:p>
+        </p:txBody>
+      </p:sp>
+      <p:sp>
+        <p:nvSpPr>
+          <p:cNvPr id="12" name="TextBox 11">
+            <a:extLst>
+              <a:ext uri="{FF2B5EF4-FFF2-40B4-BE49-F238E27FC236}">
+                <a16:creationId xmlns:a16="http://schemas.microsoft.com/office/drawing/2014/main" id="{7C5C41F4-37B1-409B-A83E-3E8B0C92EF32}"/>
+              </a:ext>
+            </a:extLst>
+          </p:cNvPr>
+          <p:cNvSpPr txBox="1"/>
+          <p:nvPr/>
+        </p:nvSpPr>
+        <p:spPr>
+          <a:xfrm>
+            <a:off x="9278226" y="1276765"/>
+            <a:ext cx="715987" cy="261610"/>
+          </a:xfrm>
+          <a:prstGeom prst="rect">
+            <a:avLst/>
+          </a:prstGeom>
+          <a:noFill/>
+        </p:spPr>
+        <p:txBody>
+          <a:bodyPr wrap="square" rtlCol="0">
+            <a:spAutoFit/>
+          </a:bodyPr>
+          <a:lstStyle/>
+          <a:p>
+            <a:r>
+              <a:rPr lang="en-US" sz="1100" b="1" dirty="0">
+                <a:latin typeface="Courier New" panose="02070309020205020404" pitchFamily="49" charset="0"/>
+                <a:cs typeface="Courier New" panose="02070309020205020404" pitchFamily="49" charset="0"/>
+              </a:rPr>
+              <a:t>2020</a:t>
+            </a:r>
+          </a:p>
+        </p:txBody>
+      </p:sp>
       <p:pic>
         <p:nvPicPr>
-          <p:cNvPr id="6" name="Picture 5" descr="A screenshot of a computer&#10;&#10;Description automatically generated">
-            <a:extLst>
-              <a:ext uri="{FF2B5EF4-FFF2-40B4-BE49-F238E27FC236}">
-                <a16:creationId xmlns:a16="http://schemas.microsoft.com/office/drawing/2014/main" id="{20CDDD7C-38B9-D736-DC8F-9338ABF1398A}"/>
+          <p:cNvPr id="13" name="Picture 12">
+            <a:extLst>
+              <a:ext uri="{FF2B5EF4-FFF2-40B4-BE49-F238E27FC236}">
+                <a16:creationId xmlns:a16="http://schemas.microsoft.com/office/drawing/2014/main" id="{0ED3B51D-30FA-0CC1-4D0A-5A248105F685}"/>
               </a:ext>
             </a:extLst>
           </p:cNvPr>
@@ -7491,31 +8546,835 @@
           <p:nvPr/>
         </p:nvPicPr>
         <p:blipFill>
-          <a:blip r:embed="rId4">
-            <a:extLst>
-              <a:ext uri="{28A0092B-C50C-407E-A947-70E740481C1C}">
-                <a14:useLocalDpi xmlns:a14="http://schemas.microsoft.com/office/drawing/2010/main" val="0"/>
-              </a:ext>
-            </a:extLst>
-          </a:blip>
+          <a:blip r:embed="rId3"/>
           <a:stretch>
             <a:fillRect/>
           </a:stretch>
         </p:blipFill>
         <p:spPr>
           <a:xfrm>
-            <a:off x="7801570" y="228502"/>
-            <a:ext cx="4241991" cy="2892843"/>
+            <a:off x="9278226" y="1657957"/>
+            <a:ext cx="1759485" cy="1047178"/>
           </a:xfrm>
           <a:prstGeom prst="rect">
             <a:avLst/>
           </a:prstGeom>
         </p:spPr>
       </p:pic>
+      <p:sp>
+        <p:nvSpPr>
+          <p:cNvPr id="14" name="TextBox 13">
+            <a:extLst>
+              <a:ext uri="{FF2B5EF4-FFF2-40B4-BE49-F238E27FC236}">
+                <a16:creationId xmlns:a16="http://schemas.microsoft.com/office/drawing/2014/main" id="{C5F58879-85F6-BA8C-82B0-4AE4D06F4D17}"/>
+              </a:ext>
+            </a:extLst>
+          </p:cNvPr>
+          <p:cNvSpPr txBox="1"/>
+          <p:nvPr/>
+        </p:nvSpPr>
+        <p:spPr>
+          <a:xfrm>
+            <a:off x="9585092" y="1641289"/>
+            <a:ext cx="930869" cy="261610"/>
+          </a:xfrm>
+          <a:prstGeom prst="rect">
+            <a:avLst/>
+          </a:prstGeom>
+          <a:noFill/>
+        </p:spPr>
+        <p:txBody>
+          <a:bodyPr wrap="square" rtlCol="0">
+            <a:spAutoFit/>
+          </a:bodyPr>
+          <a:lstStyle/>
+          <a:p>
+            <a:r>
+              <a:rPr lang="en-US" sz="1100" b="1" strike="sngStrike" dirty="0">
+                <a:latin typeface="Courier New" panose="02070309020205020404" pitchFamily="49" charset="0"/>
+                <a:cs typeface="Courier New" panose="02070309020205020404" pitchFamily="49" charset="0"/>
+              </a:rPr>
+              <a:t>2020</a:t>
+            </a:r>
+            <a:r>
+              <a:rPr lang="en-US" sz="1100" b="1" dirty="0">
+                <a:latin typeface="Courier New" panose="02070309020205020404" pitchFamily="49" charset="0"/>
+                <a:cs typeface="Courier New" panose="02070309020205020404" pitchFamily="49" charset="0"/>
+              </a:rPr>
+              <a:t>2021</a:t>
+            </a:r>
+          </a:p>
+        </p:txBody>
+      </p:sp>
+      <p:sp>
+        <p:nvSpPr>
+          <p:cNvPr id="15" name="TextBox 14">
+            <a:extLst>
+              <a:ext uri="{FF2B5EF4-FFF2-40B4-BE49-F238E27FC236}">
+                <a16:creationId xmlns:a16="http://schemas.microsoft.com/office/drawing/2014/main" id="{C9A95CDB-F29A-FD08-C9E2-36CD4E21EFE3}"/>
+              </a:ext>
+            </a:extLst>
+          </p:cNvPr>
+          <p:cNvSpPr txBox="1"/>
+          <p:nvPr/>
+        </p:nvSpPr>
+        <p:spPr>
+          <a:xfrm>
+            <a:off x="9799974" y="1902899"/>
+            <a:ext cx="930869" cy="261610"/>
+          </a:xfrm>
+          <a:prstGeom prst="rect">
+            <a:avLst/>
+          </a:prstGeom>
+          <a:noFill/>
+        </p:spPr>
+        <p:txBody>
+          <a:bodyPr wrap="square" rtlCol="0">
+            <a:spAutoFit/>
+          </a:bodyPr>
+          <a:lstStyle/>
+          <a:p>
+            <a:r>
+              <a:rPr lang="en-US" sz="1100" b="1" strike="sngStrike" dirty="0">
+                <a:latin typeface="Courier New" panose="02070309020205020404" pitchFamily="49" charset="0"/>
+                <a:cs typeface="Courier New" panose="02070309020205020404" pitchFamily="49" charset="0"/>
+              </a:rPr>
+              <a:t>2020</a:t>
+            </a:r>
+            <a:r>
+              <a:rPr lang="en-US" sz="1100" b="1" dirty="0">
+                <a:latin typeface="Courier New" panose="02070309020205020404" pitchFamily="49" charset="0"/>
+                <a:cs typeface="Courier New" panose="02070309020205020404" pitchFamily="49" charset="0"/>
+              </a:rPr>
+              <a:t>2021</a:t>
+            </a:r>
+          </a:p>
+        </p:txBody>
+      </p:sp>
+      <p:sp>
+        <p:nvSpPr>
+          <p:cNvPr id="16" name="TextBox 15">
+            <a:extLst>
+              <a:ext uri="{FF2B5EF4-FFF2-40B4-BE49-F238E27FC236}">
+                <a16:creationId xmlns:a16="http://schemas.microsoft.com/office/drawing/2014/main" id="{EA4E4BAB-720F-8E8D-D587-0B88569750B0}"/>
+              </a:ext>
+            </a:extLst>
+          </p:cNvPr>
+          <p:cNvSpPr txBox="1"/>
+          <p:nvPr/>
+        </p:nvSpPr>
+        <p:spPr>
+          <a:xfrm>
+            <a:off x="10192487" y="2434927"/>
+            <a:ext cx="930869" cy="261610"/>
+          </a:xfrm>
+          <a:prstGeom prst="rect">
+            <a:avLst/>
+          </a:prstGeom>
+          <a:noFill/>
+        </p:spPr>
+        <p:txBody>
+          <a:bodyPr wrap="square" rtlCol="0">
+            <a:spAutoFit/>
+          </a:bodyPr>
+          <a:lstStyle/>
+          <a:p>
+            <a:r>
+              <a:rPr lang="en-US" sz="1100" b="1" strike="sngStrike" dirty="0">
+                <a:latin typeface="Courier New" panose="02070309020205020404" pitchFamily="49" charset="0"/>
+                <a:cs typeface="Courier New" panose="02070309020205020404" pitchFamily="49" charset="0"/>
+              </a:rPr>
+              <a:t>2020</a:t>
+            </a:r>
+            <a:r>
+              <a:rPr lang="en-US" sz="1100" b="1" dirty="0">
+                <a:latin typeface="Courier New" panose="02070309020205020404" pitchFamily="49" charset="0"/>
+                <a:cs typeface="Courier New" panose="02070309020205020404" pitchFamily="49" charset="0"/>
+              </a:rPr>
+              <a:t>2021</a:t>
+            </a:r>
+          </a:p>
+        </p:txBody>
+      </p:sp>
+      <p:sp>
+        <p:nvSpPr>
+          <p:cNvPr id="17" name="TextBox 16">
+            <a:extLst>
+              <a:ext uri="{FF2B5EF4-FFF2-40B4-BE49-F238E27FC236}">
+                <a16:creationId xmlns:a16="http://schemas.microsoft.com/office/drawing/2014/main" id="{3B1C622D-7636-D459-8DF8-6A0048B31CF1}"/>
+              </a:ext>
+            </a:extLst>
+          </p:cNvPr>
+          <p:cNvSpPr txBox="1"/>
+          <p:nvPr/>
+        </p:nvSpPr>
+        <p:spPr>
+          <a:xfrm>
+            <a:off x="9278226" y="2540987"/>
+            <a:ext cx="930869" cy="261610"/>
+          </a:xfrm>
+          <a:prstGeom prst="rect">
+            <a:avLst/>
+          </a:prstGeom>
+          <a:noFill/>
+        </p:spPr>
+        <p:txBody>
+          <a:bodyPr wrap="square" rtlCol="0">
+            <a:spAutoFit/>
+          </a:bodyPr>
+          <a:lstStyle/>
+          <a:p>
+            <a:r>
+              <a:rPr lang="en-US" sz="1100" b="1" strike="sngStrike" dirty="0">
+                <a:latin typeface="Courier New" panose="02070309020205020404" pitchFamily="49" charset="0"/>
+                <a:cs typeface="Courier New" panose="02070309020205020404" pitchFamily="49" charset="0"/>
+              </a:rPr>
+              <a:t>2020</a:t>
+            </a:r>
+            <a:r>
+              <a:rPr lang="en-US" sz="1100" b="1" dirty="0">
+                <a:latin typeface="Courier New" panose="02070309020205020404" pitchFamily="49" charset="0"/>
+                <a:cs typeface="Courier New" panose="02070309020205020404" pitchFamily="49" charset="0"/>
+              </a:rPr>
+              <a:t>2021</a:t>
+            </a:r>
+          </a:p>
+        </p:txBody>
+      </p:sp>
+      <p:pic>
+        <p:nvPicPr>
+          <p:cNvPr id="18" name="Picture 17">
+            <a:extLst>
+              <a:ext uri="{FF2B5EF4-FFF2-40B4-BE49-F238E27FC236}">
+                <a16:creationId xmlns:a16="http://schemas.microsoft.com/office/drawing/2014/main" id="{0CA0B5AA-AC5E-95C3-4170-6E494DC8D737}"/>
+              </a:ext>
+            </a:extLst>
+          </p:cNvPr>
+          <p:cNvPicPr>
+            <a:picLocks noChangeAspect="1"/>
+          </p:cNvPicPr>
+          <p:nvPr/>
+        </p:nvPicPr>
+        <p:blipFill>
+          <a:blip r:embed="rId3"/>
+          <a:stretch>
+            <a:fillRect/>
+          </a:stretch>
+        </p:blipFill>
+        <p:spPr>
+          <a:xfrm>
+            <a:off x="9278226" y="2922179"/>
+            <a:ext cx="1759485" cy="1047178"/>
+          </a:xfrm>
+          <a:prstGeom prst="rect">
+            <a:avLst/>
+          </a:prstGeom>
+        </p:spPr>
+      </p:pic>
+      <p:sp>
+        <p:nvSpPr>
+          <p:cNvPr id="19" name="TextBox 18">
+            <a:extLst>
+              <a:ext uri="{FF2B5EF4-FFF2-40B4-BE49-F238E27FC236}">
+                <a16:creationId xmlns:a16="http://schemas.microsoft.com/office/drawing/2014/main" id="{39DBAB78-C007-0DE9-2C54-C1C72FADC09C}"/>
+              </a:ext>
+            </a:extLst>
+          </p:cNvPr>
+          <p:cNvSpPr txBox="1"/>
+          <p:nvPr/>
+        </p:nvSpPr>
+        <p:spPr>
+          <a:xfrm>
+            <a:off x="9585092" y="2905511"/>
+            <a:ext cx="930869" cy="261610"/>
+          </a:xfrm>
+          <a:prstGeom prst="rect">
+            <a:avLst/>
+          </a:prstGeom>
+          <a:noFill/>
+        </p:spPr>
+        <p:txBody>
+          <a:bodyPr wrap="square" rtlCol="0">
+            <a:spAutoFit/>
+          </a:bodyPr>
+          <a:lstStyle/>
+          <a:p>
+            <a:r>
+              <a:rPr lang="en-US" sz="1100" b="1" strike="sngStrike" dirty="0">
+                <a:latin typeface="Courier New" panose="02070309020205020404" pitchFamily="49" charset="0"/>
+                <a:cs typeface="Courier New" panose="02070309020205020404" pitchFamily="49" charset="0"/>
+              </a:rPr>
+              <a:t>2020</a:t>
+            </a:r>
+            <a:r>
+              <a:rPr lang="en-US" sz="1100" b="1" dirty="0">
+                <a:latin typeface="Courier New" panose="02070309020205020404" pitchFamily="49" charset="0"/>
+                <a:cs typeface="Courier New" panose="02070309020205020404" pitchFamily="49" charset="0"/>
+              </a:rPr>
+              <a:t>2022</a:t>
+            </a:r>
+          </a:p>
+        </p:txBody>
+      </p:sp>
+      <p:sp>
+        <p:nvSpPr>
+          <p:cNvPr id="20" name="TextBox 19">
+            <a:extLst>
+              <a:ext uri="{FF2B5EF4-FFF2-40B4-BE49-F238E27FC236}">
+                <a16:creationId xmlns:a16="http://schemas.microsoft.com/office/drawing/2014/main" id="{F42A36B3-3E42-F1A6-5DC2-C2951F349840}"/>
+              </a:ext>
+            </a:extLst>
+          </p:cNvPr>
+          <p:cNvSpPr txBox="1"/>
+          <p:nvPr/>
+        </p:nvSpPr>
+        <p:spPr>
+          <a:xfrm>
+            <a:off x="9799974" y="3167121"/>
+            <a:ext cx="930869" cy="261610"/>
+          </a:xfrm>
+          <a:prstGeom prst="rect">
+            <a:avLst/>
+          </a:prstGeom>
+          <a:noFill/>
+        </p:spPr>
+        <p:txBody>
+          <a:bodyPr wrap="square" rtlCol="0">
+            <a:spAutoFit/>
+          </a:bodyPr>
+          <a:lstStyle/>
+          <a:p>
+            <a:r>
+              <a:rPr lang="en-US" sz="1100" b="1" strike="sngStrike" dirty="0">
+                <a:latin typeface="Courier New" panose="02070309020205020404" pitchFamily="49" charset="0"/>
+                <a:cs typeface="Courier New" panose="02070309020205020404" pitchFamily="49" charset="0"/>
+              </a:rPr>
+              <a:t>2020</a:t>
+            </a:r>
+            <a:r>
+              <a:rPr lang="en-US" sz="1100" b="1" dirty="0">
+                <a:latin typeface="Courier New" panose="02070309020205020404" pitchFamily="49" charset="0"/>
+                <a:cs typeface="Courier New" panose="02070309020205020404" pitchFamily="49" charset="0"/>
+              </a:rPr>
+              <a:t>2022</a:t>
+            </a:r>
+          </a:p>
+        </p:txBody>
+      </p:sp>
+      <p:sp>
+        <p:nvSpPr>
+          <p:cNvPr id="21" name="TextBox 20">
+            <a:extLst>
+              <a:ext uri="{FF2B5EF4-FFF2-40B4-BE49-F238E27FC236}">
+                <a16:creationId xmlns:a16="http://schemas.microsoft.com/office/drawing/2014/main" id="{B10D1081-76F8-81D1-195D-02A49B0EEDB3}"/>
+              </a:ext>
+            </a:extLst>
+          </p:cNvPr>
+          <p:cNvSpPr txBox="1"/>
+          <p:nvPr/>
+        </p:nvSpPr>
+        <p:spPr>
+          <a:xfrm>
+            <a:off x="10192487" y="3699149"/>
+            <a:ext cx="930869" cy="261610"/>
+          </a:xfrm>
+          <a:prstGeom prst="rect">
+            <a:avLst/>
+          </a:prstGeom>
+          <a:noFill/>
+        </p:spPr>
+        <p:txBody>
+          <a:bodyPr wrap="square" rtlCol="0">
+            <a:spAutoFit/>
+          </a:bodyPr>
+          <a:lstStyle/>
+          <a:p>
+            <a:r>
+              <a:rPr lang="en-US" sz="1100" b="1" strike="sngStrike" dirty="0">
+                <a:latin typeface="Courier New" panose="02070309020205020404" pitchFamily="49" charset="0"/>
+                <a:cs typeface="Courier New" panose="02070309020205020404" pitchFamily="49" charset="0"/>
+              </a:rPr>
+              <a:t>2020</a:t>
+            </a:r>
+            <a:r>
+              <a:rPr lang="en-US" sz="1100" b="1" dirty="0">
+                <a:latin typeface="Courier New" panose="02070309020205020404" pitchFamily="49" charset="0"/>
+                <a:cs typeface="Courier New" panose="02070309020205020404" pitchFamily="49" charset="0"/>
+              </a:rPr>
+              <a:t>2022</a:t>
+            </a:r>
+          </a:p>
+        </p:txBody>
+      </p:sp>
+      <p:sp>
+        <p:nvSpPr>
+          <p:cNvPr id="22" name="TextBox 21">
+            <a:extLst>
+              <a:ext uri="{FF2B5EF4-FFF2-40B4-BE49-F238E27FC236}">
+                <a16:creationId xmlns:a16="http://schemas.microsoft.com/office/drawing/2014/main" id="{4B6DA279-0328-062B-959A-269A8E7BE1F0}"/>
+              </a:ext>
+            </a:extLst>
+          </p:cNvPr>
+          <p:cNvSpPr txBox="1"/>
+          <p:nvPr/>
+        </p:nvSpPr>
+        <p:spPr>
+          <a:xfrm>
+            <a:off x="9278226" y="3805209"/>
+            <a:ext cx="930869" cy="261610"/>
+          </a:xfrm>
+          <a:prstGeom prst="rect">
+            <a:avLst/>
+          </a:prstGeom>
+          <a:noFill/>
+        </p:spPr>
+        <p:txBody>
+          <a:bodyPr wrap="square" rtlCol="0">
+            <a:spAutoFit/>
+          </a:bodyPr>
+          <a:lstStyle/>
+          <a:p>
+            <a:r>
+              <a:rPr lang="en-US" sz="1100" b="1" strike="sngStrike" dirty="0">
+                <a:latin typeface="Courier New" panose="02070309020205020404" pitchFamily="49" charset="0"/>
+                <a:cs typeface="Courier New" panose="02070309020205020404" pitchFamily="49" charset="0"/>
+              </a:rPr>
+              <a:t>2020</a:t>
+            </a:r>
+            <a:r>
+              <a:rPr lang="en-US" sz="1100" b="1" dirty="0">
+                <a:latin typeface="Courier New" panose="02070309020205020404" pitchFamily="49" charset="0"/>
+                <a:cs typeface="Courier New" panose="02070309020205020404" pitchFamily="49" charset="0"/>
+              </a:rPr>
+              <a:t>2022</a:t>
+            </a:r>
+          </a:p>
+        </p:txBody>
+      </p:sp>
+      <p:pic>
+        <p:nvPicPr>
+          <p:cNvPr id="23" name="Picture 22">
+            <a:extLst>
+              <a:ext uri="{FF2B5EF4-FFF2-40B4-BE49-F238E27FC236}">
+                <a16:creationId xmlns:a16="http://schemas.microsoft.com/office/drawing/2014/main" id="{305613AA-CE1E-C0DF-47BC-F8F8104FD5DC}"/>
+              </a:ext>
+            </a:extLst>
+          </p:cNvPr>
+          <p:cNvPicPr>
+            <a:picLocks noChangeAspect="1"/>
+          </p:cNvPicPr>
+          <p:nvPr/>
+        </p:nvPicPr>
+        <p:blipFill>
+          <a:blip r:embed="rId3"/>
+          <a:stretch>
+            <a:fillRect/>
+          </a:stretch>
+        </p:blipFill>
+        <p:spPr>
+          <a:xfrm>
+            <a:off x="9278226" y="4186401"/>
+            <a:ext cx="1759485" cy="1047178"/>
+          </a:xfrm>
+          <a:prstGeom prst="rect">
+            <a:avLst/>
+          </a:prstGeom>
+        </p:spPr>
+      </p:pic>
+      <p:sp>
+        <p:nvSpPr>
+          <p:cNvPr id="24" name="TextBox 23">
+            <a:extLst>
+              <a:ext uri="{FF2B5EF4-FFF2-40B4-BE49-F238E27FC236}">
+                <a16:creationId xmlns:a16="http://schemas.microsoft.com/office/drawing/2014/main" id="{62786C80-EFA9-E625-BA8E-A7E1280DD8C1}"/>
+              </a:ext>
+            </a:extLst>
+          </p:cNvPr>
+          <p:cNvSpPr txBox="1"/>
+          <p:nvPr/>
+        </p:nvSpPr>
+        <p:spPr>
+          <a:xfrm>
+            <a:off x="9585092" y="4169733"/>
+            <a:ext cx="930869" cy="261610"/>
+          </a:xfrm>
+          <a:prstGeom prst="rect">
+            <a:avLst/>
+          </a:prstGeom>
+          <a:noFill/>
+        </p:spPr>
+        <p:txBody>
+          <a:bodyPr wrap="square" rtlCol="0">
+            <a:spAutoFit/>
+          </a:bodyPr>
+          <a:lstStyle/>
+          <a:p>
+            <a:r>
+              <a:rPr lang="en-US" sz="1100" b="1" strike="sngStrike" dirty="0">
+                <a:latin typeface="Courier New" panose="02070309020205020404" pitchFamily="49" charset="0"/>
+                <a:cs typeface="Courier New" panose="02070309020205020404" pitchFamily="49" charset="0"/>
+              </a:rPr>
+              <a:t>2020</a:t>
+            </a:r>
+            <a:r>
+              <a:rPr lang="en-US" sz="1100" b="1" dirty="0">
+                <a:latin typeface="Courier New" panose="02070309020205020404" pitchFamily="49" charset="0"/>
+                <a:cs typeface="Courier New" panose="02070309020205020404" pitchFamily="49" charset="0"/>
+              </a:rPr>
+              <a:t>2023</a:t>
+            </a:r>
+          </a:p>
+        </p:txBody>
+      </p:sp>
+      <p:sp>
+        <p:nvSpPr>
+          <p:cNvPr id="25" name="TextBox 24">
+            <a:extLst>
+              <a:ext uri="{FF2B5EF4-FFF2-40B4-BE49-F238E27FC236}">
+                <a16:creationId xmlns:a16="http://schemas.microsoft.com/office/drawing/2014/main" id="{8312EDE1-550B-B978-0FAD-6491AAB4AEA7}"/>
+              </a:ext>
+            </a:extLst>
+          </p:cNvPr>
+          <p:cNvSpPr txBox="1"/>
+          <p:nvPr/>
+        </p:nvSpPr>
+        <p:spPr>
+          <a:xfrm>
+            <a:off x="9799974" y="4431343"/>
+            <a:ext cx="930869" cy="261610"/>
+          </a:xfrm>
+          <a:prstGeom prst="rect">
+            <a:avLst/>
+          </a:prstGeom>
+          <a:noFill/>
+        </p:spPr>
+        <p:txBody>
+          <a:bodyPr wrap="square" rtlCol="0">
+            <a:spAutoFit/>
+          </a:bodyPr>
+          <a:lstStyle/>
+          <a:p>
+            <a:r>
+              <a:rPr lang="en-US" sz="1100" b="1" strike="sngStrike" dirty="0">
+                <a:latin typeface="Courier New" panose="02070309020205020404" pitchFamily="49" charset="0"/>
+                <a:cs typeface="Courier New" panose="02070309020205020404" pitchFamily="49" charset="0"/>
+              </a:rPr>
+              <a:t>2020</a:t>
+            </a:r>
+            <a:r>
+              <a:rPr lang="en-US" sz="1100" b="1" dirty="0">
+                <a:latin typeface="Courier New" panose="02070309020205020404" pitchFamily="49" charset="0"/>
+                <a:cs typeface="Courier New" panose="02070309020205020404" pitchFamily="49" charset="0"/>
+              </a:rPr>
+              <a:t>2023</a:t>
+            </a:r>
+          </a:p>
+        </p:txBody>
+      </p:sp>
+      <p:sp>
+        <p:nvSpPr>
+          <p:cNvPr id="26" name="TextBox 25">
+            <a:extLst>
+              <a:ext uri="{FF2B5EF4-FFF2-40B4-BE49-F238E27FC236}">
+                <a16:creationId xmlns:a16="http://schemas.microsoft.com/office/drawing/2014/main" id="{3AD29DA0-F222-91C9-4B9D-8290E64D3DD9}"/>
+              </a:ext>
+            </a:extLst>
+          </p:cNvPr>
+          <p:cNvSpPr txBox="1"/>
+          <p:nvPr/>
+        </p:nvSpPr>
+        <p:spPr>
+          <a:xfrm>
+            <a:off x="10192487" y="4963371"/>
+            <a:ext cx="930869" cy="261610"/>
+          </a:xfrm>
+          <a:prstGeom prst="rect">
+            <a:avLst/>
+          </a:prstGeom>
+          <a:noFill/>
+        </p:spPr>
+        <p:txBody>
+          <a:bodyPr wrap="square" rtlCol="0">
+            <a:spAutoFit/>
+          </a:bodyPr>
+          <a:lstStyle/>
+          <a:p>
+            <a:r>
+              <a:rPr lang="en-US" sz="1100" b="1" strike="sngStrike" dirty="0">
+                <a:latin typeface="Courier New" panose="02070309020205020404" pitchFamily="49" charset="0"/>
+                <a:cs typeface="Courier New" panose="02070309020205020404" pitchFamily="49" charset="0"/>
+              </a:rPr>
+              <a:t>2020</a:t>
+            </a:r>
+            <a:r>
+              <a:rPr lang="en-US" sz="1100" b="1" dirty="0">
+                <a:latin typeface="Courier New" panose="02070309020205020404" pitchFamily="49" charset="0"/>
+                <a:cs typeface="Courier New" panose="02070309020205020404" pitchFamily="49" charset="0"/>
+              </a:rPr>
+              <a:t>2023</a:t>
+            </a:r>
+          </a:p>
+        </p:txBody>
+      </p:sp>
+      <p:sp>
+        <p:nvSpPr>
+          <p:cNvPr id="27" name="TextBox 26">
+            <a:extLst>
+              <a:ext uri="{FF2B5EF4-FFF2-40B4-BE49-F238E27FC236}">
+                <a16:creationId xmlns:a16="http://schemas.microsoft.com/office/drawing/2014/main" id="{03E7B973-AE1B-C541-F0F0-02D578EFCE7A}"/>
+              </a:ext>
+            </a:extLst>
+          </p:cNvPr>
+          <p:cNvSpPr txBox="1"/>
+          <p:nvPr/>
+        </p:nvSpPr>
+        <p:spPr>
+          <a:xfrm>
+            <a:off x="9278226" y="5069431"/>
+            <a:ext cx="930869" cy="261610"/>
+          </a:xfrm>
+          <a:prstGeom prst="rect">
+            <a:avLst/>
+          </a:prstGeom>
+          <a:noFill/>
+        </p:spPr>
+        <p:txBody>
+          <a:bodyPr wrap="square" rtlCol="0">
+            <a:spAutoFit/>
+          </a:bodyPr>
+          <a:lstStyle/>
+          <a:p>
+            <a:r>
+              <a:rPr lang="en-US" sz="1100" b="1" strike="sngStrike" dirty="0">
+                <a:latin typeface="Courier New" panose="02070309020205020404" pitchFamily="49" charset="0"/>
+                <a:cs typeface="Courier New" panose="02070309020205020404" pitchFamily="49" charset="0"/>
+              </a:rPr>
+              <a:t>2020</a:t>
+            </a:r>
+            <a:r>
+              <a:rPr lang="en-US" sz="1100" b="1" dirty="0">
+                <a:latin typeface="Courier New" panose="02070309020205020404" pitchFamily="49" charset="0"/>
+                <a:cs typeface="Courier New" panose="02070309020205020404" pitchFamily="49" charset="0"/>
+              </a:rPr>
+              <a:t>2023</a:t>
+            </a:r>
+          </a:p>
+        </p:txBody>
+      </p:sp>
+      <p:pic>
+        <p:nvPicPr>
+          <p:cNvPr id="28" name="Picture 27">
+            <a:extLst>
+              <a:ext uri="{FF2B5EF4-FFF2-40B4-BE49-F238E27FC236}">
+                <a16:creationId xmlns:a16="http://schemas.microsoft.com/office/drawing/2014/main" id="{D83D52A8-55DF-D31E-05BC-A93AC8F3B60F}"/>
+              </a:ext>
+            </a:extLst>
+          </p:cNvPr>
+          <p:cNvPicPr>
+            <a:picLocks noChangeAspect="1"/>
+          </p:cNvPicPr>
+          <p:nvPr/>
+        </p:nvPicPr>
+        <p:blipFill>
+          <a:blip r:embed="rId3"/>
+          <a:stretch>
+            <a:fillRect/>
+          </a:stretch>
+        </p:blipFill>
+        <p:spPr>
+          <a:xfrm>
+            <a:off x="9278226" y="5450623"/>
+            <a:ext cx="1759485" cy="1047178"/>
+          </a:xfrm>
+          <a:prstGeom prst="rect">
+            <a:avLst/>
+          </a:prstGeom>
+        </p:spPr>
+      </p:pic>
+      <p:sp>
+        <p:nvSpPr>
+          <p:cNvPr id="29" name="TextBox 28">
+            <a:extLst>
+              <a:ext uri="{FF2B5EF4-FFF2-40B4-BE49-F238E27FC236}">
+                <a16:creationId xmlns:a16="http://schemas.microsoft.com/office/drawing/2014/main" id="{27B00134-CD42-F180-1EBF-31444F92C717}"/>
+              </a:ext>
+            </a:extLst>
+          </p:cNvPr>
+          <p:cNvSpPr txBox="1"/>
+          <p:nvPr/>
+        </p:nvSpPr>
+        <p:spPr>
+          <a:xfrm>
+            <a:off x="9585092" y="5433955"/>
+            <a:ext cx="930869" cy="261610"/>
+          </a:xfrm>
+          <a:prstGeom prst="rect">
+            <a:avLst/>
+          </a:prstGeom>
+          <a:noFill/>
+        </p:spPr>
+        <p:txBody>
+          <a:bodyPr wrap="square" rtlCol="0">
+            <a:spAutoFit/>
+          </a:bodyPr>
+          <a:lstStyle/>
+          <a:p>
+            <a:r>
+              <a:rPr lang="en-US" sz="1100" b="1" strike="sngStrike" dirty="0">
+                <a:latin typeface="Courier New" panose="02070309020205020404" pitchFamily="49" charset="0"/>
+                <a:cs typeface="Courier New" panose="02070309020205020404" pitchFamily="49" charset="0"/>
+              </a:rPr>
+              <a:t>2020</a:t>
+            </a:r>
+            <a:r>
+              <a:rPr lang="en-US" sz="1100" b="1" dirty="0">
+                <a:latin typeface="Courier New" panose="02070309020205020404" pitchFamily="49" charset="0"/>
+                <a:cs typeface="Courier New" panose="02070309020205020404" pitchFamily="49" charset="0"/>
+              </a:rPr>
+              <a:t>2024</a:t>
+            </a:r>
+          </a:p>
+        </p:txBody>
+      </p:sp>
+      <p:sp>
+        <p:nvSpPr>
+          <p:cNvPr id="30" name="TextBox 29">
+            <a:extLst>
+              <a:ext uri="{FF2B5EF4-FFF2-40B4-BE49-F238E27FC236}">
+                <a16:creationId xmlns:a16="http://schemas.microsoft.com/office/drawing/2014/main" id="{37C7BA4B-5F13-96C9-88A9-1A334C688029}"/>
+              </a:ext>
+            </a:extLst>
+          </p:cNvPr>
+          <p:cNvSpPr txBox="1"/>
+          <p:nvPr/>
+        </p:nvSpPr>
+        <p:spPr>
+          <a:xfrm>
+            <a:off x="9799974" y="5695565"/>
+            <a:ext cx="930869" cy="261610"/>
+          </a:xfrm>
+          <a:prstGeom prst="rect">
+            <a:avLst/>
+          </a:prstGeom>
+          <a:noFill/>
+        </p:spPr>
+        <p:txBody>
+          <a:bodyPr wrap="square" rtlCol="0">
+            <a:spAutoFit/>
+          </a:bodyPr>
+          <a:lstStyle/>
+          <a:p>
+            <a:r>
+              <a:rPr lang="en-US" sz="1100" b="1" strike="sngStrike" dirty="0">
+                <a:latin typeface="Courier New" panose="02070309020205020404" pitchFamily="49" charset="0"/>
+                <a:cs typeface="Courier New" panose="02070309020205020404" pitchFamily="49" charset="0"/>
+              </a:rPr>
+              <a:t>2020</a:t>
+            </a:r>
+            <a:r>
+              <a:rPr lang="en-US" sz="1100" b="1" dirty="0">
+                <a:latin typeface="Courier New" panose="02070309020205020404" pitchFamily="49" charset="0"/>
+                <a:cs typeface="Courier New" panose="02070309020205020404" pitchFamily="49" charset="0"/>
+              </a:rPr>
+              <a:t>2024</a:t>
+            </a:r>
+          </a:p>
+        </p:txBody>
+      </p:sp>
+      <p:sp>
+        <p:nvSpPr>
+          <p:cNvPr id="31" name="TextBox 30">
+            <a:extLst>
+              <a:ext uri="{FF2B5EF4-FFF2-40B4-BE49-F238E27FC236}">
+                <a16:creationId xmlns:a16="http://schemas.microsoft.com/office/drawing/2014/main" id="{5B4BCF7E-68D1-2455-4D8C-F58FD86A14FC}"/>
+              </a:ext>
+            </a:extLst>
+          </p:cNvPr>
+          <p:cNvSpPr txBox="1"/>
+          <p:nvPr/>
+        </p:nvSpPr>
+        <p:spPr>
+          <a:xfrm>
+            <a:off x="10192487" y="6227593"/>
+            <a:ext cx="930869" cy="261610"/>
+          </a:xfrm>
+          <a:prstGeom prst="rect">
+            <a:avLst/>
+          </a:prstGeom>
+          <a:noFill/>
+        </p:spPr>
+        <p:txBody>
+          <a:bodyPr wrap="square" rtlCol="0">
+            <a:spAutoFit/>
+          </a:bodyPr>
+          <a:lstStyle/>
+          <a:p>
+            <a:r>
+              <a:rPr lang="en-US" sz="1100" b="1" strike="sngStrike" dirty="0">
+                <a:latin typeface="Courier New" panose="02070309020205020404" pitchFamily="49" charset="0"/>
+                <a:cs typeface="Courier New" panose="02070309020205020404" pitchFamily="49" charset="0"/>
+              </a:rPr>
+              <a:t>2020</a:t>
+            </a:r>
+            <a:r>
+              <a:rPr lang="en-US" sz="1100" b="1" dirty="0">
+                <a:latin typeface="Courier New" panose="02070309020205020404" pitchFamily="49" charset="0"/>
+                <a:cs typeface="Courier New" panose="02070309020205020404" pitchFamily="49" charset="0"/>
+              </a:rPr>
+              <a:t>2024</a:t>
+            </a:r>
+          </a:p>
+        </p:txBody>
+      </p:sp>
+      <p:sp>
+        <p:nvSpPr>
+          <p:cNvPr id="32" name="TextBox 31">
+            <a:extLst>
+              <a:ext uri="{FF2B5EF4-FFF2-40B4-BE49-F238E27FC236}">
+                <a16:creationId xmlns:a16="http://schemas.microsoft.com/office/drawing/2014/main" id="{1275B2A4-E172-440A-F606-FBD2E0339C7E}"/>
+              </a:ext>
+            </a:extLst>
+          </p:cNvPr>
+          <p:cNvSpPr txBox="1"/>
+          <p:nvPr/>
+        </p:nvSpPr>
+        <p:spPr>
+          <a:xfrm>
+            <a:off x="9278226" y="6333653"/>
+            <a:ext cx="930869" cy="261610"/>
+          </a:xfrm>
+          <a:prstGeom prst="rect">
+            <a:avLst/>
+          </a:prstGeom>
+          <a:noFill/>
+        </p:spPr>
+        <p:txBody>
+          <a:bodyPr wrap="square" rtlCol="0">
+            <a:spAutoFit/>
+          </a:bodyPr>
+          <a:lstStyle/>
+          <a:p>
+            <a:r>
+              <a:rPr lang="en-US" sz="1100" b="1" strike="sngStrike" dirty="0">
+                <a:latin typeface="Courier New" panose="02070309020205020404" pitchFamily="49" charset="0"/>
+                <a:cs typeface="Courier New" panose="02070309020205020404" pitchFamily="49" charset="0"/>
+              </a:rPr>
+              <a:t>2020</a:t>
+            </a:r>
+            <a:r>
+              <a:rPr lang="en-US" sz="1100" b="1" dirty="0">
+                <a:latin typeface="Courier New" panose="02070309020205020404" pitchFamily="49" charset="0"/>
+                <a:cs typeface="Courier New" panose="02070309020205020404" pitchFamily="49" charset="0"/>
+              </a:rPr>
+              <a:t>2024</a:t>
+            </a:r>
+          </a:p>
+        </p:txBody>
+      </p:sp>
     </p:spTree>
     <p:extLst>
       <p:ext uri="{BB962C8B-B14F-4D97-AF65-F5344CB8AC3E}">
-        <p14:creationId xmlns:p14="http://schemas.microsoft.com/office/powerpoint/2010/main" val="580065367"/>
+        <p14:creationId xmlns:p14="http://schemas.microsoft.com/office/powerpoint/2010/main" val="632060634"/>
       </p:ext>
     </p:extLst>
   </p:cSld>
@@ -7556,7 +9415,11 @@
                                           </p:stCondLst>
                                         </p:cTn>
                                         <p:tgtEl>
-                                          <p:spTgt spid="6"/>
+                                          <p:spTgt spid="2">
+                                            <p:txEl>
+                                              <p:pRg st="0" end="0"/>
+                                            </p:txEl>
+                                          </p:spTgt>
                                         </p:tgtEl>
                                         <p:attrNameLst>
                                           <p:attrName>style.visibility</p:attrName>
@@ -7601,11 +9464,232 @@
                                           </p:stCondLst>
                                         </p:cTn>
                                         <p:tgtEl>
-                                          <p:spTgt spid="3">
-                                            <p:txEl>
-                                              <p:pRg st="6" end="6"/>
-                                            </p:txEl>
-                                          </p:spTgt>
+                                          <p:spTgt spid="4"/>
+                                        </p:tgtEl>
+                                        <p:attrNameLst>
+                                          <p:attrName>style.visibility</p:attrName>
+                                        </p:attrNameLst>
+                                      </p:cBhvr>
+                                      <p:to>
+                                        <p:strVal val="visible"/>
+                                      </p:to>
+                                    </p:set>
+                                  </p:childTnLst>
+                                </p:cTn>
+                              </p:par>
+                            </p:childTnLst>
+                          </p:cTn>
+                        </p:par>
+                      </p:childTnLst>
+                    </p:cTn>
+                  </p:par>
+                  <p:par>
+                    <p:cTn id="11" fill="hold">
+                      <p:stCondLst>
+                        <p:cond delay="indefinite"/>
+                      </p:stCondLst>
+                      <p:childTnLst>
+                        <p:par>
+                          <p:cTn id="12" fill="hold">
+                            <p:stCondLst>
+                              <p:cond delay="0"/>
+                            </p:stCondLst>
+                            <p:childTnLst>
+                              <p:par>
+                                <p:cTn id="13" presetID="1" presetClass="entr" presetSubtype="0" fill="hold" nodeType="clickEffect">
+                                  <p:stCondLst>
+                                    <p:cond delay="0"/>
+                                  </p:stCondLst>
+                                  <p:childTnLst>
+                                    <p:set>
+                                      <p:cBhvr>
+                                        <p:cTn id="14" dur="1" fill="hold">
+                                          <p:stCondLst>
+                                            <p:cond delay="0"/>
+                                          </p:stCondLst>
+                                        </p:cTn>
+                                        <p:tgtEl>
+                                          <p:spTgt spid="13"/>
+                                        </p:tgtEl>
+                                        <p:attrNameLst>
+                                          <p:attrName>style.visibility</p:attrName>
+                                        </p:attrNameLst>
+                                      </p:cBhvr>
+                                      <p:to>
+                                        <p:strVal val="visible"/>
+                                      </p:to>
+                                    </p:set>
+                                  </p:childTnLst>
+                                </p:cTn>
+                              </p:par>
+                            </p:childTnLst>
+                          </p:cTn>
+                        </p:par>
+                      </p:childTnLst>
+                    </p:cTn>
+                  </p:par>
+                  <p:par>
+                    <p:cTn id="15" fill="hold">
+                      <p:stCondLst>
+                        <p:cond delay="indefinite"/>
+                      </p:stCondLst>
+                      <p:childTnLst>
+                        <p:par>
+                          <p:cTn id="16" fill="hold">
+                            <p:stCondLst>
+                              <p:cond delay="0"/>
+                            </p:stCondLst>
+                            <p:childTnLst>
+                              <p:par>
+                                <p:cTn id="17" presetID="1" presetClass="entr" presetSubtype="0" fill="hold" nodeType="clickEffect">
+                                  <p:stCondLst>
+                                    <p:cond delay="0"/>
+                                  </p:stCondLst>
+                                  <p:childTnLst>
+                                    <p:set>
+                                      <p:cBhvr>
+                                        <p:cTn id="18" dur="1" fill="hold">
+                                          <p:stCondLst>
+                                            <p:cond delay="0"/>
+                                          </p:stCondLst>
+                                        </p:cTn>
+                                        <p:tgtEl>
+                                          <p:spTgt spid="18"/>
+                                        </p:tgtEl>
+                                        <p:attrNameLst>
+                                          <p:attrName>style.visibility</p:attrName>
+                                        </p:attrNameLst>
+                                      </p:cBhvr>
+                                      <p:to>
+                                        <p:strVal val="visible"/>
+                                      </p:to>
+                                    </p:set>
+                                  </p:childTnLst>
+                                </p:cTn>
+                              </p:par>
+                            </p:childTnLst>
+                          </p:cTn>
+                        </p:par>
+                      </p:childTnLst>
+                    </p:cTn>
+                  </p:par>
+                  <p:par>
+                    <p:cTn id="19" fill="hold">
+                      <p:stCondLst>
+                        <p:cond delay="indefinite"/>
+                      </p:stCondLst>
+                      <p:childTnLst>
+                        <p:par>
+                          <p:cTn id="20" fill="hold">
+                            <p:stCondLst>
+                              <p:cond delay="0"/>
+                            </p:stCondLst>
+                            <p:childTnLst>
+                              <p:par>
+                                <p:cTn id="21" presetID="1" presetClass="entr" presetSubtype="0" fill="hold" nodeType="clickEffect">
+                                  <p:stCondLst>
+                                    <p:cond delay="0"/>
+                                  </p:stCondLst>
+                                  <p:childTnLst>
+                                    <p:set>
+                                      <p:cBhvr>
+                                        <p:cTn id="22" dur="1" fill="hold">
+                                          <p:stCondLst>
+                                            <p:cond delay="0"/>
+                                          </p:stCondLst>
+                                        </p:cTn>
+                                        <p:tgtEl>
+                                          <p:spTgt spid="23"/>
+                                        </p:tgtEl>
+                                        <p:attrNameLst>
+                                          <p:attrName>style.visibility</p:attrName>
+                                        </p:attrNameLst>
+                                      </p:cBhvr>
+                                      <p:to>
+                                        <p:strVal val="visible"/>
+                                      </p:to>
+                                    </p:set>
+                                  </p:childTnLst>
+                                </p:cTn>
+                              </p:par>
+                            </p:childTnLst>
+                          </p:cTn>
+                        </p:par>
+                      </p:childTnLst>
+                    </p:cTn>
+                  </p:par>
+                  <p:par>
+                    <p:cTn id="23" fill="hold">
+                      <p:stCondLst>
+                        <p:cond delay="indefinite"/>
+                      </p:stCondLst>
+                      <p:childTnLst>
+                        <p:par>
+                          <p:cTn id="24" fill="hold">
+                            <p:stCondLst>
+                              <p:cond delay="0"/>
+                            </p:stCondLst>
+                            <p:childTnLst>
+                              <p:par>
+                                <p:cTn id="25" presetID="1" presetClass="entr" presetSubtype="0" fill="hold" nodeType="clickEffect">
+                                  <p:stCondLst>
+                                    <p:cond delay="0"/>
+                                  </p:stCondLst>
+                                  <p:childTnLst>
+                                    <p:set>
+                                      <p:cBhvr>
+                                        <p:cTn id="26" dur="1" fill="hold">
+                                          <p:stCondLst>
+                                            <p:cond delay="0"/>
+                                          </p:stCondLst>
+                                        </p:cTn>
+                                        <p:tgtEl>
+                                          <p:spTgt spid="28"/>
+                                        </p:tgtEl>
+                                        <p:attrNameLst>
+                                          <p:attrName>style.visibility</p:attrName>
+                                        </p:attrNameLst>
+                                      </p:cBhvr>
+                                      <p:to>
+                                        <p:strVal val="visible"/>
+                                      </p:to>
+                                    </p:set>
+                                  </p:childTnLst>
+                                </p:cTn>
+                              </p:par>
+                            </p:childTnLst>
+                          </p:cTn>
+                        </p:par>
+                      </p:childTnLst>
+                    </p:cTn>
+                  </p:par>
+                  <p:par>
+                    <p:cTn id="27" fill="hold">
+                      <p:stCondLst>
+                        <p:cond delay="indefinite"/>
+                      </p:stCondLst>
+                      <p:childTnLst>
+                        <p:par>
+                          <p:cTn id="28" fill="hold">
+                            <p:stCondLst>
+                              <p:cond delay="0"/>
+                            </p:stCondLst>
+                            <p:childTnLst>
+                              <p:par>
+                                <p:cTn id="29" presetID="1" presetClass="entr" presetSubtype="0" fill="hold" grpId="0" nodeType="clickEffect">
+                                  <p:stCondLst>
+                                    <p:cond delay="0"/>
+                                  </p:stCondLst>
+                                  <p:childTnLst>
+                                    <p:set>
+                                      <p:cBhvr>
+                                        <p:cTn id="30" dur="1" fill="hold">
+                                          <p:stCondLst>
+                                            <p:cond delay="0"/>
+                                          </p:stCondLst>
+                                        </p:cTn>
+                                        <p:tgtEl>
+                                          <p:spTgt spid="12"/>
                                         </p:tgtEl>
                                         <p:attrNameLst>
                                           <p:attrName>style.visibility</p:attrName>
@@ -7619,24 +9703,20 @@
                                 </p:cTn>
                               </p:par>
                               <p:par>
-                                <p:cTn id="11" presetID="1" presetClass="entr" presetSubtype="0" fill="hold" nodeType="withEffect">
+                                <p:cTn id="31" presetID="1" presetClass="entr" presetSubtype="0" fill="hold" grpId="0" nodeType="withEffect">
                                   <p:stCondLst>
                                     <p:cond delay="0"/>
                                   </p:stCondLst>
                                   <p:childTnLst>
                                     <p:set>
                                       <p:cBhvr>
-                                        <p:cTn id="12" dur="1" fill="hold">
+                                        <p:cTn id="32" dur="1" fill="hold">
                                           <p:stCondLst>
                                             <p:cond delay="0"/>
                                           </p:stCondLst>
                                         </p:cTn>
                                         <p:tgtEl>
-                                          <p:spTgt spid="3">
-                                            <p:txEl>
-                                              <p:pRg st="7" end="7"/>
-                                            </p:txEl>
-                                          </p:spTgt>
+                                          <p:spTgt spid="11"/>
                                         </p:tgtEl>
                                         <p:attrNameLst>
                                           <p:attrName>style.visibility</p:attrName>
@@ -7650,24 +9730,20 @@
                                 </p:cTn>
                               </p:par>
                               <p:par>
-                                <p:cTn id="13" presetID="1" presetClass="entr" presetSubtype="0" fill="hold" nodeType="withEffect">
+                                <p:cTn id="33" presetID="1" presetClass="entr" presetSubtype="0" fill="hold" grpId="0" nodeType="withEffect">
                                   <p:stCondLst>
                                     <p:cond delay="0"/>
                                   </p:stCondLst>
                                   <p:childTnLst>
                                     <p:set>
                                       <p:cBhvr>
-                                        <p:cTn id="14" dur="1" fill="hold">
+                                        <p:cTn id="34" dur="1" fill="hold">
                                           <p:stCondLst>
                                             <p:cond delay="0"/>
                                           </p:stCondLst>
                                         </p:cTn>
                                         <p:tgtEl>
-                                          <p:spTgt spid="3">
-                                            <p:txEl>
-                                              <p:pRg st="8" end="8"/>
-                                            </p:txEl>
-                                          </p:spTgt>
+                                          <p:spTgt spid="10"/>
                                         </p:tgtEl>
                                         <p:attrNameLst>
                                           <p:attrName>style.visibility</p:attrName>
@@ -7681,22 +9757,571 @@
                                 </p:cTn>
                               </p:par>
                               <p:par>
-                                <p:cTn id="15" presetID="1" presetClass="entr" presetSubtype="0" fill="hold" nodeType="withEffect">
+                                <p:cTn id="35" presetID="1" presetClass="entr" presetSubtype="0" fill="hold" grpId="0" nodeType="withEffect">
                                   <p:stCondLst>
                                     <p:cond delay="0"/>
                                   </p:stCondLst>
                                   <p:childTnLst>
                                     <p:set>
                                       <p:cBhvr>
-                                        <p:cTn id="16" dur="1" fill="hold">
+                                        <p:cTn id="36" dur="1" fill="hold">
                                           <p:stCondLst>
                                             <p:cond delay="0"/>
                                           </p:stCondLst>
                                         </p:cTn>
                                         <p:tgtEl>
-                                          <p:spTgt spid="3">
+                                          <p:spTgt spid="9"/>
+                                        </p:tgtEl>
+                                        <p:attrNameLst>
+                                          <p:attrName>style.visibility</p:attrName>
+                                        </p:attrNameLst>
+                                      </p:cBhvr>
+                                      <p:to>
+                                        <p:strVal val="visible"/>
+                                      </p:to>
+                                    </p:set>
+                                  </p:childTnLst>
+                                </p:cTn>
+                              </p:par>
+                            </p:childTnLst>
+                          </p:cTn>
+                        </p:par>
+                      </p:childTnLst>
+                    </p:cTn>
+                  </p:par>
+                  <p:par>
+                    <p:cTn id="37" fill="hold">
+                      <p:stCondLst>
+                        <p:cond delay="indefinite"/>
+                      </p:stCondLst>
+                      <p:childTnLst>
+                        <p:par>
+                          <p:cTn id="38" fill="hold">
+                            <p:stCondLst>
+                              <p:cond delay="0"/>
+                            </p:stCondLst>
+                            <p:childTnLst>
+                              <p:par>
+                                <p:cTn id="39" presetID="1" presetClass="entr" presetSubtype="0" fill="hold" grpId="0" nodeType="clickEffect">
+                                  <p:stCondLst>
+                                    <p:cond delay="0"/>
+                                  </p:stCondLst>
+                                  <p:childTnLst>
+                                    <p:set>
+                                      <p:cBhvr>
+                                        <p:cTn id="40" dur="1" fill="hold">
+                                          <p:stCondLst>
+                                            <p:cond delay="0"/>
+                                          </p:stCondLst>
+                                        </p:cTn>
+                                        <p:tgtEl>
+                                          <p:spTgt spid="14"/>
+                                        </p:tgtEl>
+                                        <p:attrNameLst>
+                                          <p:attrName>style.visibility</p:attrName>
+                                        </p:attrNameLst>
+                                      </p:cBhvr>
+                                      <p:to>
+                                        <p:strVal val="visible"/>
+                                      </p:to>
+                                    </p:set>
+                                  </p:childTnLst>
+                                </p:cTn>
+                              </p:par>
+                              <p:par>
+                                <p:cTn id="41" presetID="1" presetClass="entr" presetSubtype="0" fill="hold" grpId="0" nodeType="withEffect">
+                                  <p:stCondLst>
+                                    <p:cond delay="0"/>
+                                  </p:stCondLst>
+                                  <p:childTnLst>
+                                    <p:set>
+                                      <p:cBhvr>
+                                        <p:cTn id="42" dur="1" fill="hold">
+                                          <p:stCondLst>
+                                            <p:cond delay="0"/>
+                                          </p:stCondLst>
+                                        </p:cTn>
+                                        <p:tgtEl>
+                                          <p:spTgt spid="15"/>
+                                        </p:tgtEl>
+                                        <p:attrNameLst>
+                                          <p:attrName>style.visibility</p:attrName>
+                                        </p:attrNameLst>
+                                      </p:cBhvr>
+                                      <p:to>
+                                        <p:strVal val="visible"/>
+                                      </p:to>
+                                    </p:set>
+                                  </p:childTnLst>
+                                </p:cTn>
+                              </p:par>
+                              <p:par>
+                                <p:cTn id="43" presetID="1" presetClass="entr" presetSubtype="0" fill="hold" grpId="0" nodeType="withEffect">
+                                  <p:stCondLst>
+                                    <p:cond delay="0"/>
+                                  </p:stCondLst>
+                                  <p:childTnLst>
+                                    <p:set>
+                                      <p:cBhvr>
+                                        <p:cTn id="44" dur="1" fill="hold">
+                                          <p:stCondLst>
+                                            <p:cond delay="0"/>
+                                          </p:stCondLst>
+                                        </p:cTn>
+                                        <p:tgtEl>
+                                          <p:spTgt spid="16"/>
+                                        </p:tgtEl>
+                                        <p:attrNameLst>
+                                          <p:attrName>style.visibility</p:attrName>
+                                        </p:attrNameLst>
+                                      </p:cBhvr>
+                                      <p:to>
+                                        <p:strVal val="visible"/>
+                                      </p:to>
+                                    </p:set>
+                                  </p:childTnLst>
+                                </p:cTn>
+                              </p:par>
+                              <p:par>
+                                <p:cTn id="45" presetID="1" presetClass="entr" presetSubtype="0" fill="hold" grpId="0" nodeType="withEffect">
+                                  <p:stCondLst>
+                                    <p:cond delay="0"/>
+                                  </p:stCondLst>
+                                  <p:childTnLst>
+                                    <p:set>
+                                      <p:cBhvr>
+                                        <p:cTn id="46" dur="1" fill="hold">
+                                          <p:stCondLst>
+                                            <p:cond delay="0"/>
+                                          </p:stCondLst>
+                                        </p:cTn>
+                                        <p:tgtEl>
+                                          <p:spTgt spid="17"/>
+                                        </p:tgtEl>
+                                        <p:attrNameLst>
+                                          <p:attrName>style.visibility</p:attrName>
+                                        </p:attrNameLst>
+                                      </p:cBhvr>
+                                      <p:to>
+                                        <p:strVal val="visible"/>
+                                      </p:to>
+                                    </p:set>
+                                  </p:childTnLst>
+                                </p:cTn>
+                              </p:par>
+                            </p:childTnLst>
+                          </p:cTn>
+                        </p:par>
+                      </p:childTnLst>
+                    </p:cTn>
+                  </p:par>
+                  <p:par>
+                    <p:cTn id="47" fill="hold">
+                      <p:stCondLst>
+                        <p:cond delay="indefinite"/>
+                      </p:stCondLst>
+                      <p:childTnLst>
+                        <p:par>
+                          <p:cTn id="48" fill="hold">
+                            <p:stCondLst>
+                              <p:cond delay="0"/>
+                            </p:stCondLst>
+                            <p:childTnLst>
+                              <p:par>
+                                <p:cTn id="49" presetID="1" presetClass="entr" presetSubtype="0" fill="hold" grpId="0" nodeType="clickEffect">
+                                  <p:stCondLst>
+                                    <p:cond delay="0"/>
+                                  </p:stCondLst>
+                                  <p:childTnLst>
+                                    <p:set>
+                                      <p:cBhvr>
+                                        <p:cTn id="50" dur="1" fill="hold">
+                                          <p:stCondLst>
+                                            <p:cond delay="0"/>
+                                          </p:stCondLst>
+                                        </p:cTn>
+                                        <p:tgtEl>
+                                          <p:spTgt spid="19"/>
+                                        </p:tgtEl>
+                                        <p:attrNameLst>
+                                          <p:attrName>style.visibility</p:attrName>
+                                        </p:attrNameLst>
+                                      </p:cBhvr>
+                                      <p:to>
+                                        <p:strVal val="visible"/>
+                                      </p:to>
+                                    </p:set>
+                                  </p:childTnLst>
+                                </p:cTn>
+                              </p:par>
+                              <p:par>
+                                <p:cTn id="51" presetID="1" presetClass="entr" presetSubtype="0" fill="hold" grpId="0" nodeType="withEffect">
+                                  <p:stCondLst>
+                                    <p:cond delay="0"/>
+                                  </p:stCondLst>
+                                  <p:childTnLst>
+                                    <p:set>
+                                      <p:cBhvr>
+                                        <p:cTn id="52" dur="1" fill="hold">
+                                          <p:stCondLst>
+                                            <p:cond delay="0"/>
+                                          </p:stCondLst>
+                                        </p:cTn>
+                                        <p:tgtEl>
+                                          <p:spTgt spid="20"/>
+                                        </p:tgtEl>
+                                        <p:attrNameLst>
+                                          <p:attrName>style.visibility</p:attrName>
+                                        </p:attrNameLst>
+                                      </p:cBhvr>
+                                      <p:to>
+                                        <p:strVal val="visible"/>
+                                      </p:to>
+                                    </p:set>
+                                  </p:childTnLst>
+                                </p:cTn>
+                              </p:par>
+                              <p:par>
+                                <p:cTn id="53" presetID="1" presetClass="entr" presetSubtype="0" fill="hold" grpId="0" nodeType="withEffect">
+                                  <p:stCondLst>
+                                    <p:cond delay="0"/>
+                                  </p:stCondLst>
+                                  <p:childTnLst>
+                                    <p:set>
+                                      <p:cBhvr>
+                                        <p:cTn id="54" dur="1" fill="hold">
+                                          <p:stCondLst>
+                                            <p:cond delay="0"/>
+                                          </p:stCondLst>
+                                        </p:cTn>
+                                        <p:tgtEl>
+                                          <p:spTgt spid="21"/>
+                                        </p:tgtEl>
+                                        <p:attrNameLst>
+                                          <p:attrName>style.visibility</p:attrName>
+                                        </p:attrNameLst>
+                                      </p:cBhvr>
+                                      <p:to>
+                                        <p:strVal val="visible"/>
+                                      </p:to>
+                                    </p:set>
+                                  </p:childTnLst>
+                                </p:cTn>
+                              </p:par>
+                              <p:par>
+                                <p:cTn id="55" presetID="1" presetClass="entr" presetSubtype="0" fill="hold" grpId="0" nodeType="withEffect">
+                                  <p:stCondLst>
+                                    <p:cond delay="0"/>
+                                  </p:stCondLst>
+                                  <p:childTnLst>
+                                    <p:set>
+                                      <p:cBhvr>
+                                        <p:cTn id="56" dur="1" fill="hold">
+                                          <p:stCondLst>
+                                            <p:cond delay="0"/>
+                                          </p:stCondLst>
+                                        </p:cTn>
+                                        <p:tgtEl>
+                                          <p:spTgt spid="22"/>
+                                        </p:tgtEl>
+                                        <p:attrNameLst>
+                                          <p:attrName>style.visibility</p:attrName>
+                                        </p:attrNameLst>
+                                      </p:cBhvr>
+                                      <p:to>
+                                        <p:strVal val="visible"/>
+                                      </p:to>
+                                    </p:set>
+                                  </p:childTnLst>
+                                </p:cTn>
+                              </p:par>
+                            </p:childTnLst>
+                          </p:cTn>
+                        </p:par>
+                      </p:childTnLst>
+                    </p:cTn>
+                  </p:par>
+                  <p:par>
+                    <p:cTn id="57" fill="hold">
+                      <p:stCondLst>
+                        <p:cond delay="indefinite"/>
+                      </p:stCondLst>
+                      <p:childTnLst>
+                        <p:par>
+                          <p:cTn id="58" fill="hold">
+                            <p:stCondLst>
+                              <p:cond delay="0"/>
+                            </p:stCondLst>
+                            <p:childTnLst>
+                              <p:par>
+                                <p:cTn id="59" presetID="1" presetClass="entr" presetSubtype="0" fill="hold" grpId="0" nodeType="clickEffect">
+                                  <p:stCondLst>
+                                    <p:cond delay="0"/>
+                                  </p:stCondLst>
+                                  <p:childTnLst>
+                                    <p:set>
+                                      <p:cBhvr>
+                                        <p:cTn id="60" dur="1" fill="hold">
+                                          <p:stCondLst>
+                                            <p:cond delay="0"/>
+                                          </p:stCondLst>
+                                        </p:cTn>
+                                        <p:tgtEl>
+                                          <p:spTgt spid="24"/>
+                                        </p:tgtEl>
+                                        <p:attrNameLst>
+                                          <p:attrName>style.visibility</p:attrName>
+                                        </p:attrNameLst>
+                                      </p:cBhvr>
+                                      <p:to>
+                                        <p:strVal val="visible"/>
+                                      </p:to>
+                                    </p:set>
+                                  </p:childTnLst>
+                                </p:cTn>
+                              </p:par>
+                              <p:par>
+                                <p:cTn id="61" presetID="1" presetClass="entr" presetSubtype="0" fill="hold" grpId="0" nodeType="withEffect">
+                                  <p:stCondLst>
+                                    <p:cond delay="0"/>
+                                  </p:stCondLst>
+                                  <p:childTnLst>
+                                    <p:set>
+                                      <p:cBhvr>
+                                        <p:cTn id="62" dur="1" fill="hold">
+                                          <p:stCondLst>
+                                            <p:cond delay="0"/>
+                                          </p:stCondLst>
+                                        </p:cTn>
+                                        <p:tgtEl>
+                                          <p:spTgt spid="25"/>
+                                        </p:tgtEl>
+                                        <p:attrNameLst>
+                                          <p:attrName>style.visibility</p:attrName>
+                                        </p:attrNameLst>
+                                      </p:cBhvr>
+                                      <p:to>
+                                        <p:strVal val="visible"/>
+                                      </p:to>
+                                    </p:set>
+                                  </p:childTnLst>
+                                </p:cTn>
+                              </p:par>
+                              <p:par>
+                                <p:cTn id="63" presetID="1" presetClass="entr" presetSubtype="0" fill="hold" grpId="0" nodeType="withEffect">
+                                  <p:stCondLst>
+                                    <p:cond delay="0"/>
+                                  </p:stCondLst>
+                                  <p:childTnLst>
+                                    <p:set>
+                                      <p:cBhvr>
+                                        <p:cTn id="64" dur="1" fill="hold">
+                                          <p:stCondLst>
+                                            <p:cond delay="0"/>
+                                          </p:stCondLst>
+                                        </p:cTn>
+                                        <p:tgtEl>
+                                          <p:spTgt spid="26"/>
+                                        </p:tgtEl>
+                                        <p:attrNameLst>
+                                          <p:attrName>style.visibility</p:attrName>
+                                        </p:attrNameLst>
+                                      </p:cBhvr>
+                                      <p:to>
+                                        <p:strVal val="visible"/>
+                                      </p:to>
+                                    </p:set>
+                                  </p:childTnLst>
+                                </p:cTn>
+                              </p:par>
+                              <p:par>
+                                <p:cTn id="65" presetID="1" presetClass="entr" presetSubtype="0" fill="hold" grpId="0" nodeType="withEffect">
+                                  <p:stCondLst>
+                                    <p:cond delay="0"/>
+                                  </p:stCondLst>
+                                  <p:childTnLst>
+                                    <p:set>
+                                      <p:cBhvr>
+                                        <p:cTn id="66" dur="1" fill="hold">
+                                          <p:stCondLst>
+                                            <p:cond delay="0"/>
+                                          </p:stCondLst>
+                                        </p:cTn>
+                                        <p:tgtEl>
+                                          <p:spTgt spid="27"/>
+                                        </p:tgtEl>
+                                        <p:attrNameLst>
+                                          <p:attrName>style.visibility</p:attrName>
+                                        </p:attrNameLst>
+                                      </p:cBhvr>
+                                      <p:to>
+                                        <p:strVal val="visible"/>
+                                      </p:to>
+                                    </p:set>
+                                  </p:childTnLst>
+                                </p:cTn>
+                              </p:par>
+                            </p:childTnLst>
+                          </p:cTn>
+                        </p:par>
+                      </p:childTnLst>
+                    </p:cTn>
+                  </p:par>
+                  <p:par>
+                    <p:cTn id="67" fill="hold">
+                      <p:stCondLst>
+                        <p:cond delay="indefinite"/>
+                      </p:stCondLst>
+                      <p:childTnLst>
+                        <p:par>
+                          <p:cTn id="68" fill="hold">
+                            <p:stCondLst>
+                              <p:cond delay="0"/>
+                            </p:stCondLst>
+                            <p:childTnLst>
+                              <p:par>
+                                <p:cTn id="69" presetID="1" presetClass="entr" presetSubtype="0" fill="hold" grpId="0" nodeType="clickEffect">
+                                  <p:stCondLst>
+                                    <p:cond delay="0"/>
+                                  </p:stCondLst>
+                                  <p:childTnLst>
+                                    <p:set>
+                                      <p:cBhvr>
+                                        <p:cTn id="70" dur="1" fill="hold">
+                                          <p:stCondLst>
+                                            <p:cond delay="0"/>
+                                          </p:stCondLst>
+                                        </p:cTn>
+                                        <p:tgtEl>
+                                          <p:spTgt spid="29"/>
+                                        </p:tgtEl>
+                                        <p:attrNameLst>
+                                          <p:attrName>style.visibility</p:attrName>
+                                        </p:attrNameLst>
+                                      </p:cBhvr>
+                                      <p:to>
+                                        <p:strVal val="visible"/>
+                                      </p:to>
+                                    </p:set>
+                                  </p:childTnLst>
+                                </p:cTn>
+                              </p:par>
+                              <p:par>
+                                <p:cTn id="71" presetID="1" presetClass="entr" presetSubtype="0" fill="hold" grpId="0" nodeType="withEffect">
+                                  <p:stCondLst>
+                                    <p:cond delay="0"/>
+                                  </p:stCondLst>
+                                  <p:childTnLst>
+                                    <p:set>
+                                      <p:cBhvr>
+                                        <p:cTn id="72" dur="1" fill="hold">
+                                          <p:stCondLst>
+                                            <p:cond delay="0"/>
+                                          </p:stCondLst>
+                                        </p:cTn>
+                                        <p:tgtEl>
+                                          <p:spTgt spid="30"/>
+                                        </p:tgtEl>
+                                        <p:attrNameLst>
+                                          <p:attrName>style.visibility</p:attrName>
+                                        </p:attrNameLst>
+                                      </p:cBhvr>
+                                      <p:to>
+                                        <p:strVal val="visible"/>
+                                      </p:to>
+                                    </p:set>
+                                  </p:childTnLst>
+                                </p:cTn>
+                              </p:par>
+                              <p:par>
+                                <p:cTn id="73" presetID="1" presetClass="entr" presetSubtype="0" fill="hold" grpId="0" nodeType="withEffect">
+                                  <p:stCondLst>
+                                    <p:cond delay="0"/>
+                                  </p:stCondLst>
+                                  <p:childTnLst>
+                                    <p:set>
+                                      <p:cBhvr>
+                                        <p:cTn id="74" dur="1" fill="hold">
+                                          <p:stCondLst>
+                                            <p:cond delay="0"/>
+                                          </p:stCondLst>
+                                        </p:cTn>
+                                        <p:tgtEl>
+                                          <p:spTgt spid="31"/>
+                                        </p:tgtEl>
+                                        <p:attrNameLst>
+                                          <p:attrName>style.visibility</p:attrName>
+                                        </p:attrNameLst>
+                                      </p:cBhvr>
+                                      <p:to>
+                                        <p:strVal val="visible"/>
+                                      </p:to>
+                                    </p:set>
+                                  </p:childTnLst>
+                                </p:cTn>
+                              </p:par>
+                              <p:par>
+                                <p:cTn id="75" presetID="1" presetClass="entr" presetSubtype="0" fill="hold" grpId="0" nodeType="withEffect">
+                                  <p:stCondLst>
+                                    <p:cond delay="0"/>
+                                  </p:stCondLst>
+                                  <p:childTnLst>
+                                    <p:set>
+                                      <p:cBhvr>
+                                        <p:cTn id="76" dur="1" fill="hold">
+                                          <p:stCondLst>
+                                            <p:cond delay="0"/>
+                                          </p:stCondLst>
+                                        </p:cTn>
+                                        <p:tgtEl>
+                                          <p:spTgt spid="32"/>
+                                        </p:tgtEl>
+                                        <p:attrNameLst>
+                                          <p:attrName>style.visibility</p:attrName>
+                                        </p:attrNameLst>
+                                      </p:cBhvr>
+                                      <p:to>
+                                        <p:strVal val="visible"/>
+                                      </p:to>
+                                    </p:set>
+                                  </p:childTnLst>
+                                </p:cTn>
+                              </p:par>
+                            </p:childTnLst>
+                          </p:cTn>
+                        </p:par>
+                      </p:childTnLst>
+                    </p:cTn>
+                  </p:par>
+                  <p:par>
+                    <p:cTn id="77" fill="hold">
+                      <p:stCondLst>
+                        <p:cond delay="indefinite"/>
+                      </p:stCondLst>
+                      <p:childTnLst>
+                        <p:par>
+                          <p:cTn id="78" fill="hold">
+                            <p:stCondLst>
+                              <p:cond delay="0"/>
+                            </p:stCondLst>
+                            <p:childTnLst>
+                              <p:par>
+                                <p:cTn id="79" presetID="1" presetClass="entr" presetSubtype="0" fill="hold" nodeType="clickEffect">
+                                  <p:stCondLst>
+                                    <p:cond delay="0"/>
+                                  </p:stCondLst>
+                                  <p:childTnLst>
+                                    <p:set>
+                                      <p:cBhvr>
+                                        <p:cTn id="80" dur="1" fill="hold">
+                                          <p:stCondLst>
+                                            <p:cond delay="0"/>
+                                          </p:stCondLst>
+                                        </p:cTn>
+                                        <p:tgtEl>
+                                          <p:spTgt spid="2">
                                             <p:txEl>
-                                              <p:pRg st="9" end="9"/>
+                                              <p:pRg st="1" end="1"/>
                                             </p:txEl>
                                           </p:spTgt>
                                         </p:tgtEl>
@@ -7718,32 +10343,183 @@
                     </p:cTn>
                   </p:par>
                   <p:par>
-                    <p:cTn id="17" fill="hold">
+                    <p:cTn id="81" fill="hold">
                       <p:stCondLst>
                         <p:cond delay="indefinite"/>
                       </p:stCondLst>
                       <p:childTnLst>
                         <p:par>
-                          <p:cTn id="18" fill="hold">
+                          <p:cTn id="82" fill="hold">
                             <p:stCondLst>
                               <p:cond delay="0"/>
                             </p:stCondLst>
                             <p:childTnLst>
                               <p:par>
-                                <p:cTn id="19" presetID="1" presetClass="entr" presetSubtype="0" fill="hold" nodeType="clickEffect">
+                                <p:cTn id="83" presetID="1" presetClass="entr" presetSubtype="0" fill="hold" nodeType="clickEffect">
                                   <p:stCondLst>
                                     <p:cond delay="0"/>
                                   </p:stCondLst>
                                   <p:childTnLst>
                                     <p:set>
                                       <p:cBhvr>
-                                        <p:cTn id="20" dur="1" fill="hold">
+                                        <p:cTn id="84" dur="1" fill="hold">
                                           <p:stCondLst>
                                             <p:cond delay="0"/>
                                           </p:stCondLst>
                                         </p:cTn>
                                         <p:tgtEl>
-                                          <p:spTgt spid="4"/>
+                                          <p:spTgt spid="2">
+                                            <p:txEl>
+                                              <p:pRg st="2" end="2"/>
+                                            </p:txEl>
+                                          </p:spTgt>
+                                        </p:tgtEl>
+                                        <p:attrNameLst>
+                                          <p:attrName>style.visibility</p:attrName>
+                                        </p:attrNameLst>
+                                      </p:cBhvr>
+                                      <p:to>
+                                        <p:strVal val="visible"/>
+                                      </p:to>
+                                    </p:set>
+                                  </p:childTnLst>
+                                </p:cTn>
+                              </p:par>
+                            </p:childTnLst>
+                          </p:cTn>
+                        </p:par>
+                      </p:childTnLst>
+                    </p:cTn>
+                  </p:par>
+                  <p:par>
+                    <p:cTn id="85" fill="hold">
+                      <p:stCondLst>
+                        <p:cond delay="indefinite"/>
+                      </p:stCondLst>
+                      <p:childTnLst>
+                        <p:par>
+                          <p:cTn id="86" fill="hold">
+                            <p:stCondLst>
+                              <p:cond delay="0"/>
+                            </p:stCondLst>
+                            <p:childTnLst>
+                              <p:par>
+                                <p:cTn id="87" presetID="1" presetClass="entr" presetSubtype="0" fill="hold" nodeType="clickEffect">
+                                  <p:stCondLst>
+                                    <p:cond delay="0"/>
+                                  </p:stCondLst>
+                                  <p:childTnLst>
+                                    <p:set>
+                                      <p:cBhvr>
+                                        <p:cTn id="88" dur="1" fill="hold">
+                                          <p:stCondLst>
+                                            <p:cond delay="0"/>
+                                          </p:stCondLst>
+                                        </p:cTn>
+                                        <p:tgtEl>
+                                          <p:spTgt spid="2">
+                                            <p:txEl>
+                                              <p:pRg st="3" end="3"/>
+                                            </p:txEl>
+                                          </p:spTgt>
+                                        </p:tgtEl>
+                                        <p:attrNameLst>
+                                          <p:attrName>style.visibility</p:attrName>
+                                        </p:attrNameLst>
+                                      </p:cBhvr>
+                                      <p:to>
+                                        <p:strVal val="visible"/>
+                                      </p:to>
+                                    </p:set>
+                                  </p:childTnLst>
+                                </p:cTn>
+                              </p:par>
+                            </p:childTnLst>
+                          </p:cTn>
+                        </p:par>
+                      </p:childTnLst>
+                    </p:cTn>
+                  </p:par>
+                  <p:par>
+                    <p:cTn id="89" fill="hold">
+                      <p:stCondLst>
+                        <p:cond delay="indefinite"/>
+                      </p:stCondLst>
+                      <p:childTnLst>
+                        <p:par>
+                          <p:cTn id="90" fill="hold">
+                            <p:stCondLst>
+                              <p:cond delay="0"/>
+                            </p:stCondLst>
+                            <p:childTnLst>
+                              <p:par>
+                                <p:cTn id="91" presetID="1" presetClass="entr" presetSubtype="0" fill="hold" nodeType="clickEffect">
+                                  <p:stCondLst>
+                                    <p:cond delay="0"/>
+                                  </p:stCondLst>
+                                  <p:childTnLst>
+                                    <p:set>
+                                      <p:cBhvr>
+                                        <p:cTn id="92" dur="1" fill="hold">
+                                          <p:stCondLst>
+                                            <p:cond delay="0"/>
+                                          </p:stCondLst>
+                                        </p:cTn>
+                                        <p:tgtEl>
+                                          <p:spTgt spid="2">
+                                            <p:txEl>
+                                              <p:pRg st="4" end="4"/>
+                                            </p:txEl>
+                                          </p:spTgt>
+                                        </p:tgtEl>
+                                        <p:attrNameLst>
+                                          <p:attrName>style.visibility</p:attrName>
+                                        </p:attrNameLst>
+                                      </p:cBhvr>
+                                      <p:to>
+                                        <p:strVal val="visible"/>
+                                      </p:to>
+                                    </p:set>
+                                  </p:childTnLst>
+                                </p:cTn>
+                              </p:par>
+                            </p:childTnLst>
+                          </p:cTn>
+                        </p:par>
+                      </p:childTnLst>
+                    </p:cTn>
+                  </p:par>
+                  <p:par>
+                    <p:cTn id="93" fill="hold">
+                      <p:stCondLst>
+                        <p:cond delay="indefinite"/>
+                      </p:stCondLst>
+                      <p:childTnLst>
+                        <p:par>
+                          <p:cTn id="94" fill="hold">
+                            <p:stCondLst>
+                              <p:cond delay="0"/>
+                            </p:stCondLst>
+                            <p:childTnLst>
+                              <p:par>
+                                <p:cTn id="95" presetID="1" presetClass="entr" presetSubtype="0" fill="hold" nodeType="clickEffect">
+                                  <p:stCondLst>
+                                    <p:cond delay="0"/>
+                                  </p:stCondLst>
+                                  <p:childTnLst>
+                                    <p:set>
+                                      <p:cBhvr>
+                                        <p:cTn id="96" dur="1" fill="hold">
+                                          <p:stCondLst>
+                                            <p:cond delay="0"/>
+                                          </p:stCondLst>
+                                        </p:cTn>
+                                        <p:tgtEl>
+                                          <p:spTgt spid="2">
+                                            <p:txEl>
+                                              <p:pRg st="5" end="5"/>
+                                            </p:txEl>
+                                          </p:spTgt>
                                         </p:tgtEl>
                                         <p:attrNameLst>
                                           <p:attrName>style.visibility</p:attrName>
@@ -7783,7 +10559,3384 @@
         </p:cTn>
       </p:par>
     </p:tnLst>
+    <p:bldLst>
+      <p:bldP spid="9" grpId="0"/>
+      <p:bldP spid="10" grpId="0"/>
+      <p:bldP spid="11" grpId="0"/>
+      <p:bldP spid="12" grpId="0"/>
+      <p:bldP spid="14" grpId="0"/>
+      <p:bldP spid="15" grpId="0"/>
+      <p:bldP spid="16" grpId="0"/>
+      <p:bldP spid="17" grpId="0"/>
+      <p:bldP spid="19" grpId="0"/>
+      <p:bldP spid="20" grpId="0"/>
+      <p:bldP spid="21" grpId="0"/>
+      <p:bldP spid="22" grpId="0"/>
+      <p:bldP spid="24" grpId="0"/>
+      <p:bldP spid="25" grpId="0"/>
+      <p:bldP spid="26" grpId="0"/>
+      <p:bldP spid="27" grpId="0"/>
+      <p:bldP spid="29" grpId="0"/>
+      <p:bldP spid="30" grpId="0"/>
+      <p:bldP spid="31" grpId="0"/>
+      <p:bldP spid="32" grpId="0"/>
+    </p:bldLst>
   </p:timing>
+</p:sld>
+</file>
+
+<file path=ppt/slides/slide7.xml><?xml version="1.0" encoding="utf-8"?>
+<p:sld xmlns:a="http://schemas.openxmlformats.org/drawingml/2006/main" xmlns:r="http://schemas.openxmlformats.org/officeDocument/2006/relationships" xmlns:p="http://schemas.openxmlformats.org/presentationml/2006/main">
+  <p:cSld>
+    <p:spTree>
+      <p:nvGrpSpPr>
+        <p:cNvPr id="1" name="">
+          <a:extLst>
+            <a:ext uri="{FF2B5EF4-FFF2-40B4-BE49-F238E27FC236}">
+              <a16:creationId xmlns:a16="http://schemas.microsoft.com/office/drawing/2014/main" id="{49ECAAC0-D8E2-35ED-ABA5-51C305BF10B1}"/>
+            </a:ext>
+          </a:extLst>
+        </p:cNvPr>
+        <p:cNvGrpSpPr/>
+        <p:nvPr/>
+      </p:nvGrpSpPr>
+      <p:grpSpPr>
+        <a:xfrm>
+          <a:off x="0" y="0"/>
+          <a:ext cx="0" cy="0"/>
+          <a:chOff x="0" y="0"/>
+          <a:chExt cx="0" cy="0"/>
+        </a:xfrm>
+      </p:grpSpPr>
+      <p:sp>
+        <p:nvSpPr>
+          <p:cNvPr id="3" name="Content Placeholder 2">
+            <a:extLst>
+              <a:ext uri="{FF2B5EF4-FFF2-40B4-BE49-F238E27FC236}">
+                <a16:creationId xmlns:a16="http://schemas.microsoft.com/office/drawing/2014/main" id="{3B67BC34-7778-5D9C-8E1C-9F916CFF85FA}"/>
+              </a:ext>
+            </a:extLst>
+          </p:cNvPr>
+          <p:cNvSpPr>
+            <a:spLocks noGrp="1"/>
+          </p:cNvSpPr>
+          <p:nvPr>
+            <p:ph idx="1"/>
+          </p:nvPr>
+        </p:nvSpPr>
+        <p:spPr>
+          <a:xfrm>
+            <a:off x="0" y="0"/>
+            <a:ext cx="8116711" cy="914400"/>
+          </a:xfrm>
+          <a:ln>
+            <a:solidFill>
+              <a:schemeClr val="tx1"/>
+            </a:solidFill>
+          </a:ln>
+        </p:spPr>
+        <p:txBody>
+          <a:bodyPr/>
+          <a:lstStyle/>
+          <a:p>
+            <a:pPr marL="0" indent="0">
+              <a:buNone/>
+            </a:pPr>
+            <a:r>
+              <a:rPr lang="en-US" dirty="0"/>
+              <a:t>Loops + functions + … = more efficient programming!</a:t>
+            </a:r>
+          </a:p>
+          <a:p>
+            <a:pPr lvl="1"/>
+            <a:r>
+              <a:rPr lang="en-US" i="1" dirty="0"/>
+              <a:t>Example: Performing the same analysis for 5 years of data</a:t>
+            </a:r>
+            <a:endParaRPr lang="en-US" dirty="0"/>
+          </a:p>
+          <a:p>
+            <a:pPr lvl="1"/>
+            <a:endParaRPr lang="en-US" dirty="0"/>
+          </a:p>
+          <a:p>
+            <a:pPr marL="0" indent="0">
+              <a:buNone/>
+            </a:pPr>
+            <a:endParaRPr lang="en-US" dirty="0"/>
+          </a:p>
+        </p:txBody>
+      </p:sp>
+      <p:sp>
+        <p:nvSpPr>
+          <p:cNvPr id="2" name="Content Placeholder 2">
+            <a:extLst>
+              <a:ext uri="{FF2B5EF4-FFF2-40B4-BE49-F238E27FC236}">
+                <a16:creationId xmlns:a16="http://schemas.microsoft.com/office/drawing/2014/main" id="{AF90E506-7201-2A06-22BE-A72E53C8C7DF}"/>
+              </a:ext>
+            </a:extLst>
+          </p:cNvPr>
+          <p:cNvSpPr txBox="1">
+            <a:spLocks/>
+          </p:cNvSpPr>
+          <p:nvPr/>
+        </p:nvSpPr>
+        <p:spPr>
+          <a:xfrm>
+            <a:off x="1323862" y="1545065"/>
+            <a:ext cx="4998156" cy="4952736"/>
+          </a:xfrm>
+          <a:prstGeom prst="rect">
+            <a:avLst/>
+          </a:prstGeom>
+        </p:spPr>
+        <p:txBody>
+          <a:bodyPr vert="horz" lIns="91440" tIns="45720" rIns="91440" bIns="45720" rtlCol="0">
+            <a:normAutofit/>
+          </a:bodyPr>
+          <a:lstStyle>
+            <a:lvl1pPr marL="228600" indent="-228600" algn="l" defTabSz="914400" rtl="0" eaLnBrk="1" latinLnBrk="0" hangingPunct="1">
+              <a:lnSpc>
+                <a:spcPct val="90000"/>
+              </a:lnSpc>
+              <a:spcBef>
+                <a:spcPts val="1000"/>
+              </a:spcBef>
+              <a:buFont typeface="Arial" panose="020B0604020202020204" pitchFamily="34" charset="0"/>
+              <a:buChar char="•"/>
+              <a:defRPr sz="2800" kern="1200">
+                <a:solidFill>
+                  <a:schemeClr val="tx1"/>
+                </a:solidFill>
+                <a:latin typeface="+mn-lt"/>
+                <a:ea typeface="+mn-ea"/>
+                <a:cs typeface="+mn-cs"/>
+              </a:defRPr>
+            </a:lvl1pPr>
+            <a:lvl2pPr marL="685800" indent="-228600" algn="l" defTabSz="914400" rtl="0" eaLnBrk="1" latinLnBrk="0" hangingPunct="1">
+              <a:lnSpc>
+                <a:spcPct val="90000"/>
+              </a:lnSpc>
+              <a:spcBef>
+                <a:spcPts val="500"/>
+              </a:spcBef>
+              <a:buFont typeface="Arial" panose="020B0604020202020204" pitchFamily="34" charset="0"/>
+              <a:buChar char="•"/>
+              <a:defRPr sz="2400" kern="1200">
+                <a:solidFill>
+                  <a:schemeClr val="tx1"/>
+                </a:solidFill>
+                <a:latin typeface="+mn-lt"/>
+                <a:ea typeface="+mn-ea"/>
+                <a:cs typeface="+mn-cs"/>
+              </a:defRPr>
+            </a:lvl2pPr>
+            <a:lvl3pPr marL="1143000" indent="-228600" algn="l" defTabSz="914400" rtl="0" eaLnBrk="1" latinLnBrk="0" hangingPunct="1">
+              <a:lnSpc>
+                <a:spcPct val="90000"/>
+              </a:lnSpc>
+              <a:spcBef>
+                <a:spcPts val="500"/>
+              </a:spcBef>
+              <a:buFont typeface="Arial" panose="020B0604020202020204" pitchFamily="34" charset="0"/>
+              <a:buChar char="•"/>
+              <a:defRPr sz="2000" kern="1200">
+                <a:solidFill>
+                  <a:schemeClr val="tx1"/>
+                </a:solidFill>
+                <a:latin typeface="+mn-lt"/>
+                <a:ea typeface="+mn-ea"/>
+                <a:cs typeface="+mn-cs"/>
+              </a:defRPr>
+            </a:lvl3pPr>
+            <a:lvl4pPr marL="1600200" indent="-228600" algn="l" defTabSz="914400" rtl="0" eaLnBrk="1" latinLnBrk="0" hangingPunct="1">
+              <a:lnSpc>
+                <a:spcPct val="90000"/>
+              </a:lnSpc>
+              <a:spcBef>
+                <a:spcPts val="500"/>
+              </a:spcBef>
+              <a:buFont typeface="Arial" panose="020B0604020202020204" pitchFamily="34" charset="0"/>
+              <a:buChar char="•"/>
+              <a:defRPr sz="1800" kern="1200">
+                <a:solidFill>
+                  <a:schemeClr val="tx1"/>
+                </a:solidFill>
+                <a:latin typeface="+mn-lt"/>
+                <a:ea typeface="+mn-ea"/>
+                <a:cs typeface="+mn-cs"/>
+              </a:defRPr>
+            </a:lvl4pPr>
+            <a:lvl5pPr marL="2057400" indent="-228600" algn="l" defTabSz="914400" rtl="0" eaLnBrk="1" latinLnBrk="0" hangingPunct="1">
+              <a:lnSpc>
+                <a:spcPct val="90000"/>
+              </a:lnSpc>
+              <a:spcBef>
+                <a:spcPts val="500"/>
+              </a:spcBef>
+              <a:buFont typeface="Arial" panose="020B0604020202020204" pitchFamily="34" charset="0"/>
+              <a:buChar char="•"/>
+              <a:defRPr sz="1800" kern="1200">
+                <a:solidFill>
+                  <a:schemeClr val="tx1"/>
+                </a:solidFill>
+                <a:latin typeface="+mn-lt"/>
+                <a:ea typeface="+mn-ea"/>
+                <a:cs typeface="+mn-cs"/>
+              </a:defRPr>
+            </a:lvl5pPr>
+            <a:lvl6pPr marL="2514600" indent="-228600" algn="l" defTabSz="914400" rtl="0" eaLnBrk="1" latinLnBrk="0" hangingPunct="1">
+              <a:lnSpc>
+                <a:spcPct val="90000"/>
+              </a:lnSpc>
+              <a:spcBef>
+                <a:spcPts val="500"/>
+              </a:spcBef>
+              <a:buFont typeface="Arial" panose="020B0604020202020204" pitchFamily="34" charset="0"/>
+              <a:buChar char="•"/>
+              <a:defRPr sz="1800" kern="1200">
+                <a:solidFill>
+                  <a:schemeClr val="tx1"/>
+                </a:solidFill>
+                <a:latin typeface="+mn-lt"/>
+                <a:ea typeface="+mn-ea"/>
+                <a:cs typeface="+mn-cs"/>
+              </a:defRPr>
+            </a:lvl6pPr>
+            <a:lvl7pPr marL="2971800" indent="-228600" algn="l" defTabSz="914400" rtl="0" eaLnBrk="1" latinLnBrk="0" hangingPunct="1">
+              <a:lnSpc>
+                <a:spcPct val="90000"/>
+              </a:lnSpc>
+              <a:spcBef>
+                <a:spcPts val="500"/>
+              </a:spcBef>
+              <a:buFont typeface="Arial" panose="020B0604020202020204" pitchFamily="34" charset="0"/>
+              <a:buChar char="•"/>
+              <a:defRPr sz="1800" kern="1200">
+                <a:solidFill>
+                  <a:schemeClr val="tx1"/>
+                </a:solidFill>
+                <a:latin typeface="+mn-lt"/>
+                <a:ea typeface="+mn-ea"/>
+                <a:cs typeface="+mn-cs"/>
+              </a:defRPr>
+            </a:lvl7pPr>
+            <a:lvl8pPr marL="3429000" indent="-228600" algn="l" defTabSz="914400" rtl="0" eaLnBrk="1" latinLnBrk="0" hangingPunct="1">
+              <a:lnSpc>
+                <a:spcPct val="90000"/>
+              </a:lnSpc>
+              <a:spcBef>
+                <a:spcPts val="500"/>
+              </a:spcBef>
+              <a:buFont typeface="Arial" panose="020B0604020202020204" pitchFamily="34" charset="0"/>
+              <a:buChar char="•"/>
+              <a:defRPr sz="1800" kern="1200">
+                <a:solidFill>
+                  <a:schemeClr val="tx1"/>
+                </a:solidFill>
+                <a:latin typeface="+mn-lt"/>
+                <a:ea typeface="+mn-ea"/>
+                <a:cs typeface="+mn-cs"/>
+              </a:defRPr>
+            </a:lvl8pPr>
+            <a:lvl9pPr marL="3886200" indent="-228600" algn="l" defTabSz="914400" rtl="0" eaLnBrk="1" latinLnBrk="0" hangingPunct="1">
+              <a:lnSpc>
+                <a:spcPct val="90000"/>
+              </a:lnSpc>
+              <a:spcBef>
+                <a:spcPts val="500"/>
+              </a:spcBef>
+              <a:buFont typeface="Arial" panose="020B0604020202020204" pitchFamily="34" charset="0"/>
+              <a:buChar char="•"/>
+              <a:defRPr sz="1800" kern="1200">
+                <a:solidFill>
+                  <a:schemeClr val="tx1"/>
+                </a:solidFill>
+                <a:latin typeface="+mn-lt"/>
+                <a:ea typeface="+mn-ea"/>
+                <a:cs typeface="+mn-cs"/>
+              </a:defRPr>
+            </a:lvl9pPr>
+          </a:lstStyle>
+          <a:p>
+            <a:pPr marL="0" indent="0">
+              <a:buFont typeface="Arial" panose="020B0604020202020204" pitchFamily="34" charset="0"/>
+              <a:buNone/>
+            </a:pPr>
+            <a:r>
+              <a:rPr lang="en-US" i="1" dirty="0"/>
+              <a:t>Solution 2</a:t>
+            </a:r>
+            <a:r>
+              <a:rPr lang="en-US" dirty="0"/>
+              <a:t>: One block of code, looped over five years.</a:t>
+            </a:r>
+          </a:p>
+          <a:p>
+            <a:r>
+              <a:rPr lang="en-US" i="1" dirty="0"/>
+              <a:t>Possible benefits</a:t>
+            </a:r>
+            <a:r>
+              <a:rPr lang="en-US" dirty="0"/>
+              <a:t>:</a:t>
+            </a:r>
+          </a:p>
+          <a:p>
+            <a:pPr lvl="1"/>
+            <a:r>
+              <a:rPr lang="en-US" dirty="0"/>
+              <a:t>Less potential for human error</a:t>
+            </a:r>
+          </a:p>
+          <a:p>
+            <a:pPr lvl="1"/>
+            <a:r>
+              <a:rPr lang="en-US" dirty="0"/>
+              <a:t>Future changes only need to be made once</a:t>
+            </a:r>
+          </a:p>
+          <a:p>
+            <a:pPr lvl="1"/>
+            <a:r>
+              <a:rPr lang="en-US" dirty="0"/>
+              <a:t>More concise to write AND read</a:t>
+            </a:r>
+          </a:p>
+          <a:p>
+            <a:pPr lvl="1"/>
+            <a:endParaRPr lang="en-US" dirty="0"/>
+          </a:p>
+          <a:p>
+            <a:pPr marL="0" indent="0">
+              <a:buFont typeface="Arial" panose="020B0604020202020204" pitchFamily="34" charset="0"/>
+              <a:buNone/>
+            </a:pPr>
+            <a:endParaRPr lang="en-US" dirty="0"/>
+          </a:p>
+        </p:txBody>
+      </p:sp>
+      <p:pic>
+        <p:nvPicPr>
+          <p:cNvPr id="4" name="Picture 3">
+            <a:extLst>
+              <a:ext uri="{FF2B5EF4-FFF2-40B4-BE49-F238E27FC236}">
+                <a16:creationId xmlns:a16="http://schemas.microsoft.com/office/drawing/2014/main" id="{A719517F-F0B9-5F17-0075-DA3F724EBE7F}"/>
+              </a:ext>
+            </a:extLst>
+          </p:cNvPr>
+          <p:cNvPicPr>
+            <a:picLocks noChangeAspect="1"/>
+          </p:cNvPicPr>
+          <p:nvPr/>
+        </p:nvPicPr>
+        <p:blipFill>
+          <a:blip r:embed="rId3"/>
+          <a:stretch>
+            <a:fillRect/>
+          </a:stretch>
+        </p:blipFill>
+        <p:spPr>
+          <a:xfrm>
+            <a:off x="8589604" y="2448312"/>
+            <a:ext cx="1759485" cy="1047178"/>
+          </a:xfrm>
+          <a:prstGeom prst="rect">
+            <a:avLst/>
+          </a:prstGeom>
+        </p:spPr>
+      </p:pic>
+      <p:sp>
+        <p:nvSpPr>
+          <p:cNvPr id="9" name="TextBox 8">
+            <a:extLst>
+              <a:ext uri="{FF2B5EF4-FFF2-40B4-BE49-F238E27FC236}">
+                <a16:creationId xmlns:a16="http://schemas.microsoft.com/office/drawing/2014/main" id="{576C5019-EAEF-F136-B069-85A53E82A36A}"/>
+              </a:ext>
+            </a:extLst>
+          </p:cNvPr>
+          <p:cNvSpPr txBox="1"/>
+          <p:nvPr/>
+        </p:nvSpPr>
+        <p:spPr>
+          <a:xfrm>
+            <a:off x="8896470" y="2431644"/>
+            <a:ext cx="715987" cy="261610"/>
+          </a:xfrm>
+          <a:prstGeom prst="rect">
+            <a:avLst/>
+          </a:prstGeom>
+          <a:noFill/>
+        </p:spPr>
+        <p:txBody>
+          <a:bodyPr wrap="square" rtlCol="0">
+            <a:spAutoFit/>
+          </a:bodyPr>
+          <a:lstStyle/>
+          <a:p>
+            <a:r>
+              <a:rPr lang="en-US" sz="1100" b="1" dirty="0">
+                <a:latin typeface="Courier New" panose="02070309020205020404" pitchFamily="49" charset="0"/>
+                <a:cs typeface="Courier New" panose="02070309020205020404" pitchFamily="49" charset="0"/>
+              </a:rPr>
+              <a:t>[[</a:t>
+            </a:r>
+            <a:r>
+              <a:rPr lang="en-US" sz="1100" b="1" dirty="0" err="1">
+                <a:latin typeface="Courier New" panose="02070309020205020404" pitchFamily="49" charset="0"/>
+                <a:cs typeface="Courier New" panose="02070309020205020404" pitchFamily="49" charset="0"/>
+              </a:rPr>
+              <a:t>i</a:t>
+            </a:r>
+            <a:r>
+              <a:rPr lang="en-US" sz="1100" b="1" dirty="0">
+                <a:latin typeface="Courier New" panose="02070309020205020404" pitchFamily="49" charset="0"/>
+                <a:cs typeface="Courier New" panose="02070309020205020404" pitchFamily="49" charset="0"/>
+              </a:rPr>
+              <a:t>]]</a:t>
+            </a:r>
+          </a:p>
+        </p:txBody>
+      </p:sp>
+      <p:sp>
+        <p:nvSpPr>
+          <p:cNvPr id="10" name="TextBox 9">
+            <a:extLst>
+              <a:ext uri="{FF2B5EF4-FFF2-40B4-BE49-F238E27FC236}">
+                <a16:creationId xmlns:a16="http://schemas.microsoft.com/office/drawing/2014/main" id="{3E5BAD11-F6F4-E7BF-0F32-BC49A1D5756D}"/>
+              </a:ext>
+            </a:extLst>
+          </p:cNvPr>
+          <p:cNvSpPr txBox="1"/>
+          <p:nvPr/>
+        </p:nvSpPr>
+        <p:spPr>
+          <a:xfrm>
+            <a:off x="9111352" y="2693254"/>
+            <a:ext cx="715987" cy="261610"/>
+          </a:xfrm>
+          <a:prstGeom prst="rect">
+            <a:avLst/>
+          </a:prstGeom>
+          <a:noFill/>
+        </p:spPr>
+        <p:txBody>
+          <a:bodyPr wrap="square" rtlCol="0">
+            <a:spAutoFit/>
+          </a:bodyPr>
+          <a:lstStyle/>
+          <a:p>
+            <a:r>
+              <a:rPr lang="en-US" sz="1100" b="1" dirty="0">
+                <a:latin typeface="Courier New" panose="02070309020205020404" pitchFamily="49" charset="0"/>
+                <a:cs typeface="Courier New" panose="02070309020205020404" pitchFamily="49" charset="0"/>
+              </a:rPr>
+              <a:t>[[</a:t>
+            </a:r>
+            <a:r>
+              <a:rPr lang="en-US" sz="1100" b="1" dirty="0" err="1">
+                <a:latin typeface="Courier New" panose="02070309020205020404" pitchFamily="49" charset="0"/>
+                <a:cs typeface="Courier New" panose="02070309020205020404" pitchFamily="49" charset="0"/>
+              </a:rPr>
+              <a:t>i</a:t>
+            </a:r>
+            <a:r>
+              <a:rPr lang="en-US" sz="1100" b="1" dirty="0">
+                <a:latin typeface="Courier New" panose="02070309020205020404" pitchFamily="49" charset="0"/>
+                <a:cs typeface="Courier New" panose="02070309020205020404" pitchFamily="49" charset="0"/>
+              </a:rPr>
+              <a:t>]]</a:t>
+            </a:r>
+          </a:p>
+        </p:txBody>
+      </p:sp>
+      <p:sp>
+        <p:nvSpPr>
+          <p:cNvPr id="11" name="TextBox 10">
+            <a:extLst>
+              <a:ext uri="{FF2B5EF4-FFF2-40B4-BE49-F238E27FC236}">
+                <a16:creationId xmlns:a16="http://schemas.microsoft.com/office/drawing/2014/main" id="{E5AFEC69-858D-9983-DF83-5F1C6CC60154}"/>
+              </a:ext>
+            </a:extLst>
+          </p:cNvPr>
+          <p:cNvSpPr txBox="1"/>
+          <p:nvPr/>
+        </p:nvSpPr>
+        <p:spPr>
+          <a:xfrm>
+            <a:off x="9503865" y="3225282"/>
+            <a:ext cx="715987" cy="261610"/>
+          </a:xfrm>
+          <a:prstGeom prst="rect">
+            <a:avLst/>
+          </a:prstGeom>
+          <a:noFill/>
+        </p:spPr>
+        <p:txBody>
+          <a:bodyPr wrap="square" rtlCol="0">
+            <a:spAutoFit/>
+          </a:bodyPr>
+          <a:lstStyle/>
+          <a:p>
+            <a:r>
+              <a:rPr lang="en-US" sz="1100" b="1" dirty="0">
+                <a:latin typeface="Courier New" panose="02070309020205020404" pitchFamily="49" charset="0"/>
+                <a:cs typeface="Courier New" panose="02070309020205020404" pitchFamily="49" charset="0"/>
+              </a:rPr>
+              <a:t>[[</a:t>
+            </a:r>
+            <a:r>
+              <a:rPr lang="en-US" sz="1100" b="1" dirty="0" err="1">
+                <a:latin typeface="Courier New" panose="02070309020205020404" pitchFamily="49" charset="0"/>
+                <a:cs typeface="Courier New" panose="02070309020205020404" pitchFamily="49" charset="0"/>
+              </a:rPr>
+              <a:t>i</a:t>
+            </a:r>
+            <a:r>
+              <a:rPr lang="en-US" sz="1100" b="1" dirty="0">
+                <a:latin typeface="Courier New" panose="02070309020205020404" pitchFamily="49" charset="0"/>
+                <a:cs typeface="Courier New" panose="02070309020205020404" pitchFamily="49" charset="0"/>
+              </a:rPr>
+              <a:t>]]</a:t>
+            </a:r>
+          </a:p>
+        </p:txBody>
+      </p:sp>
+      <p:sp>
+        <p:nvSpPr>
+          <p:cNvPr id="12" name="TextBox 11">
+            <a:extLst>
+              <a:ext uri="{FF2B5EF4-FFF2-40B4-BE49-F238E27FC236}">
+                <a16:creationId xmlns:a16="http://schemas.microsoft.com/office/drawing/2014/main" id="{5A177A6E-D259-E27F-25AE-D53B9A0DA77E}"/>
+              </a:ext>
+            </a:extLst>
+          </p:cNvPr>
+          <p:cNvSpPr txBox="1"/>
+          <p:nvPr/>
+        </p:nvSpPr>
+        <p:spPr>
+          <a:xfrm>
+            <a:off x="8589604" y="3331342"/>
+            <a:ext cx="715987" cy="261610"/>
+          </a:xfrm>
+          <a:prstGeom prst="rect">
+            <a:avLst/>
+          </a:prstGeom>
+          <a:noFill/>
+        </p:spPr>
+        <p:txBody>
+          <a:bodyPr wrap="square" rtlCol="0">
+            <a:spAutoFit/>
+          </a:bodyPr>
+          <a:lstStyle/>
+          <a:p>
+            <a:r>
+              <a:rPr lang="en-US" sz="1100" b="1" dirty="0">
+                <a:latin typeface="Courier New" panose="02070309020205020404" pitchFamily="49" charset="0"/>
+                <a:cs typeface="Courier New" panose="02070309020205020404" pitchFamily="49" charset="0"/>
+              </a:rPr>
+              <a:t>[[</a:t>
+            </a:r>
+            <a:r>
+              <a:rPr lang="en-US" sz="1100" b="1" dirty="0" err="1">
+                <a:latin typeface="Courier New" panose="02070309020205020404" pitchFamily="49" charset="0"/>
+                <a:cs typeface="Courier New" panose="02070309020205020404" pitchFamily="49" charset="0"/>
+              </a:rPr>
+              <a:t>i</a:t>
+            </a:r>
+            <a:r>
+              <a:rPr lang="en-US" sz="1100" b="1" dirty="0">
+                <a:latin typeface="Courier New" panose="02070309020205020404" pitchFamily="49" charset="0"/>
+                <a:cs typeface="Courier New" panose="02070309020205020404" pitchFamily="49" charset="0"/>
+              </a:rPr>
+              <a:t>]]</a:t>
+            </a:r>
+          </a:p>
+        </p:txBody>
+      </p:sp>
+      <p:sp>
+        <p:nvSpPr>
+          <p:cNvPr id="5" name="TextBox 4">
+            <a:extLst>
+              <a:ext uri="{FF2B5EF4-FFF2-40B4-BE49-F238E27FC236}">
+                <a16:creationId xmlns:a16="http://schemas.microsoft.com/office/drawing/2014/main" id="{2C4976BA-364A-628E-D16C-F3BF8C5FF4C3}"/>
+              </a:ext>
+            </a:extLst>
+          </p:cNvPr>
+          <p:cNvSpPr txBox="1"/>
+          <p:nvPr/>
+        </p:nvSpPr>
+        <p:spPr>
+          <a:xfrm>
+            <a:off x="8311458" y="1939201"/>
+            <a:ext cx="3303569" cy="461665"/>
+          </a:xfrm>
+          <a:prstGeom prst="rect">
+            <a:avLst/>
+          </a:prstGeom>
+          <a:noFill/>
+        </p:spPr>
+        <p:txBody>
+          <a:bodyPr wrap="square" rtlCol="0">
+            <a:spAutoFit/>
+          </a:bodyPr>
+          <a:lstStyle/>
+          <a:p>
+            <a:r>
+              <a:rPr lang="en-US" sz="1200" b="1" dirty="0">
+                <a:latin typeface="Courier New" panose="02070309020205020404" pitchFamily="49" charset="0"/>
+                <a:cs typeface="Courier New" panose="02070309020205020404" pitchFamily="49" charset="0"/>
+              </a:rPr>
+              <a:t># first initialize some things</a:t>
+            </a:r>
+          </a:p>
+          <a:p>
+            <a:r>
+              <a:rPr lang="en-US" sz="1200" b="1" dirty="0">
+                <a:latin typeface="Courier New" panose="02070309020205020404" pitchFamily="49" charset="0"/>
+                <a:cs typeface="Courier New" panose="02070309020205020404" pitchFamily="49" charset="0"/>
+              </a:rPr>
+              <a:t>for(</a:t>
+            </a:r>
+            <a:r>
+              <a:rPr lang="en-US" sz="1200" b="1" dirty="0" err="1">
+                <a:latin typeface="Courier New" panose="02070309020205020404" pitchFamily="49" charset="0"/>
+                <a:cs typeface="Courier New" panose="02070309020205020404" pitchFamily="49" charset="0"/>
+              </a:rPr>
+              <a:t>i</a:t>
+            </a:r>
+            <a:r>
+              <a:rPr lang="en-US" sz="1200" b="1" dirty="0">
+                <a:latin typeface="Courier New" panose="02070309020205020404" pitchFamily="49" charset="0"/>
+                <a:cs typeface="Courier New" panose="02070309020205020404" pitchFamily="49" charset="0"/>
+              </a:rPr>
+              <a:t> in 1:5) {</a:t>
+            </a:r>
+          </a:p>
+        </p:txBody>
+      </p:sp>
+      <p:sp>
+        <p:nvSpPr>
+          <p:cNvPr id="6" name="TextBox 5">
+            <a:extLst>
+              <a:ext uri="{FF2B5EF4-FFF2-40B4-BE49-F238E27FC236}">
+                <a16:creationId xmlns:a16="http://schemas.microsoft.com/office/drawing/2014/main" id="{DF0FEA99-CD47-10AD-5F7D-2587F4AF8468}"/>
+              </a:ext>
+            </a:extLst>
+          </p:cNvPr>
+          <p:cNvSpPr txBox="1"/>
+          <p:nvPr/>
+        </p:nvSpPr>
+        <p:spPr>
+          <a:xfrm>
+            <a:off x="8311458" y="3526907"/>
+            <a:ext cx="2761702" cy="276999"/>
+          </a:xfrm>
+          <a:prstGeom prst="rect">
+            <a:avLst/>
+          </a:prstGeom>
+          <a:noFill/>
+        </p:spPr>
+        <p:txBody>
+          <a:bodyPr wrap="square" rtlCol="0">
+            <a:spAutoFit/>
+          </a:bodyPr>
+          <a:lstStyle/>
+          <a:p>
+            <a:r>
+              <a:rPr lang="en-US" sz="1200" b="1" dirty="0">
+                <a:latin typeface="Courier New" panose="02070309020205020404" pitchFamily="49" charset="0"/>
+                <a:cs typeface="Courier New" panose="02070309020205020404" pitchFamily="49" charset="0"/>
+              </a:rPr>
+              <a:t>}</a:t>
+            </a:r>
+          </a:p>
+        </p:txBody>
+      </p:sp>
+    </p:spTree>
+    <p:extLst>
+      <p:ext uri="{BB962C8B-B14F-4D97-AF65-F5344CB8AC3E}">
+        <p14:creationId xmlns:p14="http://schemas.microsoft.com/office/powerpoint/2010/main" val="620830245"/>
+      </p:ext>
+    </p:extLst>
+  </p:cSld>
+  <p:clrMapOvr>
+    <a:masterClrMapping/>
+  </p:clrMapOvr>
+  <p:timing>
+    <p:tnLst>
+      <p:par>
+        <p:cTn id="1" dur="indefinite" restart="never" nodeType="tmRoot">
+          <p:childTnLst>
+            <p:seq concurrent="1" nextAc="seek">
+              <p:cTn id="2" dur="indefinite" nodeType="mainSeq">
+                <p:childTnLst>
+                  <p:par>
+                    <p:cTn id="3" fill="hold">
+                      <p:stCondLst>
+                        <p:cond delay="indefinite"/>
+                      </p:stCondLst>
+                      <p:childTnLst>
+                        <p:par>
+                          <p:cTn id="4" fill="hold">
+                            <p:stCondLst>
+                              <p:cond delay="0"/>
+                            </p:stCondLst>
+                            <p:childTnLst>
+                              <p:par>
+                                <p:cTn id="5" presetID="1" presetClass="entr" presetSubtype="0" fill="hold" nodeType="clickEffect">
+                                  <p:stCondLst>
+                                    <p:cond delay="0"/>
+                                  </p:stCondLst>
+                                  <p:childTnLst>
+                                    <p:set>
+                                      <p:cBhvr>
+                                        <p:cTn id="6" dur="1" fill="hold">
+                                          <p:stCondLst>
+                                            <p:cond delay="0"/>
+                                          </p:stCondLst>
+                                        </p:cTn>
+                                        <p:tgtEl>
+                                          <p:spTgt spid="2">
+                                            <p:txEl>
+                                              <p:pRg st="0" end="0"/>
+                                            </p:txEl>
+                                          </p:spTgt>
+                                        </p:tgtEl>
+                                        <p:attrNameLst>
+                                          <p:attrName>style.visibility</p:attrName>
+                                        </p:attrNameLst>
+                                      </p:cBhvr>
+                                      <p:to>
+                                        <p:strVal val="visible"/>
+                                      </p:to>
+                                    </p:set>
+                                  </p:childTnLst>
+                                </p:cTn>
+                              </p:par>
+                            </p:childTnLst>
+                          </p:cTn>
+                        </p:par>
+                      </p:childTnLst>
+                    </p:cTn>
+                  </p:par>
+                  <p:par>
+                    <p:cTn id="7" fill="hold">
+                      <p:stCondLst>
+                        <p:cond delay="indefinite"/>
+                      </p:stCondLst>
+                      <p:childTnLst>
+                        <p:par>
+                          <p:cTn id="8" fill="hold">
+                            <p:stCondLst>
+                              <p:cond delay="0"/>
+                            </p:stCondLst>
+                            <p:childTnLst>
+                              <p:par>
+                                <p:cTn id="9" presetID="1" presetClass="entr" presetSubtype="0" fill="hold" nodeType="clickEffect">
+                                  <p:stCondLst>
+                                    <p:cond delay="0"/>
+                                  </p:stCondLst>
+                                  <p:childTnLst>
+                                    <p:set>
+                                      <p:cBhvr>
+                                        <p:cTn id="10" dur="1" fill="hold">
+                                          <p:stCondLst>
+                                            <p:cond delay="0"/>
+                                          </p:stCondLst>
+                                        </p:cTn>
+                                        <p:tgtEl>
+                                          <p:spTgt spid="4"/>
+                                        </p:tgtEl>
+                                        <p:attrNameLst>
+                                          <p:attrName>style.visibility</p:attrName>
+                                        </p:attrNameLst>
+                                      </p:cBhvr>
+                                      <p:to>
+                                        <p:strVal val="visible"/>
+                                      </p:to>
+                                    </p:set>
+                                  </p:childTnLst>
+                                </p:cTn>
+                              </p:par>
+                            </p:childTnLst>
+                          </p:cTn>
+                        </p:par>
+                      </p:childTnLst>
+                    </p:cTn>
+                  </p:par>
+                  <p:par>
+                    <p:cTn id="11" fill="hold">
+                      <p:stCondLst>
+                        <p:cond delay="indefinite"/>
+                      </p:stCondLst>
+                      <p:childTnLst>
+                        <p:par>
+                          <p:cTn id="12" fill="hold">
+                            <p:stCondLst>
+                              <p:cond delay="0"/>
+                            </p:stCondLst>
+                            <p:childTnLst>
+                              <p:par>
+                                <p:cTn id="13" presetID="1" presetClass="entr" presetSubtype="0" fill="hold" grpId="0" nodeType="clickEffect">
+                                  <p:stCondLst>
+                                    <p:cond delay="0"/>
+                                  </p:stCondLst>
+                                  <p:childTnLst>
+                                    <p:set>
+                                      <p:cBhvr>
+                                        <p:cTn id="14" dur="1" fill="hold">
+                                          <p:stCondLst>
+                                            <p:cond delay="0"/>
+                                          </p:stCondLst>
+                                        </p:cTn>
+                                        <p:tgtEl>
+                                          <p:spTgt spid="12"/>
+                                        </p:tgtEl>
+                                        <p:attrNameLst>
+                                          <p:attrName>style.visibility</p:attrName>
+                                        </p:attrNameLst>
+                                      </p:cBhvr>
+                                      <p:to>
+                                        <p:strVal val="visible"/>
+                                      </p:to>
+                                    </p:set>
+                                  </p:childTnLst>
+                                </p:cTn>
+                              </p:par>
+                              <p:par>
+                                <p:cTn id="15" presetID="1" presetClass="entr" presetSubtype="0" fill="hold" grpId="0" nodeType="withEffect">
+                                  <p:stCondLst>
+                                    <p:cond delay="0"/>
+                                  </p:stCondLst>
+                                  <p:childTnLst>
+                                    <p:set>
+                                      <p:cBhvr>
+                                        <p:cTn id="16" dur="1" fill="hold">
+                                          <p:stCondLst>
+                                            <p:cond delay="0"/>
+                                          </p:stCondLst>
+                                        </p:cTn>
+                                        <p:tgtEl>
+                                          <p:spTgt spid="11"/>
+                                        </p:tgtEl>
+                                        <p:attrNameLst>
+                                          <p:attrName>style.visibility</p:attrName>
+                                        </p:attrNameLst>
+                                      </p:cBhvr>
+                                      <p:to>
+                                        <p:strVal val="visible"/>
+                                      </p:to>
+                                    </p:set>
+                                  </p:childTnLst>
+                                </p:cTn>
+                              </p:par>
+                              <p:par>
+                                <p:cTn id="17" presetID="1" presetClass="entr" presetSubtype="0" fill="hold" grpId="0" nodeType="withEffect">
+                                  <p:stCondLst>
+                                    <p:cond delay="0"/>
+                                  </p:stCondLst>
+                                  <p:childTnLst>
+                                    <p:set>
+                                      <p:cBhvr>
+                                        <p:cTn id="18" dur="1" fill="hold">
+                                          <p:stCondLst>
+                                            <p:cond delay="0"/>
+                                          </p:stCondLst>
+                                        </p:cTn>
+                                        <p:tgtEl>
+                                          <p:spTgt spid="10"/>
+                                        </p:tgtEl>
+                                        <p:attrNameLst>
+                                          <p:attrName>style.visibility</p:attrName>
+                                        </p:attrNameLst>
+                                      </p:cBhvr>
+                                      <p:to>
+                                        <p:strVal val="visible"/>
+                                      </p:to>
+                                    </p:set>
+                                  </p:childTnLst>
+                                </p:cTn>
+                              </p:par>
+                              <p:par>
+                                <p:cTn id="19" presetID="1" presetClass="entr" presetSubtype="0" fill="hold" grpId="0" nodeType="withEffect">
+                                  <p:stCondLst>
+                                    <p:cond delay="0"/>
+                                  </p:stCondLst>
+                                  <p:childTnLst>
+                                    <p:set>
+                                      <p:cBhvr>
+                                        <p:cTn id="20" dur="1" fill="hold">
+                                          <p:stCondLst>
+                                            <p:cond delay="0"/>
+                                          </p:stCondLst>
+                                        </p:cTn>
+                                        <p:tgtEl>
+                                          <p:spTgt spid="9"/>
+                                        </p:tgtEl>
+                                        <p:attrNameLst>
+                                          <p:attrName>style.visibility</p:attrName>
+                                        </p:attrNameLst>
+                                      </p:cBhvr>
+                                      <p:to>
+                                        <p:strVal val="visible"/>
+                                      </p:to>
+                                    </p:set>
+                                  </p:childTnLst>
+                                </p:cTn>
+                              </p:par>
+                            </p:childTnLst>
+                          </p:cTn>
+                        </p:par>
+                      </p:childTnLst>
+                    </p:cTn>
+                  </p:par>
+                  <p:par>
+                    <p:cTn id="21" fill="hold">
+                      <p:stCondLst>
+                        <p:cond delay="indefinite"/>
+                      </p:stCondLst>
+                      <p:childTnLst>
+                        <p:par>
+                          <p:cTn id="22" fill="hold">
+                            <p:stCondLst>
+                              <p:cond delay="0"/>
+                            </p:stCondLst>
+                            <p:childTnLst>
+                              <p:par>
+                                <p:cTn id="23" presetID="1" presetClass="entr" presetSubtype="0" fill="hold" grpId="0" nodeType="clickEffect">
+                                  <p:stCondLst>
+                                    <p:cond delay="0"/>
+                                  </p:stCondLst>
+                                  <p:childTnLst>
+                                    <p:set>
+                                      <p:cBhvr>
+                                        <p:cTn id="24" dur="1" fill="hold">
+                                          <p:stCondLst>
+                                            <p:cond delay="0"/>
+                                          </p:stCondLst>
+                                        </p:cTn>
+                                        <p:tgtEl>
+                                          <p:spTgt spid="5"/>
+                                        </p:tgtEl>
+                                        <p:attrNameLst>
+                                          <p:attrName>style.visibility</p:attrName>
+                                        </p:attrNameLst>
+                                      </p:cBhvr>
+                                      <p:to>
+                                        <p:strVal val="visible"/>
+                                      </p:to>
+                                    </p:set>
+                                  </p:childTnLst>
+                                </p:cTn>
+                              </p:par>
+                              <p:par>
+                                <p:cTn id="25" presetID="1" presetClass="entr" presetSubtype="0" fill="hold" grpId="0" nodeType="withEffect">
+                                  <p:stCondLst>
+                                    <p:cond delay="0"/>
+                                  </p:stCondLst>
+                                  <p:childTnLst>
+                                    <p:set>
+                                      <p:cBhvr>
+                                        <p:cTn id="26" dur="1" fill="hold">
+                                          <p:stCondLst>
+                                            <p:cond delay="0"/>
+                                          </p:stCondLst>
+                                        </p:cTn>
+                                        <p:tgtEl>
+                                          <p:spTgt spid="6"/>
+                                        </p:tgtEl>
+                                        <p:attrNameLst>
+                                          <p:attrName>style.visibility</p:attrName>
+                                        </p:attrNameLst>
+                                      </p:cBhvr>
+                                      <p:to>
+                                        <p:strVal val="visible"/>
+                                      </p:to>
+                                    </p:set>
+                                  </p:childTnLst>
+                                </p:cTn>
+                              </p:par>
+                            </p:childTnLst>
+                          </p:cTn>
+                        </p:par>
+                      </p:childTnLst>
+                    </p:cTn>
+                  </p:par>
+                  <p:par>
+                    <p:cTn id="27" fill="hold">
+                      <p:stCondLst>
+                        <p:cond delay="indefinite"/>
+                      </p:stCondLst>
+                      <p:childTnLst>
+                        <p:par>
+                          <p:cTn id="28" fill="hold">
+                            <p:stCondLst>
+                              <p:cond delay="0"/>
+                            </p:stCondLst>
+                            <p:childTnLst>
+                              <p:par>
+                                <p:cTn id="29" presetID="1" presetClass="entr" presetSubtype="0" fill="hold" nodeType="clickEffect">
+                                  <p:stCondLst>
+                                    <p:cond delay="0"/>
+                                  </p:stCondLst>
+                                  <p:childTnLst>
+                                    <p:set>
+                                      <p:cBhvr>
+                                        <p:cTn id="30" dur="1" fill="hold">
+                                          <p:stCondLst>
+                                            <p:cond delay="0"/>
+                                          </p:stCondLst>
+                                        </p:cTn>
+                                        <p:tgtEl>
+                                          <p:spTgt spid="2">
+                                            <p:txEl>
+                                              <p:pRg st="1" end="1"/>
+                                            </p:txEl>
+                                          </p:spTgt>
+                                        </p:tgtEl>
+                                        <p:attrNameLst>
+                                          <p:attrName>style.visibility</p:attrName>
+                                        </p:attrNameLst>
+                                      </p:cBhvr>
+                                      <p:to>
+                                        <p:strVal val="visible"/>
+                                      </p:to>
+                                    </p:set>
+                                  </p:childTnLst>
+                                </p:cTn>
+                              </p:par>
+                            </p:childTnLst>
+                          </p:cTn>
+                        </p:par>
+                      </p:childTnLst>
+                    </p:cTn>
+                  </p:par>
+                  <p:par>
+                    <p:cTn id="31" fill="hold">
+                      <p:stCondLst>
+                        <p:cond delay="indefinite"/>
+                      </p:stCondLst>
+                      <p:childTnLst>
+                        <p:par>
+                          <p:cTn id="32" fill="hold">
+                            <p:stCondLst>
+                              <p:cond delay="0"/>
+                            </p:stCondLst>
+                            <p:childTnLst>
+                              <p:par>
+                                <p:cTn id="33" presetID="1" presetClass="entr" presetSubtype="0" fill="hold" nodeType="clickEffect">
+                                  <p:stCondLst>
+                                    <p:cond delay="0"/>
+                                  </p:stCondLst>
+                                  <p:childTnLst>
+                                    <p:set>
+                                      <p:cBhvr>
+                                        <p:cTn id="34" dur="1" fill="hold">
+                                          <p:stCondLst>
+                                            <p:cond delay="0"/>
+                                          </p:stCondLst>
+                                        </p:cTn>
+                                        <p:tgtEl>
+                                          <p:spTgt spid="2">
+                                            <p:txEl>
+                                              <p:pRg st="2" end="2"/>
+                                            </p:txEl>
+                                          </p:spTgt>
+                                        </p:tgtEl>
+                                        <p:attrNameLst>
+                                          <p:attrName>style.visibility</p:attrName>
+                                        </p:attrNameLst>
+                                      </p:cBhvr>
+                                      <p:to>
+                                        <p:strVal val="visible"/>
+                                      </p:to>
+                                    </p:set>
+                                  </p:childTnLst>
+                                </p:cTn>
+                              </p:par>
+                            </p:childTnLst>
+                          </p:cTn>
+                        </p:par>
+                      </p:childTnLst>
+                    </p:cTn>
+                  </p:par>
+                  <p:par>
+                    <p:cTn id="35" fill="hold">
+                      <p:stCondLst>
+                        <p:cond delay="indefinite"/>
+                      </p:stCondLst>
+                      <p:childTnLst>
+                        <p:par>
+                          <p:cTn id="36" fill="hold">
+                            <p:stCondLst>
+                              <p:cond delay="0"/>
+                            </p:stCondLst>
+                            <p:childTnLst>
+                              <p:par>
+                                <p:cTn id="37" presetID="1" presetClass="entr" presetSubtype="0" fill="hold" nodeType="clickEffect">
+                                  <p:stCondLst>
+                                    <p:cond delay="0"/>
+                                  </p:stCondLst>
+                                  <p:childTnLst>
+                                    <p:set>
+                                      <p:cBhvr>
+                                        <p:cTn id="38" dur="1" fill="hold">
+                                          <p:stCondLst>
+                                            <p:cond delay="0"/>
+                                          </p:stCondLst>
+                                        </p:cTn>
+                                        <p:tgtEl>
+                                          <p:spTgt spid="2">
+                                            <p:txEl>
+                                              <p:pRg st="3" end="3"/>
+                                            </p:txEl>
+                                          </p:spTgt>
+                                        </p:tgtEl>
+                                        <p:attrNameLst>
+                                          <p:attrName>style.visibility</p:attrName>
+                                        </p:attrNameLst>
+                                      </p:cBhvr>
+                                      <p:to>
+                                        <p:strVal val="visible"/>
+                                      </p:to>
+                                    </p:set>
+                                  </p:childTnLst>
+                                </p:cTn>
+                              </p:par>
+                            </p:childTnLst>
+                          </p:cTn>
+                        </p:par>
+                      </p:childTnLst>
+                    </p:cTn>
+                  </p:par>
+                  <p:par>
+                    <p:cTn id="39" fill="hold">
+                      <p:stCondLst>
+                        <p:cond delay="indefinite"/>
+                      </p:stCondLst>
+                      <p:childTnLst>
+                        <p:par>
+                          <p:cTn id="40" fill="hold">
+                            <p:stCondLst>
+                              <p:cond delay="0"/>
+                            </p:stCondLst>
+                            <p:childTnLst>
+                              <p:par>
+                                <p:cTn id="41" presetID="1" presetClass="entr" presetSubtype="0" fill="hold" nodeType="clickEffect">
+                                  <p:stCondLst>
+                                    <p:cond delay="0"/>
+                                  </p:stCondLst>
+                                  <p:childTnLst>
+                                    <p:set>
+                                      <p:cBhvr>
+                                        <p:cTn id="42" dur="1" fill="hold">
+                                          <p:stCondLst>
+                                            <p:cond delay="0"/>
+                                          </p:stCondLst>
+                                        </p:cTn>
+                                        <p:tgtEl>
+                                          <p:spTgt spid="2">
+                                            <p:txEl>
+                                              <p:pRg st="4" end="4"/>
+                                            </p:txEl>
+                                          </p:spTgt>
+                                        </p:tgtEl>
+                                        <p:attrNameLst>
+                                          <p:attrName>style.visibility</p:attrName>
+                                        </p:attrNameLst>
+                                      </p:cBhvr>
+                                      <p:to>
+                                        <p:strVal val="visible"/>
+                                      </p:to>
+                                    </p:set>
+                                  </p:childTnLst>
+                                </p:cTn>
+                              </p:par>
+                            </p:childTnLst>
+                          </p:cTn>
+                        </p:par>
+                      </p:childTnLst>
+                    </p:cTn>
+                  </p:par>
+                </p:childTnLst>
+              </p:cTn>
+              <p:prevCondLst>
+                <p:cond evt="onPrev" delay="0">
+                  <p:tgtEl>
+                    <p:sldTgt/>
+                  </p:tgtEl>
+                </p:cond>
+              </p:prevCondLst>
+              <p:nextCondLst>
+                <p:cond evt="onNext" delay="0">
+                  <p:tgtEl>
+                    <p:sldTgt/>
+                  </p:tgtEl>
+                </p:cond>
+              </p:nextCondLst>
+            </p:seq>
+          </p:childTnLst>
+        </p:cTn>
+      </p:par>
+    </p:tnLst>
+    <p:bldLst>
+      <p:bldP spid="9" grpId="0"/>
+      <p:bldP spid="10" grpId="0"/>
+      <p:bldP spid="11" grpId="0"/>
+      <p:bldP spid="12" grpId="0"/>
+      <p:bldP spid="5" grpId="0"/>
+      <p:bldP spid="6" grpId="0"/>
+    </p:bldLst>
+  </p:timing>
+</p:sld>
+</file>
+
+<file path=ppt/slides/slide8.xml><?xml version="1.0" encoding="utf-8"?>
+<p:sld xmlns:a="http://schemas.openxmlformats.org/drawingml/2006/main" xmlns:r="http://schemas.openxmlformats.org/officeDocument/2006/relationships" xmlns:p="http://schemas.openxmlformats.org/presentationml/2006/main">
+  <p:cSld>
+    <p:spTree>
+      <p:nvGrpSpPr>
+        <p:cNvPr id="1" name="">
+          <a:extLst>
+            <a:ext uri="{FF2B5EF4-FFF2-40B4-BE49-F238E27FC236}">
+              <a16:creationId xmlns:a16="http://schemas.microsoft.com/office/drawing/2014/main" id="{4BC95B12-435A-09E8-A753-9467907D228D}"/>
+            </a:ext>
+          </a:extLst>
+        </p:cNvPr>
+        <p:cNvGrpSpPr/>
+        <p:nvPr/>
+      </p:nvGrpSpPr>
+      <p:grpSpPr>
+        <a:xfrm>
+          <a:off x="0" y="0"/>
+          <a:ext cx="0" cy="0"/>
+          <a:chOff x="0" y="0"/>
+          <a:chExt cx="0" cy="0"/>
+        </a:xfrm>
+      </p:grpSpPr>
+      <p:pic>
+        <p:nvPicPr>
+          <p:cNvPr id="19" name="Picture 18" descr="A picture containing linedrawing&#10;&#10;AI-generated content may be incorrect.">
+            <a:extLst>
+              <a:ext uri="{FF2B5EF4-FFF2-40B4-BE49-F238E27FC236}">
+                <a16:creationId xmlns:a16="http://schemas.microsoft.com/office/drawing/2014/main" id="{ED4610CA-A44C-2872-09D9-CC20D9FEBC7C}"/>
+              </a:ext>
+            </a:extLst>
+          </p:cNvPr>
+          <p:cNvPicPr>
+            <a:picLocks noChangeAspect="1"/>
+          </p:cNvPicPr>
+          <p:nvPr/>
+        </p:nvPicPr>
+        <p:blipFill>
+          <a:blip r:embed="rId3">
+            <a:extLst>
+              <a:ext uri="{28A0092B-C50C-407E-A947-70E740481C1C}">
+                <a14:useLocalDpi xmlns:a14="http://schemas.microsoft.com/office/drawing/2010/main" val="0"/>
+              </a:ext>
+            </a:extLst>
+          </a:blip>
+          <a:stretch>
+            <a:fillRect/>
+          </a:stretch>
+        </p:blipFill>
+        <p:spPr>
+          <a:xfrm>
+            <a:off x="10029652" y="1704622"/>
+            <a:ext cx="1909807" cy="1884843"/>
+          </a:xfrm>
+          <a:prstGeom prst="rect">
+            <a:avLst/>
+          </a:prstGeom>
+        </p:spPr>
+      </p:pic>
+      <p:sp>
+        <p:nvSpPr>
+          <p:cNvPr id="3" name="Content Placeholder 2">
+            <a:extLst>
+              <a:ext uri="{FF2B5EF4-FFF2-40B4-BE49-F238E27FC236}">
+                <a16:creationId xmlns:a16="http://schemas.microsoft.com/office/drawing/2014/main" id="{E7551F1C-7974-F791-55C5-CA2F292F00E9}"/>
+              </a:ext>
+            </a:extLst>
+          </p:cNvPr>
+          <p:cNvSpPr>
+            <a:spLocks noGrp="1"/>
+          </p:cNvSpPr>
+          <p:nvPr>
+            <p:ph idx="1"/>
+          </p:nvPr>
+        </p:nvSpPr>
+        <p:spPr>
+          <a:xfrm>
+            <a:off x="0" y="0"/>
+            <a:ext cx="8116711" cy="914400"/>
+          </a:xfrm>
+          <a:ln>
+            <a:solidFill>
+              <a:schemeClr val="tx1"/>
+            </a:solidFill>
+          </a:ln>
+        </p:spPr>
+        <p:txBody>
+          <a:bodyPr/>
+          <a:lstStyle/>
+          <a:p>
+            <a:pPr marL="0" indent="0">
+              <a:buNone/>
+            </a:pPr>
+            <a:r>
+              <a:rPr lang="en-US" dirty="0"/>
+              <a:t>Loops + functions + … = more efficient programming!</a:t>
+            </a:r>
+          </a:p>
+          <a:p>
+            <a:pPr lvl="1"/>
+            <a:r>
+              <a:rPr lang="en-US" i="1" dirty="0"/>
+              <a:t>Example: Performing the same analysis for 5 years of data</a:t>
+            </a:r>
+            <a:endParaRPr lang="en-US" dirty="0"/>
+          </a:p>
+          <a:p>
+            <a:pPr lvl="1"/>
+            <a:endParaRPr lang="en-US" dirty="0"/>
+          </a:p>
+          <a:p>
+            <a:pPr marL="0" indent="0">
+              <a:buNone/>
+            </a:pPr>
+            <a:endParaRPr lang="en-US" dirty="0"/>
+          </a:p>
+        </p:txBody>
+      </p:sp>
+      <p:sp>
+        <p:nvSpPr>
+          <p:cNvPr id="2" name="Content Placeholder 2">
+            <a:extLst>
+              <a:ext uri="{FF2B5EF4-FFF2-40B4-BE49-F238E27FC236}">
+                <a16:creationId xmlns:a16="http://schemas.microsoft.com/office/drawing/2014/main" id="{3C1AF21F-3992-8C89-213D-A821D811D573}"/>
+              </a:ext>
+            </a:extLst>
+          </p:cNvPr>
+          <p:cNvSpPr txBox="1">
+            <a:spLocks/>
+          </p:cNvSpPr>
+          <p:nvPr/>
+        </p:nvSpPr>
+        <p:spPr>
+          <a:xfrm>
+            <a:off x="572479" y="1454754"/>
+            <a:ext cx="4998156" cy="5307290"/>
+          </a:xfrm>
+          <a:prstGeom prst="rect">
+            <a:avLst/>
+          </a:prstGeom>
+        </p:spPr>
+        <p:txBody>
+          <a:bodyPr vert="horz" lIns="91440" tIns="45720" rIns="91440" bIns="45720" rtlCol="0">
+            <a:normAutofit/>
+          </a:bodyPr>
+          <a:lstStyle>
+            <a:lvl1pPr marL="228600" indent="-228600" algn="l" defTabSz="914400" rtl="0" eaLnBrk="1" latinLnBrk="0" hangingPunct="1">
+              <a:lnSpc>
+                <a:spcPct val="90000"/>
+              </a:lnSpc>
+              <a:spcBef>
+                <a:spcPts val="1000"/>
+              </a:spcBef>
+              <a:buFont typeface="Arial" panose="020B0604020202020204" pitchFamily="34" charset="0"/>
+              <a:buChar char="•"/>
+              <a:defRPr sz="2800" kern="1200">
+                <a:solidFill>
+                  <a:schemeClr val="tx1"/>
+                </a:solidFill>
+                <a:latin typeface="+mn-lt"/>
+                <a:ea typeface="+mn-ea"/>
+                <a:cs typeface="+mn-cs"/>
+              </a:defRPr>
+            </a:lvl1pPr>
+            <a:lvl2pPr marL="685800" indent="-228600" algn="l" defTabSz="914400" rtl="0" eaLnBrk="1" latinLnBrk="0" hangingPunct="1">
+              <a:lnSpc>
+                <a:spcPct val="90000"/>
+              </a:lnSpc>
+              <a:spcBef>
+                <a:spcPts val="500"/>
+              </a:spcBef>
+              <a:buFont typeface="Arial" panose="020B0604020202020204" pitchFamily="34" charset="0"/>
+              <a:buChar char="•"/>
+              <a:defRPr sz="2400" kern="1200">
+                <a:solidFill>
+                  <a:schemeClr val="tx1"/>
+                </a:solidFill>
+                <a:latin typeface="+mn-lt"/>
+                <a:ea typeface="+mn-ea"/>
+                <a:cs typeface="+mn-cs"/>
+              </a:defRPr>
+            </a:lvl2pPr>
+            <a:lvl3pPr marL="1143000" indent="-228600" algn="l" defTabSz="914400" rtl="0" eaLnBrk="1" latinLnBrk="0" hangingPunct="1">
+              <a:lnSpc>
+                <a:spcPct val="90000"/>
+              </a:lnSpc>
+              <a:spcBef>
+                <a:spcPts val="500"/>
+              </a:spcBef>
+              <a:buFont typeface="Arial" panose="020B0604020202020204" pitchFamily="34" charset="0"/>
+              <a:buChar char="•"/>
+              <a:defRPr sz="2000" kern="1200">
+                <a:solidFill>
+                  <a:schemeClr val="tx1"/>
+                </a:solidFill>
+                <a:latin typeface="+mn-lt"/>
+                <a:ea typeface="+mn-ea"/>
+                <a:cs typeface="+mn-cs"/>
+              </a:defRPr>
+            </a:lvl3pPr>
+            <a:lvl4pPr marL="1600200" indent="-228600" algn="l" defTabSz="914400" rtl="0" eaLnBrk="1" latinLnBrk="0" hangingPunct="1">
+              <a:lnSpc>
+                <a:spcPct val="90000"/>
+              </a:lnSpc>
+              <a:spcBef>
+                <a:spcPts val="500"/>
+              </a:spcBef>
+              <a:buFont typeface="Arial" panose="020B0604020202020204" pitchFamily="34" charset="0"/>
+              <a:buChar char="•"/>
+              <a:defRPr sz="1800" kern="1200">
+                <a:solidFill>
+                  <a:schemeClr val="tx1"/>
+                </a:solidFill>
+                <a:latin typeface="+mn-lt"/>
+                <a:ea typeface="+mn-ea"/>
+                <a:cs typeface="+mn-cs"/>
+              </a:defRPr>
+            </a:lvl4pPr>
+            <a:lvl5pPr marL="2057400" indent="-228600" algn="l" defTabSz="914400" rtl="0" eaLnBrk="1" latinLnBrk="0" hangingPunct="1">
+              <a:lnSpc>
+                <a:spcPct val="90000"/>
+              </a:lnSpc>
+              <a:spcBef>
+                <a:spcPts val="500"/>
+              </a:spcBef>
+              <a:buFont typeface="Arial" panose="020B0604020202020204" pitchFamily="34" charset="0"/>
+              <a:buChar char="•"/>
+              <a:defRPr sz="1800" kern="1200">
+                <a:solidFill>
+                  <a:schemeClr val="tx1"/>
+                </a:solidFill>
+                <a:latin typeface="+mn-lt"/>
+                <a:ea typeface="+mn-ea"/>
+                <a:cs typeface="+mn-cs"/>
+              </a:defRPr>
+            </a:lvl5pPr>
+            <a:lvl6pPr marL="2514600" indent="-228600" algn="l" defTabSz="914400" rtl="0" eaLnBrk="1" latinLnBrk="0" hangingPunct="1">
+              <a:lnSpc>
+                <a:spcPct val="90000"/>
+              </a:lnSpc>
+              <a:spcBef>
+                <a:spcPts val="500"/>
+              </a:spcBef>
+              <a:buFont typeface="Arial" panose="020B0604020202020204" pitchFamily="34" charset="0"/>
+              <a:buChar char="•"/>
+              <a:defRPr sz="1800" kern="1200">
+                <a:solidFill>
+                  <a:schemeClr val="tx1"/>
+                </a:solidFill>
+                <a:latin typeface="+mn-lt"/>
+                <a:ea typeface="+mn-ea"/>
+                <a:cs typeface="+mn-cs"/>
+              </a:defRPr>
+            </a:lvl6pPr>
+            <a:lvl7pPr marL="2971800" indent="-228600" algn="l" defTabSz="914400" rtl="0" eaLnBrk="1" latinLnBrk="0" hangingPunct="1">
+              <a:lnSpc>
+                <a:spcPct val="90000"/>
+              </a:lnSpc>
+              <a:spcBef>
+                <a:spcPts val="500"/>
+              </a:spcBef>
+              <a:buFont typeface="Arial" panose="020B0604020202020204" pitchFamily="34" charset="0"/>
+              <a:buChar char="•"/>
+              <a:defRPr sz="1800" kern="1200">
+                <a:solidFill>
+                  <a:schemeClr val="tx1"/>
+                </a:solidFill>
+                <a:latin typeface="+mn-lt"/>
+                <a:ea typeface="+mn-ea"/>
+                <a:cs typeface="+mn-cs"/>
+              </a:defRPr>
+            </a:lvl7pPr>
+            <a:lvl8pPr marL="3429000" indent="-228600" algn="l" defTabSz="914400" rtl="0" eaLnBrk="1" latinLnBrk="0" hangingPunct="1">
+              <a:lnSpc>
+                <a:spcPct val="90000"/>
+              </a:lnSpc>
+              <a:spcBef>
+                <a:spcPts val="500"/>
+              </a:spcBef>
+              <a:buFont typeface="Arial" panose="020B0604020202020204" pitchFamily="34" charset="0"/>
+              <a:buChar char="•"/>
+              <a:defRPr sz="1800" kern="1200">
+                <a:solidFill>
+                  <a:schemeClr val="tx1"/>
+                </a:solidFill>
+                <a:latin typeface="+mn-lt"/>
+                <a:ea typeface="+mn-ea"/>
+                <a:cs typeface="+mn-cs"/>
+              </a:defRPr>
+            </a:lvl8pPr>
+            <a:lvl9pPr marL="3886200" indent="-228600" algn="l" defTabSz="914400" rtl="0" eaLnBrk="1" latinLnBrk="0" hangingPunct="1">
+              <a:lnSpc>
+                <a:spcPct val="90000"/>
+              </a:lnSpc>
+              <a:spcBef>
+                <a:spcPts val="500"/>
+              </a:spcBef>
+              <a:buFont typeface="Arial" panose="020B0604020202020204" pitchFamily="34" charset="0"/>
+              <a:buChar char="•"/>
+              <a:defRPr sz="1800" kern="1200">
+                <a:solidFill>
+                  <a:schemeClr val="tx1"/>
+                </a:solidFill>
+                <a:latin typeface="+mn-lt"/>
+                <a:ea typeface="+mn-ea"/>
+                <a:cs typeface="+mn-cs"/>
+              </a:defRPr>
+            </a:lvl9pPr>
+          </a:lstStyle>
+          <a:p>
+            <a:pPr marL="0" indent="0">
+              <a:buFont typeface="Arial" panose="020B0604020202020204" pitchFamily="34" charset="0"/>
+              <a:buNone/>
+            </a:pPr>
+            <a:r>
+              <a:rPr lang="en-US" i="1" dirty="0"/>
+              <a:t>Solution 3</a:t>
+            </a:r>
+            <a:r>
+              <a:rPr lang="en-US" dirty="0"/>
+              <a:t>: Generalized analysis function, run for each dataset.</a:t>
+            </a:r>
+          </a:p>
+          <a:p>
+            <a:r>
+              <a:rPr lang="en-US" i="1" dirty="0"/>
+              <a:t>Possible benefits</a:t>
+            </a:r>
+            <a:r>
+              <a:rPr lang="en-US" dirty="0"/>
+              <a:t>:</a:t>
+            </a:r>
+          </a:p>
+          <a:p>
+            <a:pPr lvl="1"/>
+            <a:r>
+              <a:rPr lang="en-US" dirty="0"/>
+              <a:t>Less potential for human error</a:t>
+            </a:r>
+          </a:p>
+          <a:p>
+            <a:pPr lvl="1"/>
+            <a:r>
+              <a:rPr lang="en-US" dirty="0"/>
+              <a:t>Future changes only need to be made once</a:t>
+            </a:r>
+          </a:p>
+          <a:p>
+            <a:pPr lvl="1"/>
+            <a:r>
+              <a:rPr lang="en-US" dirty="0"/>
+              <a:t>More concise to write AND read</a:t>
+            </a:r>
+          </a:p>
+          <a:p>
+            <a:pPr lvl="1"/>
+            <a:r>
+              <a:rPr lang="en-US" dirty="0"/>
+              <a:t>Separates PURPOSE of code</a:t>
+            </a:r>
+          </a:p>
+          <a:p>
+            <a:pPr lvl="1"/>
+            <a:r>
+              <a:rPr lang="en-US" dirty="0"/>
+              <a:t>Can be more flexible</a:t>
+            </a:r>
+          </a:p>
+          <a:p>
+            <a:pPr lvl="2"/>
+            <a:r>
+              <a:rPr lang="en-US" dirty="0"/>
+              <a:t>E.g. adding additional arguments associated with each year?</a:t>
+            </a:r>
+          </a:p>
+          <a:p>
+            <a:pPr lvl="1"/>
+            <a:r>
+              <a:rPr lang="en-US" dirty="0"/>
+              <a:t>Generalized functions can be easily re-used!</a:t>
+            </a:r>
+          </a:p>
+          <a:p>
+            <a:pPr lvl="1"/>
+            <a:endParaRPr lang="en-US" dirty="0"/>
+          </a:p>
+          <a:p>
+            <a:pPr marL="0" indent="0">
+              <a:buFont typeface="Arial" panose="020B0604020202020204" pitchFamily="34" charset="0"/>
+              <a:buNone/>
+            </a:pPr>
+            <a:endParaRPr lang="en-US" dirty="0"/>
+          </a:p>
+        </p:txBody>
+      </p:sp>
+      <p:pic>
+        <p:nvPicPr>
+          <p:cNvPr id="4" name="Picture 3">
+            <a:extLst>
+              <a:ext uri="{FF2B5EF4-FFF2-40B4-BE49-F238E27FC236}">
+                <a16:creationId xmlns:a16="http://schemas.microsoft.com/office/drawing/2014/main" id="{259FF8E2-3FAF-D977-D9F5-02718FD5D6F0}"/>
+              </a:ext>
+            </a:extLst>
+          </p:cNvPr>
+          <p:cNvPicPr>
+            <a:picLocks noChangeAspect="1"/>
+          </p:cNvPicPr>
+          <p:nvPr/>
+        </p:nvPicPr>
+        <p:blipFill>
+          <a:blip r:embed="rId4"/>
+          <a:stretch>
+            <a:fillRect/>
+          </a:stretch>
+        </p:blipFill>
+        <p:spPr>
+          <a:xfrm>
+            <a:off x="6941426" y="2414445"/>
+            <a:ext cx="1759485" cy="1047178"/>
+          </a:xfrm>
+          <a:prstGeom prst="rect">
+            <a:avLst/>
+          </a:prstGeom>
+        </p:spPr>
+      </p:pic>
+      <p:sp>
+        <p:nvSpPr>
+          <p:cNvPr id="9" name="TextBox 8">
+            <a:extLst>
+              <a:ext uri="{FF2B5EF4-FFF2-40B4-BE49-F238E27FC236}">
+                <a16:creationId xmlns:a16="http://schemas.microsoft.com/office/drawing/2014/main" id="{90C23CD6-81E7-DB72-DAA6-F02E2EC631AC}"/>
+              </a:ext>
+            </a:extLst>
+          </p:cNvPr>
+          <p:cNvSpPr txBox="1"/>
+          <p:nvPr/>
+        </p:nvSpPr>
+        <p:spPr>
+          <a:xfrm>
+            <a:off x="7248292" y="2397777"/>
+            <a:ext cx="834552" cy="261610"/>
+          </a:xfrm>
+          <a:prstGeom prst="rect">
+            <a:avLst/>
+          </a:prstGeom>
+          <a:noFill/>
+        </p:spPr>
+        <p:txBody>
+          <a:bodyPr wrap="square" rtlCol="0">
+            <a:spAutoFit/>
+          </a:bodyPr>
+          <a:lstStyle/>
+          <a:p>
+            <a:r>
+              <a:rPr lang="en-US" sz="1100" b="1" dirty="0" err="1">
+                <a:latin typeface="Courier New" panose="02070309020205020404" pitchFamily="49" charset="0"/>
+                <a:cs typeface="Courier New" panose="02070309020205020404" pitchFamily="49" charset="0"/>
+              </a:rPr>
+              <a:t>TheData</a:t>
+            </a:r>
+            <a:endParaRPr lang="en-US" sz="1100" b="1" dirty="0">
+              <a:latin typeface="Courier New" panose="02070309020205020404" pitchFamily="49" charset="0"/>
+              <a:cs typeface="Courier New" panose="02070309020205020404" pitchFamily="49" charset="0"/>
+            </a:endParaRPr>
+          </a:p>
+        </p:txBody>
+      </p:sp>
+      <p:sp>
+        <p:nvSpPr>
+          <p:cNvPr id="10" name="TextBox 9">
+            <a:extLst>
+              <a:ext uri="{FF2B5EF4-FFF2-40B4-BE49-F238E27FC236}">
+                <a16:creationId xmlns:a16="http://schemas.microsoft.com/office/drawing/2014/main" id="{13F67299-02BC-8B23-CF12-76268DF6EBDF}"/>
+              </a:ext>
+            </a:extLst>
+          </p:cNvPr>
+          <p:cNvSpPr txBox="1"/>
+          <p:nvPr/>
+        </p:nvSpPr>
+        <p:spPr>
+          <a:xfrm>
+            <a:off x="7463174" y="2659387"/>
+            <a:ext cx="834552" cy="261610"/>
+          </a:xfrm>
+          <a:prstGeom prst="rect">
+            <a:avLst/>
+          </a:prstGeom>
+          <a:noFill/>
+        </p:spPr>
+        <p:txBody>
+          <a:bodyPr wrap="square" rtlCol="0">
+            <a:spAutoFit/>
+          </a:bodyPr>
+          <a:lstStyle/>
+          <a:p>
+            <a:r>
+              <a:rPr lang="en-US" sz="1100" b="1" dirty="0" err="1">
+                <a:latin typeface="Courier New" panose="02070309020205020404" pitchFamily="49" charset="0"/>
+                <a:cs typeface="Courier New" panose="02070309020205020404" pitchFamily="49" charset="0"/>
+              </a:rPr>
+              <a:t>TheData</a:t>
+            </a:r>
+            <a:endParaRPr lang="en-US" sz="1100" b="1" dirty="0">
+              <a:latin typeface="Courier New" panose="02070309020205020404" pitchFamily="49" charset="0"/>
+              <a:cs typeface="Courier New" panose="02070309020205020404" pitchFamily="49" charset="0"/>
+            </a:endParaRPr>
+          </a:p>
+        </p:txBody>
+      </p:sp>
+      <p:sp>
+        <p:nvSpPr>
+          <p:cNvPr id="11" name="TextBox 10">
+            <a:extLst>
+              <a:ext uri="{FF2B5EF4-FFF2-40B4-BE49-F238E27FC236}">
+                <a16:creationId xmlns:a16="http://schemas.microsoft.com/office/drawing/2014/main" id="{B500C58B-4AFC-D2DF-00DD-CE411064A094}"/>
+              </a:ext>
+            </a:extLst>
+          </p:cNvPr>
+          <p:cNvSpPr txBox="1"/>
+          <p:nvPr/>
+        </p:nvSpPr>
+        <p:spPr>
+          <a:xfrm>
+            <a:off x="7855687" y="3191415"/>
+            <a:ext cx="834552" cy="261610"/>
+          </a:xfrm>
+          <a:prstGeom prst="rect">
+            <a:avLst/>
+          </a:prstGeom>
+          <a:noFill/>
+        </p:spPr>
+        <p:txBody>
+          <a:bodyPr wrap="square" rtlCol="0">
+            <a:spAutoFit/>
+          </a:bodyPr>
+          <a:lstStyle/>
+          <a:p>
+            <a:r>
+              <a:rPr lang="en-US" sz="1100" b="1" dirty="0" err="1">
+                <a:latin typeface="Courier New" panose="02070309020205020404" pitchFamily="49" charset="0"/>
+                <a:cs typeface="Courier New" panose="02070309020205020404" pitchFamily="49" charset="0"/>
+              </a:rPr>
+              <a:t>TheData</a:t>
+            </a:r>
+            <a:endParaRPr lang="en-US" sz="1100" b="1" dirty="0">
+              <a:latin typeface="Courier New" panose="02070309020205020404" pitchFamily="49" charset="0"/>
+              <a:cs typeface="Courier New" panose="02070309020205020404" pitchFamily="49" charset="0"/>
+            </a:endParaRPr>
+          </a:p>
+        </p:txBody>
+      </p:sp>
+      <p:sp>
+        <p:nvSpPr>
+          <p:cNvPr id="12" name="TextBox 11">
+            <a:extLst>
+              <a:ext uri="{FF2B5EF4-FFF2-40B4-BE49-F238E27FC236}">
+                <a16:creationId xmlns:a16="http://schemas.microsoft.com/office/drawing/2014/main" id="{FF757E50-00F3-65C4-95D1-86A9182064E1}"/>
+              </a:ext>
+            </a:extLst>
+          </p:cNvPr>
+          <p:cNvSpPr txBox="1"/>
+          <p:nvPr/>
+        </p:nvSpPr>
+        <p:spPr>
+          <a:xfrm>
+            <a:off x="6941426" y="3297475"/>
+            <a:ext cx="834552" cy="261610"/>
+          </a:xfrm>
+          <a:prstGeom prst="rect">
+            <a:avLst/>
+          </a:prstGeom>
+          <a:noFill/>
+        </p:spPr>
+        <p:txBody>
+          <a:bodyPr wrap="square" rtlCol="0">
+            <a:spAutoFit/>
+          </a:bodyPr>
+          <a:lstStyle/>
+          <a:p>
+            <a:r>
+              <a:rPr lang="en-US" sz="1100" b="1" dirty="0" err="1">
+                <a:latin typeface="Courier New" panose="02070309020205020404" pitchFamily="49" charset="0"/>
+                <a:cs typeface="Courier New" panose="02070309020205020404" pitchFamily="49" charset="0"/>
+              </a:rPr>
+              <a:t>TheData</a:t>
+            </a:r>
+            <a:endParaRPr lang="en-US" sz="1100" b="1" dirty="0">
+              <a:latin typeface="Courier New" panose="02070309020205020404" pitchFamily="49" charset="0"/>
+              <a:cs typeface="Courier New" panose="02070309020205020404" pitchFamily="49" charset="0"/>
+            </a:endParaRPr>
+          </a:p>
+        </p:txBody>
+      </p:sp>
+      <p:sp>
+        <p:nvSpPr>
+          <p:cNvPr id="5" name="TextBox 4">
+            <a:extLst>
+              <a:ext uri="{FF2B5EF4-FFF2-40B4-BE49-F238E27FC236}">
+                <a16:creationId xmlns:a16="http://schemas.microsoft.com/office/drawing/2014/main" id="{ADA9FE6B-EFA0-832B-D619-EFC1506DCFBD}"/>
+              </a:ext>
+            </a:extLst>
+          </p:cNvPr>
+          <p:cNvSpPr txBox="1"/>
+          <p:nvPr/>
+        </p:nvSpPr>
+        <p:spPr>
+          <a:xfrm>
+            <a:off x="6663280" y="1905334"/>
+            <a:ext cx="3609609" cy="276999"/>
+          </a:xfrm>
+          <a:prstGeom prst="rect">
+            <a:avLst/>
+          </a:prstGeom>
+          <a:noFill/>
+        </p:spPr>
+        <p:txBody>
+          <a:bodyPr wrap="square" rtlCol="0">
+            <a:spAutoFit/>
+          </a:bodyPr>
+          <a:lstStyle/>
+          <a:p>
+            <a:r>
+              <a:rPr lang="en-US" sz="1200" b="1" dirty="0" err="1">
+                <a:latin typeface="Courier New" panose="02070309020205020404" pitchFamily="49" charset="0"/>
+                <a:cs typeface="Courier New" panose="02070309020205020404" pitchFamily="49" charset="0"/>
+              </a:rPr>
+              <a:t>AnalysisFunc</a:t>
+            </a:r>
+            <a:r>
+              <a:rPr lang="en-US" sz="1200" b="1" dirty="0">
+                <a:latin typeface="Courier New" panose="02070309020205020404" pitchFamily="49" charset="0"/>
+                <a:cs typeface="Courier New" panose="02070309020205020404" pitchFamily="49" charset="0"/>
+              </a:rPr>
+              <a:t> &lt;- function(</a:t>
+            </a:r>
+            <a:r>
+              <a:rPr lang="en-US" sz="1200" b="1" dirty="0" err="1">
+                <a:latin typeface="Courier New" panose="02070309020205020404" pitchFamily="49" charset="0"/>
+                <a:cs typeface="Courier New" panose="02070309020205020404" pitchFamily="49" charset="0"/>
+              </a:rPr>
+              <a:t>TheData</a:t>
+            </a:r>
+            <a:r>
+              <a:rPr lang="en-US" sz="1200" b="1" dirty="0">
+                <a:latin typeface="Courier New" panose="02070309020205020404" pitchFamily="49" charset="0"/>
+                <a:cs typeface="Courier New" panose="02070309020205020404" pitchFamily="49" charset="0"/>
+              </a:rPr>
+              <a:t>) {</a:t>
+            </a:r>
+          </a:p>
+        </p:txBody>
+      </p:sp>
+      <p:sp>
+        <p:nvSpPr>
+          <p:cNvPr id="6" name="TextBox 5">
+            <a:extLst>
+              <a:ext uri="{FF2B5EF4-FFF2-40B4-BE49-F238E27FC236}">
+                <a16:creationId xmlns:a16="http://schemas.microsoft.com/office/drawing/2014/main" id="{26DDAAE6-9075-1B59-6BF3-CB2B497EF5A9}"/>
+              </a:ext>
+            </a:extLst>
+          </p:cNvPr>
+          <p:cNvSpPr txBox="1"/>
+          <p:nvPr/>
+        </p:nvSpPr>
+        <p:spPr>
+          <a:xfrm>
+            <a:off x="6663280" y="3493040"/>
+            <a:ext cx="2761702" cy="276999"/>
+          </a:xfrm>
+          <a:prstGeom prst="rect">
+            <a:avLst/>
+          </a:prstGeom>
+          <a:noFill/>
+        </p:spPr>
+        <p:txBody>
+          <a:bodyPr wrap="square" rtlCol="0">
+            <a:spAutoFit/>
+          </a:bodyPr>
+          <a:lstStyle/>
+          <a:p>
+            <a:r>
+              <a:rPr lang="en-US" sz="1200" b="1" dirty="0">
+                <a:latin typeface="Courier New" panose="02070309020205020404" pitchFamily="49" charset="0"/>
+                <a:cs typeface="Courier New" panose="02070309020205020404" pitchFamily="49" charset="0"/>
+              </a:rPr>
+              <a:t>}</a:t>
+            </a:r>
+          </a:p>
+        </p:txBody>
+      </p:sp>
+      <p:sp>
+        <p:nvSpPr>
+          <p:cNvPr id="7" name="TextBox 6">
+            <a:extLst>
+              <a:ext uri="{FF2B5EF4-FFF2-40B4-BE49-F238E27FC236}">
+                <a16:creationId xmlns:a16="http://schemas.microsoft.com/office/drawing/2014/main" id="{F6B5BE0C-074B-D5C8-0517-C85AEF12E27F}"/>
+              </a:ext>
+            </a:extLst>
+          </p:cNvPr>
+          <p:cNvSpPr txBox="1"/>
+          <p:nvPr/>
+        </p:nvSpPr>
+        <p:spPr>
+          <a:xfrm>
+            <a:off x="6663280" y="4260448"/>
+            <a:ext cx="2761702" cy="1015663"/>
+          </a:xfrm>
+          <a:prstGeom prst="rect">
+            <a:avLst/>
+          </a:prstGeom>
+          <a:noFill/>
+        </p:spPr>
+        <p:txBody>
+          <a:bodyPr wrap="square" rtlCol="0">
+            <a:spAutoFit/>
+          </a:bodyPr>
+          <a:lstStyle/>
+          <a:p>
+            <a:r>
+              <a:rPr lang="en-US" sz="1200" b="1" dirty="0" err="1">
+                <a:latin typeface="Courier New" panose="02070309020205020404" pitchFamily="49" charset="0"/>
+                <a:cs typeface="Courier New" panose="02070309020205020404" pitchFamily="49" charset="0"/>
+              </a:rPr>
+              <a:t>AnalysisFunc</a:t>
+            </a:r>
+            <a:r>
+              <a:rPr lang="en-US" sz="1200" b="1" dirty="0">
+                <a:latin typeface="Courier New" panose="02070309020205020404" pitchFamily="49" charset="0"/>
+                <a:cs typeface="Courier New" panose="02070309020205020404" pitchFamily="49" charset="0"/>
+              </a:rPr>
+              <a:t>(data2020)</a:t>
+            </a:r>
+          </a:p>
+          <a:p>
+            <a:r>
+              <a:rPr lang="en-US" sz="1200" b="1" dirty="0" err="1">
+                <a:latin typeface="Courier New" panose="02070309020205020404" pitchFamily="49" charset="0"/>
+                <a:cs typeface="Courier New" panose="02070309020205020404" pitchFamily="49" charset="0"/>
+              </a:rPr>
+              <a:t>AnalysisFunc</a:t>
+            </a:r>
+            <a:r>
+              <a:rPr lang="en-US" sz="1200" b="1" dirty="0">
+                <a:latin typeface="Courier New" panose="02070309020205020404" pitchFamily="49" charset="0"/>
+                <a:cs typeface="Courier New" panose="02070309020205020404" pitchFamily="49" charset="0"/>
+              </a:rPr>
+              <a:t>(data2021)</a:t>
+            </a:r>
+          </a:p>
+          <a:p>
+            <a:r>
+              <a:rPr lang="en-US" sz="1200" b="1" dirty="0" err="1">
+                <a:latin typeface="Courier New" panose="02070309020205020404" pitchFamily="49" charset="0"/>
+                <a:cs typeface="Courier New" panose="02070309020205020404" pitchFamily="49" charset="0"/>
+              </a:rPr>
+              <a:t>AnalysisFunc</a:t>
+            </a:r>
+            <a:r>
+              <a:rPr lang="en-US" sz="1200" b="1" dirty="0">
+                <a:latin typeface="Courier New" panose="02070309020205020404" pitchFamily="49" charset="0"/>
+                <a:cs typeface="Courier New" panose="02070309020205020404" pitchFamily="49" charset="0"/>
+              </a:rPr>
+              <a:t>(data2022)</a:t>
+            </a:r>
+          </a:p>
+          <a:p>
+            <a:r>
+              <a:rPr lang="en-US" sz="1200" b="1" dirty="0" err="1">
+                <a:latin typeface="Courier New" panose="02070309020205020404" pitchFamily="49" charset="0"/>
+                <a:cs typeface="Courier New" panose="02070309020205020404" pitchFamily="49" charset="0"/>
+              </a:rPr>
+              <a:t>AnalysisFunc</a:t>
+            </a:r>
+            <a:r>
+              <a:rPr lang="en-US" sz="1200" b="1" dirty="0">
+                <a:latin typeface="Courier New" panose="02070309020205020404" pitchFamily="49" charset="0"/>
+                <a:cs typeface="Courier New" panose="02070309020205020404" pitchFamily="49" charset="0"/>
+              </a:rPr>
+              <a:t>(data2023)</a:t>
+            </a:r>
+          </a:p>
+          <a:p>
+            <a:r>
+              <a:rPr lang="en-US" sz="1200" b="1" dirty="0" err="1">
+                <a:latin typeface="Courier New" panose="02070309020205020404" pitchFamily="49" charset="0"/>
+                <a:cs typeface="Courier New" panose="02070309020205020404" pitchFamily="49" charset="0"/>
+              </a:rPr>
+              <a:t>AnalysisFunc</a:t>
+            </a:r>
+            <a:r>
+              <a:rPr lang="en-US" sz="1200" b="1" dirty="0">
+                <a:latin typeface="Courier New" panose="02070309020205020404" pitchFamily="49" charset="0"/>
+                <a:cs typeface="Courier New" panose="02070309020205020404" pitchFamily="49" charset="0"/>
+              </a:rPr>
+              <a:t>(data2024)</a:t>
+            </a:r>
+          </a:p>
+        </p:txBody>
+      </p:sp>
+      <p:pic>
+        <p:nvPicPr>
+          <p:cNvPr id="13" name="Picture 12" descr="A picture containing laser&#10;&#10;AI-generated content may be incorrect.">
+            <a:extLst>
+              <a:ext uri="{FF2B5EF4-FFF2-40B4-BE49-F238E27FC236}">
+                <a16:creationId xmlns:a16="http://schemas.microsoft.com/office/drawing/2014/main" id="{3B600D07-46AA-BECA-1E58-1E899AC611F1}"/>
+              </a:ext>
+            </a:extLst>
+          </p:cNvPr>
+          <p:cNvPicPr>
+            <a:picLocks noChangeAspect="1"/>
+          </p:cNvPicPr>
+          <p:nvPr/>
+        </p:nvPicPr>
+        <p:blipFill>
+          <a:blip r:embed="rId5">
+            <a:extLst>
+              <a:ext uri="{28A0092B-C50C-407E-A947-70E740481C1C}">
+                <a14:useLocalDpi xmlns:a14="http://schemas.microsoft.com/office/drawing/2010/main" val="0"/>
+              </a:ext>
+            </a:extLst>
+          </a:blip>
+          <a:stretch>
+            <a:fillRect/>
+          </a:stretch>
+        </p:blipFill>
+        <p:spPr>
+          <a:xfrm>
+            <a:off x="10117208" y="4167446"/>
+            <a:ext cx="1756620" cy="1318953"/>
+          </a:xfrm>
+          <a:prstGeom prst="rect">
+            <a:avLst/>
+          </a:prstGeom>
+        </p:spPr>
+      </p:pic>
+      <p:sp>
+        <p:nvSpPr>
+          <p:cNvPr id="20" name="TextBox 19">
+            <a:extLst>
+              <a:ext uri="{FF2B5EF4-FFF2-40B4-BE49-F238E27FC236}">
+                <a16:creationId xmlns:a16="http://schemas.microsoft.com/office/drawing/2014/main" id="{418A7F8F-4ED3-B604-E4D7-EE8978C4222D}"/>
+              </a:ext>
+            </a:extLst>
+          </p:cNvPr>
+          <p:cNvSpPr txBox="1"/>
+          <p:nvPr/>
+        </p:nvSpPr>
+        <p:spPr>
+          <a:xfrm>
+            <a:off x="6663279" y="4269046"/>
+            <a:ext cx="3409203" cy="1015663"/>
+          </a:xfrm>
+          <a:prstGeom prst="rect">
+            <a:avLst/>
+          </a:prstGeom>
+          <a:solidFill>
+            <a:schemeClr val="bg1"/>
+          </a:solidFill>
+        </p:spPr>
+        <p:txBody>
+          <a:bodyPr wrap="square" rtlCol="0">
+            <a:spAutoFit/>
+          </a:bodyPr>
+          <a:lstStyle/>
+          <a:p>
+            <a:r>
+              <a:rPr lang="en-US" sz="1200" b="1" dirty="0" err="1">
+                <a:latin typeface="Courier New" panose="02070309020205020404" pitchFamily="49" charset="0"/>
+                <a:cs typeface="Courier New" panose="02070309020205020404" pitchFamily="49" charset="0"/>
+              </a:rPr>
+              <a:t>AnalysisFunc</a:t>
+            </a:r>
+            <a:r>
+              <a:rPr lang="en-US" sz="1200" b="1" dirty="0">
+                <a:latin typeface="Courier New" panose="02070309020205020404" pitchFamily="49" charset="0"/>
+                <a:cs typeface="Courier New" panose="02070309020205020404" pitchFamily="49" charset="0"/>
+              </a:rPr>
+              <a:t>(data2020, </a:t>
+            </a:r>
+            <a:r>
+              <a:rPr lang="en-US" sz="1200" b="1" i="1" dirty="0">
+                <a:latin typeface="Courier New" panose="02070309020205020404" pitchFamily="49" charset="0"/>
+                <a:cs typeface="Courier New" panose="02070309020205020404" pitchFamily="49" charset="0"/>
+              </a:rPr>
+              <a:t>args2020</a:t>
+            </a:r>
+            <a:r>
+              <a:rPr lang="en-US" sz="1200" b="1" dirty="0">
+                <a:latin typeface="Courier New" panose="02070309020205020404" pitchFamily="49" charset="0"/>
+                <a:cs typeface="Courier New" panose="02070309020205020404" pitchFamily="49" charset="0"/>
+              </a:rPr>
+              <a:t>)</a:t>
+            </a:r>
+          </a:p>
+          <a:p>
+            <a:r>
+              <a:rPr lang="en-US" sz="1200" b="1" dirty="0" err="1">
+                <a:latin typeface="Courier New" panose="02070309020205020404" pitchFamily="49" charset="0"/>
+                <a:cs typeface="Courier New" panose="02070309020205020404" pitchFamily="49" charset="0"/>
+              </a:rPr>
+              <a:t>AnalysisFunc</a:t>
+            </a:r>
+            <a:r>
+              <a:rPr lang="en-US" sz="1200" b="1" dirty="0">
+                <a:latin typeface="Courier New" panose="02070309020205020404" pitchFamily="49" charset="0"/>
+                <a:cs typeface="Courier New" panose="02070309020205020404" pitchFamily="49" charset="0"/>
+              </a:rPr>
+              <a:t>(data2021, </a:t>
+            </a:r>
+            <a:r>
+              <a:rPr lang="en-US" sz="1200" b="1" i="1" dirty="0">
+                <a:latin typeface="Courier New" panose="02070309020205020404" pitchFamily="49" charset="0"/>
+                <a:cs typeface="Courier New" panose="02070309020205020404" pitchFamily="49" charset="0"/>
+              </a:rPr>
+              <a:t>args2021</a:t>
+            </a:r>
+            <a:r>
+              <a:rPr lang="en-US" sz="1200" b="1" dirty="0">
+                <a:latin typeface="Courier New" panose="02070309020205020404" pitchFamily="49" charset="0"/>
+                <a:cs typeface="Courier New" panose="02070309020205020404" pitchFamily="49" charset="0"/>
+              </a:rPr>
+              <a:t>)</a:t>
+            </a:r>
+          </a:p>
+          <a:p>
+            <a:r>
+              <a:rPr lang="en-US" sz="1200" b="1" dirty="0" err="1">
+                <a:latin typeface="Courier New" panose="02070309020205020404" pitchFamily="49" charset="0"/>
+                <a:cs typeface="Courier New" panose="02070309020205020404" pitchFamily="49" charset="0"/>
+              </a:rPr>
+              <a:t>AnalysisFunc</a:t>
+            </a:r>
+            <a:r>
+              <a:rPr lang="en-US" sz="1200" b="1" dirty="0">
+                <a:latin typeface="Courier New" panose="02070309020205020404" pitchFamily="49" charset="0"/>
+                <a:cs typeface="Courier New" panose="02070309020205020404" pitchFamily="49" charset="0"/>
+              </a:rPr>
+              <a:t>(data2022, </a:t>
+            </a:r>
+            <a:r>
+              <a:rPr lang="en-US" sz="1200" b="1" i="1" dirty="0">
+                <a:latin typeface="Courier New" panose="02070309020205020404" pitchFamily="49" charset="0"/>
+                <a:cs typeface="Courier New" panose="02070309020205020404" pitchFamily="49" charset="0"/>
+              </a:rPr>
+              <a:t>args2022</a:t>
+            </a:r>
+            <a:r>
+              <a:rPr lang="en-US" sz="1200" b="1" dirty="0">
+                <a:latin typeface="Courier New" panose="02070309020205020404" pitchFamily="49" charset="0"/>
+                <a:cs typeface="Courier New" panose="02070309020205020404" pitchFamily="49" charset="0"/>
+              </a:rPr>
+              <a:t>)</a:t>
+            </a:r>
+          </a:p>
+          <a:p>
+            <a:r>
+              <a:rPr lang="en-US" sz="1200" b="1" dirty="0" err="1">
+                <a:latin typeface="Courier New" panose="02070309020205020404" pitchFamily="49" charset="0"/>
+                <a:cs typeface="Courier New" panose="02070309020205020404" pitchFamily="49" charset="0"/>
+              </a:rPr>
+              <a:t>AnalysisFunc</a:t>
+            </a:r>
+            <a:r>
+              <a:rPr lang="en-US" sz="1200" b="1" dirty="0">
+                <a:latin typeface="Courier New" panose="02070309020205020404" pitchFamily="49" charset="0"/>
+                <a:cs typeface="Courier New" panose="02070309020205020404" pitchFamily="49" charset="0"/>
+              </a:rPr>
+              <a:t>(data2023, </a:t>
+            </a:r>
+            <a:r>
+              <a:rPr lang="en-US" sz="1200" b="1" i="1" dirty="0">
+                <a:latin typeface="Courier New" panose="02070309020205020404" pitchFamily="49" charset="0"/>
+                <a:cs typeface="Courier New" panose="02070309020205020404" pitchFamily="49" charset="0"/>
+              </a:rPr>
+              <a:t>args2023</a:t>
+            </a:r>
+            <a:r>
+              <a:rPr lang="en-US" sz="1200" b="1" dirty="0">
+                <a:latin typeface="Courier New" panose="02070309020205020404" pitchFamily="49" charset="0"/>
+                <a:cs typeface="Courier New" panose="02070309020205020404" pitchFamily="49" charset="0"/>
+              </a:rPr>
+              <a:t>)</a:t>
+            </a:r>
+          </a:p>
+          <a:p>
+            <a:r>
+              <a:rPr lang="en-US" sz="1200" b="1" dirty="0" err="1">
+                <a:latin typeface="Courier New" panose="02070309020205020404" pitchFamily="49" charset="0"/>
+                <a:cs typeface="Courier New" panose="02070309020205020404" pitchFamily="49" charset="0"/>
+              </a:rPr>
+              <a:t>AnalysisFunc</a:t>
+            </a:r>
+            <a:r>
+              <a:rPr lang="en-US" sz="1200" b="1" dirty="0">
+                <a:latin typeface="Courier New" panose="02070309020205020404" pitchFamily="49" charset="0"/>
+                <a:cs typeface="Courier New" panose="02070309020205020404" pitchFamily="49" charset="0"/>
+              </a:rPr>
+              <a:t>(data2024, </a:t>
+            </a:r>
+            <a:r>
+              <a:rPr lang="en-US" sz="1200" b="1" i="1" dirty="0">
+                <a:latin typeface="Courier New" panose="02070309020205020404" pitchFamily="49" charset="0"/>
+                <a:cs typeface="Courier New" panose="02070309020205020404" pitchFamily="49" charset="0"/>
+              </a:rPr>
+              <a:t>args2024</a:t>
+            </a:r>
+            <a:r>
+              <a:rPr lang="en-US" sz="1200" b="1" dirty="0">
+                <a:latin typeface="Courier New" panose="02070309020205020404" pitchFamily="49" charset="0"/>
+                <a:cs typeface="Courier New" panose="02070309020205020404" pitchFamily="49" charset="0"/>
+              </a:rPr>
+              <a:t>)</a:t>
+            </a:r>
+          </a:p>
+        </p:txBody>
+      </p:sp>
+      <p:sp>
+        <p:nvSpPr>
+          <p:cNvPr id="21" name="TextBox 20">
+            <a:extLst>
+              <a:ext uri="{FF2B5EF4-FFF2-40B4-BE49-F238E27FC236}">
+                <a16:creationId xmlns:a16="http://schemas.microsoft.com/office/drawing/2014/main" id="{C5040629-2FE3-ADAB-68B1-9E7F6726F3CC}"/>
+              </a:ext>
+            </a:extLst>
+          </p:cNvPr>
+          <p:cNvSpPr txBox="1"/>
+          <p:nvPr/>
+        </p:nvSpPr>
+        <p:spPr>
+          <a:xfrm>
+            <a:off x="6663893" y="1905334"/>
+            <a:ext cx="3609609" cy="461665"/>
+          </a:xfrm>
+          <a:prstGeom prst="rect">
+            <a:avLst/>
+          </a:prstGeom>
+          <a:solidFill>
+            <a:schemeClr val="bg1"/>
+          </a:solidFill>
+        </p:spPr>
+        <p:txBody>
+          <a:bodyPr wrap="square" rtlCol="0">
+            <a:spAutoFit/>
+          </a:bodyPr>
+          <a:lstStyle/>
+          <a:p>
+            <a:r>
+              <a:rPr lang="en-US" sz="1200" b="1" dirty="0" err="1">
+                <a:latin typeface="Courier New" panose="02070309020205020404" pitchFamily="49" charset="0"/>
+                <a:cs typeface="Courier New" panose="02070309020205020404" pitchFamily="49" charset="0"/>
+              </a:rPr>
+              <a:t>AnalysisFunc</a:t>
+            </a:r>
+            <a:r>
+              <a:rPr lang="en-US" sz="1200" b="1" dirty="0">
+                <a:latin typeface="Courier New" panose="02070309020205020404" pitchFamily="49" charset="0"/>
+                <a:cs typeface="Courier New" panose="02070309020205020404" pitchFamily="49" charset="0"/>
+              </a:rPr>
+              <a:t> &lt;- function(</a:t>
+            </a:r>
+            <a:r>
+              <a:rPr lang="en-US" sz="1200" b="1" dirty="0" err="1">
+                <a:latin typeface="Courier New" panose="02070309020205020404" pitchFamily="49" charset="0"/>
+                <a:cs typeface="Courier New" panose="02070309020205020404" pitchFamily="49" charset="0"/>
+              </a:rPr>
+              <a:t>TheData</a:t>
+            </a:r>
+            <a:r>
+              <a:rPr lang="en-US" sz="1200" b="1" dirty="0">
+                <a:latin typeface="Courier New" panose="02070309020205020404" pitchFamily="49" charset="0"/>
+                <a:cs typeface="Courier New" panose="02070309020205020404" pitchFamily="49" charset="0"/>
+              </a:rPr>
+              <a:t>,</a:t>
+            </a:r>
+          </a:p>
+          <a:p>
+            <a:r>
+              <a:rPr lang="en-US" sz="1200" b="1" dirty="0">
+                <a:latin typeface="Courier New" panose="02070309020205020404" pitchFamily="49" charset="0"/>
+                <a:cs typeface="Courier New" panose="02070309020205020404" pitchFamily="49" charset="0"/>
+              </a:rPr>
+              <a:t>                         </a:t>
+            </a:r>
+            <a:r>
+              <a:rPr lang="en-US" sz="1200" b="1" i="1" dirty="0" err="1">
+                <a:latin typeface="Courier New" panose="02070309020205020404" pitchFamily="49" charset="0"/>
+                <a:cs typeface="Courier New" panose="02070309020205020404" pitchFamily="49" charset="0"/>
+              </a:rPr>
+              <a:t>AddlArgs</a:t>
+            </a:r>
+            <a:r>
+              <a:rPr lang="en-US" sz="1200" b="1" dirty="0">
+                <a:latin typeface="Courier New" panose="02070309020205020404" pitchFamily="49" charset="0"/>
+                <a:cs typeface="Courier New" panose="02070309020205020404" pitchFamily="49" charset="0"/>
+              </a:rPr>
+              <a:t>) {</a:t>
+            </a:r>
+          </a:p>
+        </p:txBody>
+      </p:sp>
+      <p:sp>
+        <p:nvSpPr>
+          <p:cNvPr id="22" name="TextBox 21">
+            <a:extLst>
+              <a:ext uri="{FF2B5EF4-FFF2-40B4-BE49-F238E27FC236}">
+                <a16:creationId xmlns:a16="http://schemas.microsoft.com/office/drawing/2014/main" id="{F8F0EF67-C11F-ABB5-52CD-3EDC6A42832A}"/>
+              </a:ext>
+            </a:extLst>
+          </p:cNvPr>
+          <p:cNvSpPr txBox="1"/>
+          <p:nvPr/>
+        </p:nvSpPr>
+        <p:spPr>
+          <a:xfrm>
+            <a:off x="7248292" y="2896726"/>
+            <a:ext cx="1049434" cy="261610"/>
+          </a:xfrm>
+          <a:prstGeom prst="rect">
+            <a:avLst/>
+          </a:prstGeom>
+          <a:noFill/>
+        </p:spPr>
+        <p:txBody>
+          <a:bodyPr wrap="square" rtlCol="0">
+            <a:spAutoFit/>
+          </a:bodyPr>
+          <a:lstStyle/>
+          <a:p>
+            <a:r>
+              <a:rPr lang="en-US" sz="1100" b="1" i="1" dirty="0" err="1">
+                <a:latin typeface="Courier New" panose="02070309020205020404" pitchFamily="49" charset="0"/>
+                <a:cs typeface="Courier New" panose="02070309020205020404" pitchFamily="49" charset="0"/>
+              </a:rPr>
+              <a:t>AddlArgs</a:t>
+            </a:r>
+            <a:endParaRPr lang="en-US" sz="1100" b="1" dirty="0">
+              <a:latin typeface="Courier New" panose="02070309020205020404" pitchFamily="49" charset="0"/>
+              <a:cs typeface="Courier New" panose="02070309020205020404" pitchFamily="49" charset="0"/>
+            </a:endParaRPr>
+          </a:p>
+        </p:txBody>
+      </p:sp>
+    </p:spTree>
+    <p:extLst>
+      <p:ext uri="{BB962C8B-B14F-4D97-AF65-F5344CB8AC3E}">
+        <p14:creationId xmlns:p14="http://schemas.microsoft.com/office/powerpoint/2010/main" val="943878483"/>
+      </p:ext>
+    </p:extLst>
+  </p:cSld>
+  <p:clrMapOvr>
+    <a:masterClrMapping/>
+  </p:clrMapOvr>
+  <p:timing>
+    <p:tnLst>
+      <p:par>
+        <p:cTn id="1" dur="indefinite" restart="never" nodeType="tmRoot">
+          <p:childTnLst>
+            <p:seq concurrent="1" nextAc="seek">
+              <p:cTn id="2" dur="indefinite" nodeType="mainSeq">
+                <p:childTnLst>
+                  <p:par>
+                    <p:cTn id="3" fill="hold">
+                      <p:stCondLst>
+                        <p:cond delay="indefinite"/>
+                      </p:stCondLst>
+                      <p:childTnLst>
+                        <p:par>
+                          <p:cTn id="4" fill="hold">
+                            <p:stCondLst>
+                              <p:cond delay="0"/>
+                            </p:stCondLst>
+                            <p:childTnLst>
+                              <p:par>
+                                <p:cTn id="5" presetID="1" presetClass="entr" presetSubtype="0" fill="hold" nodeType="clickEffect">
+                                  <p:stCondLst>
+                                    <p:cond delay="0"/>
+                                  </p:stCondLst>
+                                  <p:childTnLst>
+                                    <p:set>
+                                      <p:cBhvr>
+                                        <p:cTn id="6" dur="1" fill="hold">
+                                          <p:stCondLst>
+                                            <p:cond delay="0"/>
+                                          </p:stCondLst>
+                                        </p:cTn>
+                                        <p:tgtEl>
+                                          <p:spTgt spid="2">
+                                            <p:txEl>
+                                              <p:pRg st="0" end="0"/>
+                                            </p:txEl>
+                                          </p:spTgt>
+                                        </p:tgtEl>
+                                        <p:attrNameLst>
+                                          <p:attrName>style.visibility</p:attrName>
+                                        </p:attrNameLst>
+                                      </p:cBhvr>
+                                      <p:to>
+                                        <p:strVal val="visible"/>
+                                      </p:to>
+                                    </p:set>
+                                  </p:childTnLst>
+                                </p:cTn>
+                              </p:par>
+                            </p:childTnLst>
+                          </p:cTn>
+                        </p:par>
+                      </p:childTnLst>
+                    </p:cTn>
+                  </p:par>
+                  <p:par>
+                    <p:cTn id="7" fill="hold">
+                      <p:stCondLst>
+                        <p:cond delay="indefinite"/>
+                      </p:stCondLst>
+                      <p:childTnLst>
+                        <p:par>
+                          <p:cTn id="8" fill="hold">
+                            <p:stCondLst>
+                              <p:cond delay="0"/>
+                            </p:stCondLst>
+                            <p:childTnLst>
+                              <p:par>
+                                <p:cTn id="9" presetID="1" presetClass="entr" presetSubtype="0" fill="hold" nodeType="clickEffect">
+                                  <p:stCondLst>
+                                    <p:cond delay="0"/>
+                                  </p:stCondLst>
+                                  <p:childTnLst>
+                                    <p:set>
+                                      <p:cBhvr>
+                                        <p:cTn id="10" dur="1" fill="hold">
+                                          <p:stCondLst>
+                                            <p:cond delay="0"/>
+                                          </p:stCondLst>
+                                        </p:cTn>
+                                        <p:tgtEl>
+                                          <p:spTgt spid="4"/>
+                                        </p:tgtEl>
+                                        <p:attrNameLst>
+                                          <p:attrName>style.visibility</p:attrName>
+                                        </p:attrNameLst>
+                                      </p:cBhvr>
+                                      <p:to>
+                                        <p:strVal val="visible"/>
+                                      </p:to>
+                                    </p:set>
+                                  </p:childTnLst>
+                                </p:cTn>
+                              </p:par>
+                            </p:childTnLst>
+                          </p:cTn>
+                        </p:par>
+                      </p:childTnLst>
+                    </p:cTn>
+                  </p:par>
+                  <p:par>
+                    <p:cTn id="11" fill="hold">
+                      <p:stCondLst>
+                        <p:cond delay="indefinite"/>
+                      </p:stCondLst>
+                      <p:childTnLst>
+                        <p:par>
+                          <p:cTn id="12" fill="hold">
+                            <p:stCondLst>
+                              <p:cond delay="0"/>
+                            </p:stCondLst>
+                            <p:childTnLst>
+                              <p:par>
+                                <p:cTn id="13" presetID="1" presetClass="entr" presetSubtype="0" fill="hold" grpId="0" nodeType="clickEffect">
+                                  <p:stCondLst>
+                                    <p:cond delay="0"/>
+                                  </p:stCondLst>
+                                  <p:childTnLst>
+                                    <p:set>
+                                      <p:cBhvr>
+                                        <p:cTn id="14" dur="1" fill="hold">
+                                          <p:stCondLst>
+                                            <p:cond delay="0"/>
+                                          </p:stCondLst>
+                                        </p:cTn>
+                                        <p:tgtEl>
+                                          <p:spTgt spid="12"/>
+                                        </p:tgtEl>
+                                        <p:attrNameLst>
+                                          <p:attrName>style.visibility</p:attrName>
+                                        </p:attrNameLst>
+                                      </p:cBhvr>
+                                      <p:to>
+                                        <p:strVal val="visible"/>
+                                      </p:to>
+                                    </p:set>
+                                  </p:childTnLst>
+                                </p:cTn>
+                              </p:par>
+                              <p:par>
+                                <p:cTn id="15" presetID="1" presetClass="entr" presetSubtype="0" fill="hold" grpId="0" nodeType="withEffect">
+                                  <p:stCondLst>
+                                    <p:cond delay="0"/>
+                                  </p:stCondLst>
+                                  <p:childTnLst>
+                                    <p:set>
+                                      <p:cBhvr>
+                                        <p:cTn id="16" dur="1" fill="hold">
+                                          <p:stCondLst>
+                                            <p:cond delay="0"/>
+                                          </p:stCondLst>
+                                        </p:cTn>
+                                        <p:tgtEl>
+                                          <p:spTgt spid="11"/>
+                                        </p:tgtEl>
+                                        <p:attrNameLst>
+                                          <p:attrName>style.visibility</p:attrName>
+                                        </p:attrNameLst>
+                                      </p:cBhvr>
+                                      <p:to>
+                                        <p:strVal val="visible"/>
+                                      </p:to>
+                                    </p:set>
+                                  </p:childTnLst>
+                                </p:cTn>
+                              </p:par>
+                              <p:par>
+                                <p:cTn id="17" presetID="1" presetClass="entr" presetSubtype="0" fill="hold" grpId="0" nodeType="withEffect">
+                                  <p:stCondLst>
+                                    <p:cond delay="0"/>
+                                  </p:stCondLst>
+                                  <p:childTnLst>
+                                    <p:set>
+                                      <p:cBhvr>
+                                        <p:cTn id="18" dur="1" fill="hold">
+                                          <p:stCondLst>
+                                            <p:cond delay="0"/>
+                                          </p:stCondLst>
+                                        </p:cTn>
+                                        <p:tgtEl>
+                                          <p:spTgt spid="10"/>
+                                        </p:tgtEl>
+                                        <p:attrNameLst>
+                                          <p:attrName>style.visibility</p:attrName>
+                                        </p:attrNameLst>
+                                      </p:cBhvr>
+                                      <p:to>
+                                        <p:strVal val="visible"/>
+                                      </p:to>
+                                    </p:set>
+                                  </p:childTnLst>
+                                </p:cTn>
+                              </p:par>
+                              <p:par>
+                                <p:cTn id="19" presetID="1" presetClass="entr" presetSubtype="0" fill="hold" grpId="0" nodeType="withEffect">
+                                  <p:stCondLst>
+                                    <p:cond delay="0"/>
+                                  </p:stCondLst>
+                                  <p:childTnLst>
+                                    <p:set>
+                                      <p:cBhvr>
+                                        <p:cTn id="20" dur="1" fill="hold">
+                                          <p:stCondLst>
+                                            <p:cond delay="0"/>
+                                          </p:stCondLst>
+                                        </p:cTn>
+                                        <p:tgtEl>
+                                          <p:spTgt spid="9"/>
+                                        </p:tgtEl>
+                                        <p:attrNameLst>
+                                          <p:attrName>style.visibility</p:attrName>
+                                        </p:attrNameLst>
+                                      </p:cBhvr>
+                                      <p:to>
+                                        <p:strVal val="visible"/>
+                                      </p:to>
+                                    </p:set>
+                                  </p:childTnLst>
+                                </p:cTn>
+                              </p:par>
+                            </p:childTnLst>
+                          </p:cTn>
+                        </p:par>
+                      </p:childTnLst>
+                    </p:cTn>
+                  </p:par>
+                  <p:par>
+                    <p:cTn id="21" fill="hold">
+                      <p:stCondLst>
+                        <p:cond delay="indefinite"/>
+                      </p:stCondLst>
+                      <p:childTnLst>
+                        <p:par>
+                          <p:cTn id="22" fill="hold">
+                            <p:stCondLst>
+                              <p:cond delay="0"/>
+                            </p:stCondLst>
+                            <p:childTnLst>
+                              <p:par>
+                                <p:cTn id="23" presetID="1" presetClass="entr" presetSubtype="0" fill="hold" grpId="0" nodeType="clickEffect">
+                                  <p:stCondLst>
+                                    <p:cond delay="0"/>
+                                  </p:stCondLst>
+                                  <p:childTnLst>
+                                    <p:set>
+                                      <p:cBhvr>
+                                        <p:cTn id="24" dur="1" fill="hold">
+                                          <p:stCondLst>
+                                            <p:cond delay="0"/>
+                                          </p:stCondLst>
+                                        </p:cTn>
+                                        <p:tgtEl>
+                                          <p:spTgt spid="5"/>
+                                        </p:tgtEl>
+                                        <p:attrNameLst>
+                                          <p:attrName>style.visibility</p:attrName>
+                                        </p:attrNameLst>
+                                      </p:cBhvr>
+                                      <p:to>
+                                        <p:strVal val="visible"/>
+                                      </p:to>
+                                    </p:set>
+                                  </p:childTnLst>
+                                </p:cTn>
+                              </p:par>
+                              <p:par>
+                                <p:cTn id="25" presetID="1" presetClass="entr" presetSubtype="0" fill="hold" grpId="0" nodeType="withEffect">
+                                  <p:stCondLst>
+                                    <p:cond delay="0"/>
+                                  </p:stCondLst>
+                                  <p:childTnLst>
+                                    <p:set>
+                                      <p:cBhvr>
+                                        <p:cTn id="26" dur="1" fill="hold">
+                                          <p:stCondLst>
+                                            <p:cond delay="0"/>
+                                          </p:stCondLst>
+                                        </p:cTn>
+                                        <p:tgtEl>
+                                          <p:spTgt spid="6"/>
+                                        </p:tgtEl>
+                                        <p:attrNameLst>
+                                          <p:attrName>style.visibility</p:attrName>
+                                        </p:attrNameLst>
+                                      </p:cBhvr>
+                                      <p:to>
+                                        <p:strVal val="visible"/>
+                                      </p:to>
+                                    </p:set>
+                                  </p:childTnLst>
+                                </p:cTn>
+                              </p:par>
+                            </p:childTnLst>
+                          </p:cTn>
+                        </p:par>
+                      </p:childTnLst>
+                    </p:cTn>
+                  </p:par>
+                  <p:par>
+                    <p:cTn id="27" fill="hold">
+                      <p:stCondLst>
+                        <p:cond delay="indefinite"/>
+                      </p:stCondLst>
+                      <p:childTnLst>
+                        <p:par>
+                          <p:cTn id="28" fill="hold">
+                            <p:stCondLst>
+                              <p:cond delay="0"/>
+                            </p:stCondLst>
+                            <p:childTnLst>
+                              <p:par>
+                                <p:cTn id="29" presetID="1" presetClass="entr" presetSubtype="0" fill="hold" grpId="0" nodeType="clickEffect">
+                                  <p:stCondLst>
+                                    <p:cond delay="0"/>
+                                  </p:stCondLst>
+                                  <p:childTnLst>
+                                    <p:set>
+                                      <p:cBhvr>
+                                        <p:cTn id="30" dur="1" fill="hold">
+                                          <p:stCondLst>
+                                            <p:cond delay="0"/>
+                                          </p:stCondLst>
+                                        </p:cTn>
+                                        <p:tgtEl>
+                                          <p:spTgt spid="7"/>
+                                        </p:tgtEl>
+                                        <p:attrNameLst>
+                                          <p:attrName>style.visibility</p:attrName>
+                                        </p:attrNameLst>
+                                      </p:cBhvr>
+                                      <p:to>
+                                        <p:strVal val="visible"/>
+                                      </p:to>
+                                    </p:set>
+                                  </p:childTnLst>
+                                </p:cTn>
+                              </p:par>
+                            </p:childTnLst>
+                          </p:cTn>
+                        </p:par>
+                      </p:childTnLst>
+                    </p:cTn>
+                  </p:par>
+                  <p:par>
+                    <p:cTn id="31" fill="hold">
+                      <p:stCondLst>
+                        <p:cond delay="indefinite"/>
+                      </p:stCondLst>
+                      <p:childTnLst>
+                        <p:par>
+                          <p:cTn id="32" fill="hold">
+                            <p:stCondLst>
+                              <p:cond delay="0"/>
+                            </p:stCondLst>
+                            <p:childTnLst>
+                              <p:par>
+                                <p:cTn id="33" presetID="1" presetClass="entr" presetSubtype="0" fill="hold" nodeType="clickEffect">
+                                  <p:stCondLst>
+                                    <p:cond delay="0"/>
+                                  </p:stCondLst>
+                                  <p:childTnLst>
+                                    <p:set>
+                                      <p:cBhvr>
+                                        <p:cTn id="34" dur="1" fill="hold">
+                                          <p:stCondLst>
+                                            <p:cond delay="0"/>
+                                          </p:stCondLst>
+                                        </p:cTn>
+                                        <p:tgtEl>
+                                          <p:spTgt spid="2">
+                                            <p:txEl>
+                                              <p:pRg st="1" end="1"/>
+                                            </p:txEl>
+                                          </p:spTgt>
+                                        </p:tgtEl>
+                                        <p:attrNameLst>
+                                          <p:attrName>style.visibility</p:attrName>
+                                        </p:attrNameLst>
+                                      </p:cBhvr>
+                                      <p:to>
+                                        <p:strVal val="visible"/>
+                                      </p:to>
+                                    </p:set>
+                                  </p:childTnLst>
+                                </p:cTn>
+                              </p:par>
+                            </p:childTnLst>
+                          </p:cTn>
+                        </p:par>
+                      </p:childTnLst>
+                    </p:cTn>
+                  </p:par>
+                  <p:par>
+                    <p:cTn id="35" fill="hold">
+                      <p:stCondLst>
+                        <p:cond delay="indefinite"/>
+                      </p:stCondLst>
+                      <p:childTnLst>
+                        <p:par>
+                          <p:cTn id="36" fill="hold">
+                            <p:stCondLst>
+                              <p:cond delay="0"/>
+                            </p:stCondLst>
+                            <p:childTnLst>
+                              <p:par>
+                                <p:cTn id="37" presetID="1" presetClass="entr" presetSubtype="0" fill="hold" nodeType="clickEffect">
+                                  <p:stCondLst>
+                                    <p:cond delay="0"/>
+                                  </p:stCondLst>
+                                  <p:childTnLst>
+                                    <p:set>
+                                      <p:cBhvr>
+                                        <p:cTn id="38" dur="1" fill="hold">
+                                          <p:stCondLst>
+                                            <p:cond delay="0"/>
+                                          </p:stCondLst>
+                                        </p:cTn>
+                                        <p:tgtEl>
+                                          <p:spTgt spid="2">
+                                            <p:txEl>
+                                              <p:pRg st="2" end="2"/>
+                                            </p:txEl>
+                                          </p:spTgt>
+                                        </p:tgtEl>
+                                        <p:attrNameLst>
+                                          <p:attrName>style.visibility</p:attrName>
+                                        </p:attrNameLst>
+                                      </p:cBhvr>
+                                      <p:to>
+                                        <p:strVal val="visible"/>
+                                      </p:to>
+                                    </p:set>
+                                  </p:childTnLst>
+                                </p:cTn>
+                              </p:par>
+                              <p:par>
+                                <p:cTn id="39" presetID="1" presetClass="entr" presetSubtype="0" fill="hold" nodeType="withEffect">
+                                  <p:stCondLst>
+                                    <p:cond delay="0"/>
+                                  </p:stCondLst>
+                                  <p:childTnLst>
+                                    <p:set>
+                                      <p:cBhvr>
+                                        <p:cTn id="40" dur="1" fill="hold">
+                                          <p:stCondLst>
+                                            <p:cond delay="0"/>
+                                          </p:stCondLst>
+                                        </p:cTn>
+                                        <p:tgtEl>
+                                          <p:spTgt spid="2">
+                                            <p:txEl>
+                                              <p:pRg st="3" end="3"/>
+                                            </p:txEl>
+                                          </p:spTgt>
+                                        </p:tgtEl>
+                                        <p:attrNameLst>
+                                          <p:attrName>style.visibility</p:attrName>
+                                        </p:attrNameLst>
+                                      </p:cBhvr>
+                                      <p:to>
+                                        <p:strVal val="visible"/>
+                                      </p:to>
+                                    </p:set>
+                                  </p:childTnLst>
+                                </p:cTn>
+                              </p:par>
+                              <p:par>
+                                <p:cTn id="41" presetID="1" presetClass="entr" presetSubtype="0" fill="hold" nodeType="withEffect">
+                                  <p:stCondLst>
+                                    <p:cond delay="0"/>
+                                  </p:stCondLst>
+                                  <p:childTnLst>
+                                    <p:set>
+                                      <p:cBhvr>
+                                        <p:cTn id="42" dur="1" fill="hold">
+                                          <p:stCondLst>
+                                            <p:cond delay="0"/>
+                                          </p:stCondLst>
+                                        </p:cTn>
+                                        <p:tgtEl>
+                                          <p:spTgt spid="2">
+                                            <p:txEl>
+                                              <p:pRg st="4" end="4"/>
+                                            </p:txEl>
+                                          </p:spTgt>
+                                        </p:tgtEl>
+                                        <p:attrNameLst>
+                                          <p:attrName>style.visibility</p:attrName>
+                                        </p:attrNameLst>
+                                      </p:cBhvr>
+                                      <p:to>
+                                        <p:strVal val="visible"/>
+                                      </p:to>
+                                    </p:set>
+                                  </p:childTnLst>
+                                </p:cTn>
+                              </p:par>
+                            </p:childTnLst>
+                          </p:cTn>
+                        </p:par>
+                      </p:childTnLst>
+                    </p:cTn>
+                  </p:par>
+                  <p:par>
+                    <p:cTn id="43" fill="hold">
+                      <p:stCondLst>
+                        <p:cond delay="indefinite"/>
+                      </p:stCondLst>
+                      <p:childTnLst>
+                        <p:par>
+                          <p:cTn id="44" fill="hold">
+                            <p:stCondLst>
+                              <p:cond delay="0"/>
+                            </p:stCondLst>
+                            <p:childTnLst>
+                              <p:par>
+                                <p:cTn id="45" presetID="1" presetClass="entr" presetSubtype="0" fill="hold" nodeType="clickEffect">
+                                  <p:stCondLst>
+                                    <p:cond delay="0"/>
+                                  </p:stCondLst>
+                                  <p:childTnLst>
+                                    <p:set>
+                                      <p:cBhvr>
+                                        <p:cTn id="46" dur="1" fill="hold">
+                                          <p:stCondLst>
+                                            <p:cond delay="0"/>
+                                          </p:stCondLst>
+                                        </p:cTn>
+                                        <p:tgtEl>
+                                          <p:spTgt spid="2">
+                                            <p:txEl>
+                                              <p:pRg st="5" end="5"/>
+                                            </p:txEl>
+                                          </p:spTgt>
+                                        </p:tgtEl>
+                                        <p:attrNameLst>
+                                          <p:attrName>style.visibility</p:attrName>
+                                        </p:attrNameLst>
+                                      </p:cBhvr>
+                                      <p:to>
+                                        <p:strVal val="visible"/>
+                                      </p:to>
+                                    </p:set>
+                                  </p:childTnLst>
+                                </p:cTn>
+                              </p:par>
+                              <p:par>
+                                <p:cTn id="47" presetID="1" presetClass="entr" presetSubtype="0" fill="hold" nodeType="withEffect">
+                                  <p:stCondLst>
+                                    <p:cond delay="0"/>
+                                  </p:stCondLst>
+                                  <p:childTnLst>
+                                    <p:set>
+                                      <p:cBhvr>
+                                        <p:cTn id="48" dur="1" fill="hold">
+                                          <p:stCondLst>
+                                            <p:cond delay="0"/>
+                                          </p:stCondLst>
+                                        </p:cTn>
+                                        <p:tgtEl>
+                                          <p:spTgt spid="13"/>
+                                        </p:tgtEl>
+                                        <p:attrNameLst>
+                                          <p:attrName>style.visibility</p:attrName>
+                                        </p:attrNameLst>
+                                      </p:cBhvr>
+                                      <p:to>
+                                        <p:strVal val="visible"/>
+                                      </p:to>
+                                    </p:set>
+                                  </p:childTnLst>
+                                </p:cTn>
+                              </p:par>
+                              <p:par>
+                                <p:cTn id="49" presetID="1" presetClass="entr" presetSubtype="0" fill="hold" nodeType="withEffect">
+                                  <p:stCondLst>
+                                    <p:cond delay="0"/>
+                                  </p:stCondLst>
+                                  <p:childTnLst>
+                                    <p:set>
+                                      <p:cBhvr>
+                                        <p:cTn id="50" dur="1" fill="hold">
+                                          <p:stCondLst>
+                                            <p:cond delay="0"/>
+                                          </p:stCondLst>
+                                        </p:cTn>
+                                        <p:tgtEl>
+                                          <p:spTgt spid="19"/>
+                                        </p:tgtEl>
+                                        <p:attrNameLst>
+                                          <p:attrName>style.visibility</p:attrName>
+                                        </p:attrNameLst>
+                                      </p:cBhvr>
+                                      <p:to>
+                                        <p:strVal val="visible"/>
+                                      </p:to>
+                                    </p:set>
+                                  </p:childTnLst>
+                                </p:cTn>
+                              </p:par>
+                            </p:childTnLst>
+                          </p:cTn>
+                        </p:par>
+                      </p:childTnLst>
+                    </p:cTn>
+                  </p:par>
+                  <p:par>
+                    <p:cTn id="51" fill="hold">
+                      <p:stCondLst>
+                        <p:cond delay="indefinite"/>
+                      </p:stCondLst>
+                      <p:childTnLst>
+                        <p:par>
+                          <p:cTn id="52" fill="hold">
+                            <p:stCondLst>
+                              <p:cond delay="0"/>
+                            </p:stCondLst>
+                            <p:childTnLst>
+                              <p:par>
+                                <p:cTn id="53" presetID="1" presetClass="entr" presetSubtype="0" fill="hold" nodeType="clickEffect">
+                                  <p:stCondLst>
+                                    <p:cond delay="0"/>
+                                  </p:stCondLst>
+                                  <p:childTnLst>
+                                    <p:set>
+                                      <p:cBhvr>
+                                        <p:cTn id="54" dur="1" fill="hold">
+                                          <p:stCondLst>
+                                            <p:cond delay="0"/>
+                                          </p:stCondLst>
+                                        </p:cTn>
+                                        <p:tgtEl>
+                                          <p:spTgt spid="2">
+                                            <p:txEl>
+                                              <p:pRg st="6" end="6"/>
+                                            </p:txEl>
+                                          </p:spTgt>
+                                        </p:tgtEl>
+                                        <p:attrNameLst>
+                                          <p:attrName>style.visibility</p:attrName>
+                                        </p:attrNameLst>
+                                      </p:cBhvr>
+                                      <p:to>
+                                        <p:strVal val="visible"/>
+                                      </p:to>
+                                    </p:set>
+                                  </p:childTnLst>
+                                </p:cTn>
+                              </p:par>
+                            </p:childTnLst>
+                          </p:cTn>
+                        </p:par>
+                      </p:childTnLst>
+                    </p:cTn>
+                  </p:par>
+                  <p:par>
+                    <p:cTn id="55" fill="hold">
+                      <p:stCondLst>
+                        <p:cond delay="indefinite"/>
+                      </p:stCondLst>
+                      <p:childTnLst>
+                        <p:par>
+                          <p:cTn id="56" fill="hold">
+                            <p:stCondLst>
+                              <p:cond delay="0"/>
+                            </p:stCondLst>
+                            <p:childTnLst>
+                              <p:par>
+                                <p:cTn id="57" presetID="1" presetClass="entr" presetSubtype="0" fill="hold" nodeType="clickEffect">
+                                  <p:stCondLst>
+                                    <p:cond delay="0"/>
+                                  </p:stCondLst>
+                                  <p:childTnLst>
+                                    <p:set>
+                                      <p:cBhvr>
+                                        <p:cTn id="58" dur="1" fill="hold">
+                                          <p:stCondLst>
+                                            <p:cond delay="0"/>
+                                          </p:stCondLst>
+                                        </p:cTn>
+                                        <p:tgtEl>
+                                          <p:spTgt spid="2">
+                                            <p:txEl>
+                                              <p:pRg st="7" end="7"/>
+                                            </p:txEl>
+                                          </p:spTgt>
+                                        </p:tgtEl>
+                                        <p:attrNameLst>
+                                          <p:attrName>style.visibility</p:attrName>
+                                        </p:attrNameLst>
+                                      </p:cBhvr>
+                                      <p:to>
+                                        <p:strVal val="visible"/>
+                                      </p:to>
+                                    </p:set>
+                                  </p:childTnLst>
+                                </p:cTn>
+                              </p:par>
+                              <p:par>
+                                <p:cTn id="59" presetID="1" presetClass="entr" presetSubtype="0" fill="hold" grpId="0" nodeType="withEffect">
+                                  <p:stCondLst>
+                                    <p:cond delay="0"/>
+                                  </p:stCondLst>
+                                  <p:childTnLst>
+                                    <p:set>
+                                      <p:cBhvr>
+                                        <p:cTn id="60" dur="1" fill="hold">
+                                          <p:stCondLst>
+                                            <p:cond delay="0"/>
+                                          </p:stCondLst>
+                                        </p:cTn>
+                                        <p:tgtEl>
+                                          <p:spTgt spid="20"/>
+                                        </p:tgtEl>
+                                        <p:attrNameLst>
+                                          <p:attrName>style.visibility</p:attrName>
+                                        </p:attrNameLst>
+                                      </p:cBhvr>
+                                      <p:to>
+                                        <p:strVal val="visible"/>
+                                      </p:to>
+                                    </p:set>
+                                  </p:childTnLst>
+                                </p:cTn>
+                              </p:par>
+                              <p:par>
+                                <p:cTn id="61" presetID="1" presetClass="entr" presetSubtype="0" fill="hold" grpId="0" nodeType="withEffect">
+                                  <p:stCondLst>
+                                    <p:cond delay="0"/>
+                                  </p:stCondLst>
+                                  <p:childTnLst>
+                                    <p:set>
+                                      <p:cBhvr>
+                                        <p:cTn id="62" dur="1" fill="hold">
+                                          <p:stCondLst>
+                                            <p:cond delay="0"/>
+                                          </p:stCondLst>
+                                        </p:cTn>
+                                        <p:tgtEl>
+                                          <p:spTgt spid="21"/>
+                                        </p:tgtEl>
+                                        <p:attrNameLst>
+                                          <p:attrName>style.visibility</p:attrName>
+                                        </p:attrNameLst>
+                                      </p:cBhvr>
+                                      <p:to>
+                                        <p:strVal val="visible"/>
+                                      </p:to>
+                                    </p:set>
+                                  </p:childTnLst>
+                                </p:cTn>
+                              </p:par>
+                              <p:par>
+                                <p:cTn id="63" presetID="1" presetClass="entr" presetSubtype="0" fill="hold" grpId="0" nodeType="withEffect">
+                                  <p:stCondLst>
+                                    <p:cond delay="0"/>
+                                  </p:stCondLst>
+                                  <p:childTnLst>
+                                    <p:set>
+                                      <p:cBhvr>
+                                        <p:cTn id="64" dur="1" fill="hold">
+                                          <p:stCondLst>
+                                            <p:cond delay="0"/>
+                                          </p:stCondLst>
+                                        </p:cTn>
+                                        <p:tgtEl>
+                                          <p:spTgt spid="22"/>
+                                        </p:tgtEl>
+                                        <p:attrNameLst>
+                                          <p:attrName>style.visibility</p:attrName>
+                                        </p:attrNameLst>
+                                      </p:cBhvr>
+                                      <p:to>
+                                        <p:strVal val="visible"/>
+                                      </p:to>
+                                    </p:set>
+                                  </p:childTnLst>
+                                </p:cTn>
+                              </p:par>
+                            </p:childTnLst>
+                          </p:cTn>
+                        </p:par>
+                      </p:childTnLst>
+                    </p:cTn>
+                  </p:par>
+                  <p:par>
+                    <p:cTn id="65" fill="hold">
+                      <p:stCondLst>
+                        <p:cond delay="indefinite"/>
+                      </p:stCondLst>
+                      <p:childTnLst>
+                        <p:par>
+                          <p:cTn id="66" fill="hold">
+                            <p:stCondLst>
+                              <p:cond delay="0"/>
+                            </p:stCondLst>
+                            <p:childTnLst>
+                              <p:par>
+                                <p:cTn id="67" presetID="1" presetClass="entr" presetSubtype="0" fill="hold" nodeType="clickEffect">
+                                  <p:stCondLst>
+                                    <p:cond delay="0"/>
+                                  </p:stCondLst>
+                                  <p:childTnLst>
+                                    <p:set>
+                                      <p:cBhvr>
+                                        <p:cTn id="68" dur="1" fill="hold">
+                                          <p:stCondLst>
+                                            <p:cond delay="0"/>
+                                          </p:stCondLst>
+                                        </p:cTn>
+                                        <p:tgtEl>
+                                          <p:spTgt spid="2">
+                                            <p:txEl>
+                                              <p:pRg st="8" end="8"/>
+                                            </p:txEl>
+                                          </p:spTgt>
+                                        </p:tgtEl>
+                                        <p:attrNameLst>
+                                          <p:attrName>style.visibility</p:attrName>
+                                        </p:attrNameLst>
+                                      </p:cBhvr>
+                                      <p:to>
+                                        <p:strVal val="visible"/>
+                                      </p:to>
+                                    </p:set>
+                                  </p:childTnLst>
+                                </p:cTn>
+                              </p:par>
+                            </p:childTnLst>
+                          </p:cTn>
+                        </p:par>
+                      </p:childTnLst>
+                    </p:cTn>
+                  </p:par>
+                </p:childTnLst>
+              </p:cTn>
+              <p:prevCondLst>
+                <p:cond evt="onPrev" delay="0">
+                  <p:tgtEl>
+                    <p:sldTgt/>
+                  </p:tgtEl>
+                </p:cond>
+              </p:prevCondLst>
+              <p:nextCondLst>
+                <p:cond evt="onNext" delay="0">
+                  <p:tgtEl>
+                    <p:sldTgt/>
+                  </p:tgtEl>
+                </p:cond>
+              </p:nextCondLst>
+            </p:seq>
+          </p:childTnLst>
+        </p:cTn>
+      </p:par>
+    </p:tnLst>
+    <p:bldLst>
+      <p:bldP spid="9" grpId="0"/>
+      <p:bldP spid="10" grpId="0"/>
+      <p:bldP spid="11" grpId="0"/>
+      <p:bldP spid="12" grpId="0"/>
+      <p:bldP spid="5" grpId="0"/>
+      <p:bldP spid="6" grpId="0"/>
+      <p:bldP spid="7" grpId="0"/>
+      <p:bldP spid="20" grpId="0" animBg="1"/>
+      <p:bldP spid="21" grpId="0" animBg="1"/>
+      <p:bldP spid="22" grpId="0"/>
+    </p:bldLst>
+  </p:timing>
+</p:sld>
+</file>
+
+<file path=ppt/slides/slide9.xml><?xml version="1.0" encoding="utf-8"?>
+<p:sld xmlns:a="http://schemas.openxmlformats.org/drawingml/2006/main" xmlns:r="http://schemas.openxmlformats.org/officeDocument/2006/relationships" xmlns:p="http://schemas.openxmlformats.org/presentationml/2006/main">
+  <p:cSld>
+    <p:spTree>
+      <p:nvGrpSpPr>
+        <p:cNvPr id="1" name=""/>
+        <p:cNvGrpSpPr/>
+        <p:nvPr/>
+      </p:nvGrpSpPr>
+      <p:grpSpPr>
+        <a:xfrm>
+          <a:off x="0" y="0"/>
+          <a:ext cx="0" cy="0"/>
+          <a:chOff x="0" y="0"/>
+          <a:chExt cx="0" cy="0"/>
+        </a:xfrm>
+      </p:grpSpPr>
+      <p:sp>
+        <p:nvSpPr>
+          <p:cNvPr id="3" name="Content Placeholder 2">
+            <a:extLst>
+              <a:ext uri="{FF2B5EF4-FFF2-40B4-BE49-F238E27FC236}">
+                <a16:creationId xmlns:a16="http://schemas.microsoft.com/office/drawing/2014/main" id="{0CD134BF-C081-B048-6D93-6BAC8903388D}"/>
+              </a:ext>
+            </a:extLst>
+          </p:cNvPr>
+          <p:cNvSpPr>
+            <a:spLocks noGrp="1"/>
+          </p:cNvSpPr>
+          <p:nvPr>
+            <p:ph idx="1"/>
+          </p:nvPr>
+        </p:nvSpPr>
+        <p:spPr>
+          <a:xfrm>
+            <a:off x="522111" y="324202"/>
+            <a:ext cx="10515600" cy="4981576"/>
+          </a:xfrm>
+        </p:spPr>
+        <p:txBody>
+          <a:bodyPr/>
+          <a:lstStyle/>
+          <a:p>
+            <a:r>
+              <a:rPr lang="en-US" dirty="0"/>
+              <a:t>Mapping with sf, leaflet, …</a:t>
+            </a:r>
+          </a:p>
+          <a:p>
+            <a:pPr lvl="1"/>
+            <a:r>
+              <a:rPr lang="en-US" dirty="0"/>
+              <a:t>Yes, you can GIS with R!</a:t>
+            </a:r>
+          </a:p>
+          <a:p>
+            <a:pPr marL="0" indent="0">
+              <a:buNone/>
+            </a:pPr>
+            <a:endParaRPr lang="en-US" dirty="0"/>
+          </a:p>
+        </p:txBody>
+      </p:sp>
+      <p:pic>
+        <p:nvPicPr>
+          <p:cNvPr id="1026" name="Picture 2">
+            <a:extLst>
+              <a:ext uri="{FF2B5EF4-FFF2-40B4-BE49-F238E27FC236}">
+                <a16:creationId xmlns:a16="http://schemas.microsoft.com/office/drawing/2014/main" id="{92889772-DCEE-3D90-C624-CCC56AD17BB5}"/>
+              </a:ext>
+            </a:extLst>
+          </p:cNvPr>
+          <p:cNvPicPr>
+            <a:picLocks noChangeAspect="1" noChangeArrowheads="1"/>
+          </p:cNvPicPr>
+          <p:nvPr/>
+        </p:nvPicPr>
+        <p:blipFill>
+          <a:blip r:embed="rId3">
+            <a:extLst>
+              <a:ext uri="{28A0092B-C50C-407E-A947-70E740481C1C}">
+                <a14:useLocalDpi xmlns:a14="http://schemas.microsoft.com/office/drawing/2010/main" val="0"/>
+              </a:ext>
+            </a:extLst>
+          </a:blip>
+          <a:srcRect/>
+          <a:stretch>
+            <a:fillRect/>
+          </a:stretch>
+        </p:blipFill>
+        <p:spPr bwMode="auto">
+          <a:xfrm>
+            <a:off x="4820888" y="982084"/>
+            <a:ext cx="7217228" cy="5551714"/>
+          </a:xfrm>
+          <a:prstGeom prst="rect">
+            <a:avLst/>
+          </a:prstGeom>
+          <a:noFill/>
+          <a:extLst>
+            <a:ext uri="{909E8E84-426E-40DD-AFC4-6F175D3DCCD1}">
+              <a14:hiddenFill xmlns:a14="http://schemas.microsoft.com/office/drawing/2010/main">
+                <a:solidFill>
+                  <a:srgbClr val="FFFFFF"/>
+                </a:solidFill>
+              </a14:hiddenFill>
+            </a:ext>
+          </a:extLst>
+        </p:spPr>
+      </p:pic>
+    </p:spTree>
+    <p:extLst>
+      <p:ext uri="{BB962C8B-B14F-4D97-AF65-F5344CB8AC3E}">
+        <p14:creationId xmlns:p14="http://schemas.microsoft.com/office/powerpoint/2010/main" val="2730994372"/>
+      </p:ext>
+    </p:extLst>
+  </p:cSld>
+  <p:clrMapOvr>
+    <a:masterClrMapping/>
+  </p:clrMapOvr>
 </p:sld>
 </file>
 

--- a/presentations/8 - The adventure begins.pptx
+++ b/presentations/8 - The adventure begins.pptx
@@ -206,7 +206,7 @@
           <a:p>
             <a:fld id="{F66424AC-637E-4C16-A5EC-04F4842B5A71}" type="datetimeFigureOut">
               <a:rPr lang="en-US" smtClean="0"/>
-              <a:t>4/8/2025</a:t>
+              <a:t>4/10/2025</a:t>
             </a:fld>
             <a:endParaRPr lang="en-US"/>
           </a:p>
@@ -519,7 +519,15 @@
           <a:p>
             <a:r>
               <a:rPr lang="en-US" dirty="0"/>
-              <a:t>So the class that Justin and I would LOVE to teach someday is intermediate/advanced R.  Which maybe we will someday.</a:t>
+              <a:t>So the class </a:t>
+            </a:r>
+            <a:r>
+              <a:rPr lang="en-US"/>
+              <a:t>that Logan </a:t>
+            </a:r>
+            <a:r>
+              <a:rPr lang="en-US" dirty="0"/>
+              <a:t>and I would LOVE to teach someday is intermediate/advanced R.  Which maybe we will someday.</a:t>
             </a:r>
           </a:p>
           <a:p>
@@ -1673,7 +1681,7 @@
           <a:p>
             <a:fld id="{F9F57C4A-2F7E-45A6-9631-DF8F6C2C902F}" type="datetimeFigureOut">
               <a:rPr lang="en-US" smtClean="0"/>
-              <a:t>4/8/2025</a:t>
+              <a:t>4/10/2025</a:t>
             </a:fld>
             <a:endParaRPr lang="en-US"/>
           </a:p>
@@ -1871,7 +1879,7 @@
           <a:p>
             <a:fld id="{F9F57C4A-2F7E-45A6-9631-DF8F6C2C902F}" type="datetimeFigureOut">
               <a:rPr lang="en-US" smtClean="0"/>
-              <a:t>4/8/2025</a:t>
+              <a:t>4/10/2025</a:t>
             </a:fld>
             <a:endParaRPr lang="en-US"/>
           </a:p>
@@ -2079,7 +2087,7 @@
           <a:p>
             <a:fld id="{F9F57C4A-2F7E-45A6-9631-DF8F6C2C902F}" type="datetimeFigureOut">
               <a:rPr lang="en-US" smtClean="0"/>
-              <a:t>4/8/2025</a:t>
+              <a:t>4/10/2025</a:t>
             </a:fld>
             <a:endParaRPr lang="en-US"/>
           </a:p>
@@ -2277,7 +2285,7 @@
           <a:p>
             <a:fld id="{F9F57C4A-2F7E-45A6-9631-DF8F6C2C902F}" type="datetimeFigureOut">
               <a:rPr lang="en-US" smtClean="0"/>
-              <a:t>4/8/2025</a:t>
+              <a:t>4/10/2025</a:t>
             </a:fld>
             <a:endParaRPr lang="en-US"/>
           </a:p>
@@ -2552,7 +2560,7 @@
           <a:p>
             <a:fld id="{F9F57C4A-2F7E-45A6-9631-DF8F6C2C902F}" type="datetimeFigureOut">
               <a:rPr lang="en-US" smtClean="0"/>
-              <a:t>4/8/2025</a:t>
+              <a:t>4/10/2025</a:t>
             </a:fld>
             <a:endParaRPr lang="en-US"/>
           </a:p>
@@ -2817,7 +2825,7 @@
           <a:p>
             <a:fld id="{F9F57C4A-2F7E-45A6-9631-DF8F6C2C902F}" type="datetimeFigureOut">
               <a:rPr lang="en-US" smtClean="0"/>
-              <a:t>4/8/2025</a:t>
+              <a:t>4/10/2025</a:t>
             </a:fld>
             <a:endParaRPr lang="en-US"/>
           </a:p>
@@ -3229,7 +3237,7 @@
           <a:p>
             <a:fld id="{F9F57C4A-2F7E-45A6-9631-DF8F6C2C902F}" type="datetimeFigureOut">
               <a:rPr lang="en-US" smtClean="0"/>
-              <a:t>4/8/2025</a:t>
+              <a:t>4/10/2025</a:t>
             </a:fld>
             <a:endParaRPr lang="en-US"/>
           </a:p>
@@ -3370,7 +3378,7 @@
           <a:p>
             <a:fld id="{F9F57C4A-2F7E-45A6-9631-DF8F6C2C902F}" type="datetimeFigureOut">
               <a:rPr lang="en-US" smtClean="0"/>
-              <a:t>4/8/2025</a:t>
+              <a:t>4/10/2025</a:t>
             </a:fld>
             <a:endParaRPr lang="en-US"/>
           </a:p>
@@ -3483,7 +3491,7 @@
           <a:p>
             <a:fld id="{F9F57C4A-2F7E-45A6-9631-DF8F6C2C902F}" type="datetimeFigureOut">
               <a:rPr lang="en-US" smtClean="0"/>
-              <a:t>4/8/2025</a:t>
+              <a:t>4/10/2025</a:t>
             </a:fld>
             <a:endParaRPr lang="en-US"/>
           </a:p>
@@ -3794,7 +3802,7 @@
           <a:p>
             <a:fld id="{F9F57C4A-2F7E-45A6-9631-DF8F6C2C902F}" type="datetimeFigureOut">
               <a:rPr lang="en-US" smtClean="0"/>
-              <a:t>4/8/2025</a:t>
+              <a:t>4/10/2025</a:t>
             </a:fld>
             <a:endParaRPr lang="en-US"/>
           </a:p>
@@ -4082,7 +4090,7 @@
           <a:p>
             <a:fld id="{F9F57C4A-2F7E-45A6-9631-DF8F6C2C902F}" type="datetimeFigureOut">
               <a:rPr lang="en-US" smtClean="0"/>
-              <a:t>4/8/2025</a:t>
+              <a:t>4/10/2025</a:t>
             </a:fld>
             <a:endParaRPr lang="en-US"/>
           </a:p>
@@ -4323,7 +4331,7 @@
           <a:p>
             <a:fld id="{F9F57C4A-2F7E-45A6-9631-DF8F6C2C902F}" type="datetimeFigureOut">
               <a:rPr lang="en-US" smtClean="0"/>
-              <a:t>4/8/2025</a:t>
+              <a:t>4/10/2025</a:t>
             </a:fld>
             <a:endParaRPr lang="en-US"/>
           </a:p>

--- a/presentations/8 - The adventure begins.pptx
+++ b/presentations/8 - The adventure begins.pptx
@@ -5,7 +5,7 @@
     <p:sldMasterId id="2147483648" r:id="rId1"/>
   </p:sldMasterIdLst>
   <p:notesMasterIdLst>
-    <p:notesMasterId r:id="rId12"/>
+    <p:notesMasterId r:id="rId15"/>
   </p:notesMasterIdLst>
   <p:sldIdLst>
     <p:sldId id="256" r:id="rId2"/>
@@ -18,6 +18,9 @@
     <p:sldId id="265" r:id="rId9"/>
     <p:sldId id="261" r:id="rId10"/>
     <p:sldId id="262" r:id="rId11"/>
+    <p:sldId id="266" r:id="rId12"/>
+    <p:sldId id="267" r:id="rId13"/>
+    <p:sldId id="268" r:id="rId14"/>
   </p:sldIdLst>
   <p:sldSz cx="12192000" cy="6858000"/>
   <p:notesSz cx="6858000" cy="9144000"/>
@@ -206,7 +209,7 @@
           <a:p>
             <a:fld id="{F66424AC-637E-4C16-A5EC-04F4842B5A71}" type="datetimeFigureOut">
               <a:rPr lang="en-US" smtClean="0"/>
-              <a:t>4/10/2025</a:t>
+              <a:t>4/14/2025</a:t>
             </a:fld>
             <a:endParaRPr lang="en-US"/>
           </a:p>
@@ -1681,7 +1684,7 @@
           <a:p>
             <a:fld id="{F9F57C4A-2F7E-45A6-9631-DF8F6C2C902F}" type="datetimeFigureOut">
               <a:rPr lang="en-US" smtClean="0"/>
-              <a:t>4/10/2025</a:t>
+              <a:t>4/14/2025</a:t>
             </a:fld>
             <a:endParaRPr lang="en-US"/>
           </a:p>
@@ -1879,7 +1882,7 @@
           <a:p>
             <a:fld id="{F9F57C4A-2F7E-45A6-9631-DF8F6C2C902F}" type="datetimeFigureOut">
               <a:rPr lang="en-US" smtClean="0"/>
-              <a:t>4/10/2025</a:t>
+              <a:t>4/14/2025</a:t>
             </a:fld>
             <a:endParaRPr lang="en-US"/>
           </a:p>
@@ -2087,7 +2090,7 @@
           <a:p>
             <a:fld id="{F9F57C4A-2F7E-45A6-9631-DF8F6C2C902F}" type="datetimeFigureOut">
               <a:rPr lang="en-US" smtClean="0"/>
-              <a:t>4/10/2025</a:t>
+              <a:t>4/14/2025</a:t>
             </a:fld>
             <a:endParaRPr lang="en-US"/>
           </a:p>
@@ -2285,7 +2288,7 @@
           <a:p>
             <a:fld id="{F9F57C4A-2F7E-45A6-9631-DF8F6C2C902F}" type="datetimeFigureOut">
               <a:rPr lang="en-US" smtClean="0"/>
-              <a:t>4/10/2025</a:t>
+              <a:t>4/14/2025</a:t>
             </a:fld>
             <a:endParaRPr lang="en-US"/>
           </a:p>
@@ -2560,7 +2563,7 @@
           <a:p>
             <a:fld id="{F9F57C4A-2F7E-45A6-9631-DF8F6C2C902F}" type="datetimeFigureOut">
               <a:rPr lang="en-US" smtClean="0"/>
-              <a:t>4/10/2025</a:t>
+              <a:t>4/14/2025</a:t>
             </a:fld>
             <a:endParaRPr lang="en-US"/>
           </a:p>
@@ -2825,7 +2828,7 @@
           <a:p>
             <a:fld id="{F9F57C4A-2F7E-45A6-9631-DF8F6C2C902F}" type="datetimeFigureOut">
               <a:rPr lang="en-US" smtClean="0"/>
-              <a:t>4/10/2025</a:t>
+              <a:t>4/14/2025</a:t>
             </a:fld>
             <a:endParaRPr lang="en-US"/>
           </a:p>
@@ -3237,7 +3240,7 @@
           <a:p>
             <a:fld id="{F9F57C4A-2F7E-45A6-9631-DF8F6C2C902F}" type="datetimeFigureOut">
               <a:rPr lang="en-US" smtClean="0"/>
-              <a:t>4/10/2025</a:t>
+              <a:t>4/14/2025</a:t>
             </a:fld>
             <a:endParaRPr lang="en-US"/>
           </a:p>
@@ -3378,7 +3381,7 @@
           <a:p>
             <a:fld id="{F9F57C4A-2F7E-45A6-9631-DF8F6C2C902F}" type="datetimeFigureOut">
               <a:rPr lang="en-US" smtClean="0"/>
-              <a:t>4/10/2025</a:t>
+              <a:t>4/14/2025</a:t>
             </a:fld>
             <a:endParaRPr lang="en-US"/>
           </a:p>
@@ -3491,7 +3494,7 @@
           <a:p>
             <a:fld id="{F9F57C4A-2F7E-45A6-9631-DF8F6C2C902F}" type="datetimeFigureOut">
               <a:rPr lang="en-US" smtClean="0"/>
-              <a:t>4/10/2025</a:t>
+              <a:t>4/14/2025</a:t>
             </a:fld>
             <a:endParaRPr lang="en-US"/>
           </a:p>
@@ -3802,7 +3805,7 @@
           <a:p>
             <a:fld id="{F9F57C4A-2F7E-45A6-9631-DF8F6C2C902F}" type="datetimeFigureOut">
               <a:rPr lang="en-US" smtClean="0"/>
-              <a:t>4/10/2025</a:t>
+              <a:t>4/14/2025</a:t>
             </a:fld>
             <a:endParaRPr lang="en-US"/>
           </a:p>
@@ -4090,7 +4093,7 @@
           <a:p>
             <a:fld id="{F9F57C4A-2F7E-45A6-9631-DF8F6C2C902F}" type="datetimeFigureOut">
               <a:rPr lang="en-US" smtClean="0"/>
-              <a:t>4/10/2025</a:t>
+              <a:t>4/14/2025</a:t>
             </a:fld>
             <a:endParaRPr lang="en-US"/>
           </a:p>
@@ -4331,7 +4334,7 @@
           <a:p>
             <a:fld id="{F9F57C4A-2F7E-45A6-9631-DF8F6C2C902F}" type="datetimeFigureOut">
               <a:rPr lang="en-US" smtClean="0"/>
-              <a:t>4/10/2025</a:t>
+              <a:t>4/14/2025</a:t>
             </a:fld>
             <a:endParaRPr lang="en-US"/>
           </a:p>
@@ -5339,6 +5342,337 @@
       </p:par>
     </p:tnLst>
   </p:timing>
+</p:sld>
+</file>
+
+<file path=ppt/slides/slide11.xml><?xml version="1.0" encoding="utf-8"?>
+<p:sld xmlns:a="http://schemas.openxmlformats.org/drawingml/2006/main" xmlns:r="http://schemas.openxmlformats.org/officeDocument/2006/relationships" xmlns:p="http://schemas.openxmlformats.org/presentationml/2006/main">
+  <p:cSld>
+    <p:spTree>
+      <p:nvGrpSpPr>
+        <p:cNvPr id="1" name=""/>
+        <p:cNvGrpSpPr/>
+        <p:nvPr/>
+      </p:nvGrpSpPr>
+      <p:grpSpPr>
+        <a:xfrm>
+          <a:off x="0" y="0"/>
+          <a:ext cx="0" cy="0"/>
+          <a:chOff x="0" y="0"/>
+          <a:chExt cx="0" cy="0"/>
+        </a:xfrm>
+      </p:grpSpPr>
+      <p:sp>
+        <p:nvSpPr>
+          <p:cNvPr id="2" name="Title 1">
+            <a:extLst>
+              <a:ext uri="{FF2B5EF4-FFF2-40B4-BE49-F238E27FC236}">
+                <a16:creationId xmlns:a16="http://schemas.microsoft.com/office/drawing/2014/main" id="{159DA841-6775-8938-212D-BC6661E4AA12}"/>
+              </a:ext>
+            </a:extLst>
+          </p:cNvPr>
+          <p:cNvSpPr>
+            <a:spLocks noGrp="1"/>
+          </p:cNvSpPr>
+          <p:nvPr>
+            <p:ph type="title"/>
+          </p:nvPr>
+        </p:nvSpPr>
+        <p:spPr/>
+        <p:txBody>
+          <a:bodyPr/>
+          <a:lstStyle/>
+          <a:p>
+            <a:r>
+              <a:rPr lang="en-US" dirty="0" err="1"/>
+              <a:t>Plotly</a:t>
+            </a:r>
+            <a:r>
+              <a:rPr lang="en-US" dirty="0"/>
+              <a:t> – Interactive Plots</a:t>
+            </a:r>
+          </a:p>
+        </p:txBody>
+      </p:sp>
+      <p:pic>
+        <p:nvPicPr>
+          <p:cNvPr id="7" name="Picture 6" descr="Chart, scatter chart&#10;&#10;Description automatically generated">
+            <a:extLst>
+              <a:ext uri="{FF2B5EF4-FFF2-40B4-BE49-F238E27FC236}">
+                <a16:creationId xmlns:a16="http://schemas.microsoft.com/office/drawing/2014/main" id="{4C687BB3-AF5B-6B83-52B1-B4413DFE5B58}"/>
+              </a:ext>
+            </a:extLst>
+          </p:cNvPr>
+          <p:cNvPicPr>
+            <a:picLocks noChangeAspect="1"/>
+          </p:cNvPicPr>
+          <p:nvPr/>
+        </p:nvPicPr>
+        <p:blipFill>
+          <a:blip r:embed="rId2">
+            <a:extLst>
+              <a:ext uri="{28A0092B-C50C-407E-A947-70E740481C1C}">
+                <a14:useLocalDpi xmlns:a14="http://schemas.microsoft.com/office/drawing/2010/main" val="0"/>
+              </a:ext>
+            </a:extLst>
+          </a:blip>
+          <a:stretch>
+            <a:fillRect/>
+          </a:stretch>
+        </p:blipFill>
+        <p:spPr>
+          <a:xfrm>
+            <a:off x="1975534" y="2208503"/>
+            <a:ext cx="8240932" cy="4235278"/>
+          </a:xfrm>
+          <a:prstGeom prst="rect">
+            <a:avLst/>
+          </a:prstGeom>
+          <a:ln>
+            <a:solidFill>
+              <a:schemeClr val="accent1"/>
+            </a:solidFill>
+          </a:ln>
+        </p:spPr>
+      </p:pic>
+    </p:spTree>
+    <p:extLst>
+      <p:ext uri="{BB962C8B-B14F-4D97-AF65-F5344CB8AC3E}">
+        <p14:creationId xmlns:p14="http://schemas.microsoft.com/office/powerpoint/2010/main" val="3200123542"/>
+      </p:ext>
+    </p:extLst>
+  </p:cSld>
+  <p:clrMapOvr>
+    <a:masterClrMapping/>
+  </p:clrMapOvr>
+</p:sld>
+</file>
+
+<file path=ppt/slides/slide12.xml><?xml version="1.0" encoding="utf-8"?>
+<p:sld xmlns:a="http://schemas.openxmlformats.org/drawingml/2006/main" xmlns:r="http://schemas.openxmlformats.org/officeDocument/2006/relationships" xmlns:p="http://schemas.openxmlformats.org/presentationml/2006/main">
+  <p:cSld>
+    <p:spTree>
+      <p:nvGrpSpPr>
+        <p:cNvPr id="1" name=""/>
+        <p:cNvGrpSpPr/>
+        <p:nvPr/>
+      </p:nvGrpSpPr>
+      <p:grpSpPr>
+        <a:xfrm>
+          <a:off x="0" y="0"/>
+          <a:ext cx="0" cy="0"/>
+          <a:chOff x="0" y="0"/>
+          <a:chExt cx="0" cy="0"/>
+        </a:xfrm>
+      </p:grpSpPr>
+      <p:sp>
+        <p:nvSpPr>
+          <p:cNvPr id="2" name="Title 1">
+            <a:extLst>
+              <a:ext uri="{FF2B5EF4-FFF2-40B4-BE49-F238E27FC236}">
+                <a16:creationId xmlns:a16="http://schemas.microsoft.com/office/drawing/2014/main" id="{8215670A-E7C8-C803-94A9-BB995D0C0210}"/>
+              </a:ext>
+            </a:extLst>
+          </p:cNvPr>
+          <p:cNvSpPr>
+            <a:spLocks noGrp="1"/>
+          </p:cNvSpPr>
+          <p:nvPr>
+            <p:ph type="title"/>
+          </p:nvPr>
+        </p:nvSpPr>
+        <p:spPr/>
+        <p:txBody>
+          <a:bodyPr/>
+          <a:lstStyle/>
+          <a:p>
+            <a:r>
+              <a:rPr lang="en-US" dirty="0"/>
+              <a:t>Animated Plots</a:t>
+            </a:r>
+          </a:p>
+        </p:txBody>
+      </p:sp>
+      <p:pic>
+        <p:nvPicPr>
+          <p:cNvPr id="5" name="Picture 4" descr="Chart, scatter chart&#10;&#10;Description automatically generated">
+            <a:extLst>
+              <a:ext uri="{FF2B5EF4-FFF2-40B4-BE49-F238E27FC236}">
+                <a16:creationId xmlns:a16="http://schemas.microsoft.com/office/drawing/2014/main" id="{AA5AD3B2-E385-5656-C470-1D930F0602A7}"/>
+              </a:ext>
+            </a:extLst>
+          </p:cNvPr>
+          <p:cNvPicPr>
+            <a:picLocks noChangeAspect="1"/>
+          </p:cNvPicPr>
+          <p:nvPr/>
+        </p:nvPicPr>
+        <p:blipFill>
+          <a:blip r:embed="rId2">
+            <a:extLst>
+              <a:ext uri="{28A0092B-C50C-407E-A947-70E740481C1C}">
+                <a14:useLocalDpi xmlns:a14="http://schemas.microsoft.com/office/drawing/2010/main" val="0"/>
+              </a:ext>
+            </a:extLst>
+          </a:blip>
+          <a:stretch>
+            <a:fillRect/>
+          </a:stretch>
+        </p:blipFill>
+        <p:spPr>
+          <a:xfrm>
+            <a:off x="838200" y="1920875"/>
+            <a:ext cx="4572000" cy="4572000"/>
+          </a:xfrm>
+          <a:prstGeom prst="rect">
+            <a:avLst/>
+          </a:prstGeom>
+          <a:ln>
+            <a:solidFill>
+              <a:schemeClr val="accent1"/>
+            </a:solidFill>
+          </a:ln>
+        </p:spPr>
+      </p:pic>
+      <p:pic>
+        <p:nvPicPr>
+          <p:cNvPr id="7" name="Picture 6" descr="Chart, bar chart, histogram&#10;&#10;Description automatically generated">
+            <a:extLst>
+              <a:ext uri="{FF2B5EF4-FFF2-40B4-BE49-F238E27FC236}">
+                <a16:creationId xmlns:a16="http://schemas.microsoft.com/office/drawing/2014/main" id="{7A7D7182-A9C2-3651-CE2F-83C917494FE2}"/>
+              </a:ext>
+            </a:extLst>
+          </p:cNvPr>
+          <p:cNvPicPr>
+            <a:picLocks noChangeAspect="1"/>
+          </p:cNvPicPr>
+          <p:nvPr/>
+        </p:nvPicPr>
+        <p:blipFill>
+          <a:blip r:embed="rId3">
+            <a:extLst>
+              <a:ext uri="{28A0092B-C50C-407E-A947-70E740481C1C}">
+                <a14:useLocalDpi xmlns:a14="http://schemas.microsoft.com/office/drawing/2010/main" val="0"/>
+              </a:ext>
+            </a:extLst>
+          </a:blip>
+          <a:stretch>
+            <a:fillRect/>
+          </a:stretch>
+        </p:blipFill>
+        <p:spPr>
+          <a:xfrm>
+            <a:off x="5521959" y="2392997"/>
+            <a:ext cx="6446521" cy="3581401"/>
+          </a:xfrm>
+          <a:prstGeom prst="rect">
+            <a:avLst/>
+          </a:prstGeom>
+          <a:ln>
+            <a:solidFill>
+              <a:schemeClr val="accent1"/>
+            </a:solidFill>
+          </a:ln>
+        </p:spPr>
+      </p:pic>
+    </p:spTree>
+    <p:extLst>
+      <p:ext uri="{BB962C8B-B14F-4D97-AF65-F5344CB8AC3E}">
+        <p14:creationId xmlns:p14="http://schemas.microsoft.com/office/powerpoint/2010/main" val="1949729298"/>
+      </p:ext>
+    </p:extLst>
+  </p:cSld>
+  <p:clrMapOvr>
+    <a:masterClrMapping/>
+  </p:clrMapOvr>
+</p:sld>
+</file>
+
+<file path=ppt/slides/slide13.xml><?xml version="1.0" encoding="utf-8"?>
+<p:sld xmlns:a="http://schemas.openxmlformats.org/drawingml/2006/main" xmlns:r="http://schemas.openxmlformats.org/officeDocument/2006/relationships" xmlns:p="http://schemas.openxmlformats.org/presentationml/2006/main">
+  <p:cSld>
+    <p:spTree>
+      <p:nvGrpSpPr>
+        <p:cNvPr id="1" name=""/>
+        <p:cNvGrpSpPr/>
+        <p:nvPr/>
+      </p:nvGrpSpPr>
+      <p:grpSpPr>
+        <a:xfrm>
+          <a:off x="0" y="0"/>
+          <a:ext cx="0" cy="0"/>
+          <a:chOff x="0" y="0"/>
+          <a:chExt cx="0" cy="0"/>
+        </a:xfrm>
+      </p:grpSpPr>
+      <p:sp>
+        <p:nvSpPr>
+          <p:cNvPr id="2" name="Title 1">
+            <a:extLst>
+              <a:ext uri="{FF2B5EF4-FFF2-40B4-BE49-F238E27FC236}">
+                <a16:creationId xmlns:a16="http://schemas.microsoft.com/office/drawing/2014/main" id="{A63F64C0-56E3-4C90-EC0A-186CDBEA2C3A}"/>
+              </a:ext>
+            </a:extLst>
+          </p:cNvPr>
+          <p:cNvSpPr>
+            <a:spLocks noGrp="1"/>
+          </p:cNvSpPr>
+          <p:nvPr>
+            <p:ph type="title"/>
+          </p:nvPr>
+        </p:nvSpPr>
+        <p:spPr/>
+        <p:txBody>
+          <a:bodyPr/>
+          <a:lstStyle/>
+          <a:p>
+            <a:r>
+              <a:rPr lang="en-US" dirty="0"/>
+              <a:t>AI </a:t>
+            </a:r>
+          </a:p>
+        </p:txBody>
+      </p:sp>
+      <p:pic>
+        <p:nvPicPr>
+          <p:cNvPr id="7" name="Picture 6">
+            <a:extLst>
+              <a:ext uri="{FF2B5EF4-FFF2-40B4-BE49-F238E27FC236}">
+                <a16:creationId xmlns:a16="http://schemas.microsoft.com/office/drawing/2014/main" id="{98E1B029-183A-4429-97F7-6631D223B145}"/>
+              </a:ext>
+            </a:extLst>
+          </p:cNvPr>
+          <p:cNvPicPr>
+            <a:picLocks noChangeAspect="1"/>
+          </p:cNvPicPr>
+          <p:nvPr/>
+        </p:nvPicPr>
+        <p:blipFill>
+          <a:blip r:embed="rId2"/>
+          <a:stretch>
+            <a:fillRect/>
+          </a:stretch>
+        </p:blipFill>
+        <p:spPr>
+          <a:xfrm>
+            <a:off x="2217682" y="365125"/>
+            <a:ext cx="9039895" cy="6042401"/>
+          </a:xfrm>
+          <a:prstGeom prst="rect">
+            <a:avLst/>
+          </a:prstGeom>
+        </p:spPr>
+      </p:pic>
+    </p:spTree>
+    <p:extLst>
+      <p:ext uri="{BB962C8B-B14F-4D97-AF65-F5344CB8AC3E}">
+        <p14:creationId xmlns:p14="http://schemas.microsoft.com/office/powerpoint/2010/main" val="3523031483"/>
+      </p:ext>
+    </p:extLst>
+  </p:cSld>
+  <p:clrMapOvr>
+    <a:masterClrMapping/>
+  </p:clrMapOvr>
 </p:sld>
 </file>
 
